--- a/GCA.pptx
+++ b/GCA.pptx
@@ -4,8 +4,12 @@
   <p:sldMasterIdLst>
     <p:sldMasterId id="2147483648" r:id="rId1"/>
   </p:sldMasterIdLst>
+  <p:notesMasterIdLst>
+    <p:notesMasterId r:id="rId4"/>
+  </p:notesMasterIdLst>
   <p:sldIdLst>
     <p:sldId id="256" r:id="rId2"/>
+    <p:sldId id="257" r:id="rId3"/>
   </p:sldIdLst>
   <p:sldSz cx="12192000" cy="6858000"/>
   <p:notesSz cx="6858000" cy="9144000"/>
@@ -112,6 +116,439 @@
 </p:presentation>
 </file>
 
+<file path=ppt/notesMasters/notesMaster1.xml><?xml version="1.0" encoding="utf-8"?>
+<p:notesMaster xmlns:a="http://schemas.openxmlformats.org/drawingml/2006/main" xmlns:r="http://schemas.openxmlformats.org/officeDocument/2006/relationships" xmlns:p="http://schemas.openxmlformats.org/presentationml/2006/main">
+  <p:cSld>
+    <p:bg>
+      <p:bgRef idx="1001">
+        <a:schemeClr val="bg1"/>
+      </p:bgRef>
+    </p:bg>
+    <p:spTree>
+      <p:nvGrpSpPr>
+        <p:cNvPr id="1" name=""/>
+        <p:cNvGrpSpPr/>
+        <p:nvPr/>
+      </p:nvGrpSpPr>
+      <p:grpSpPr>
+        <a:xfrm>
+          <a:off x="0" y="0"/>
+          <a:ext cx="0" cy="0"/>
+          <a:chOff x="0" y="0"/>
+          <a:chExt cx="0" cy="0"/>
+        </a:xfrm>
+      </p:grpSpPr>
+      <p:sp>
+        <p:nvSpPr>
+          <p:cNvPr id="2" name="Header Placeholder 1"/>
+          <p:cNvSpPr>
+            <a:spLocks noGrp="1"/>
+          </p:cNvSpPr>
+          <p:nvPr>
+            <p:ph type="hdr" sz="quarter"/>
+          </p:nvPr>
+        </p:nvSpPr>
+        <p:spPr>
+          <a:xfrm>
+            <a:off x="0" y="0"/>
+            <a:ext cx="2971800" cy="458788"/>
+          </a:xfrm>
+          <a:prstGeom prst="rect">
+            <a:avLst/>
+          </a:prstGeom>
+        </p:spPr>
+        <p:txBody>
+          <a:bodyPr vert="horz" lIns="91440" tIns="45720" rIns="91440" bIns="45720" rtlCol="0"/>
+          <a:lstStyle>
+            <a:lvl1pPr algn="l">
+              <a:defRPr sz="1200"/>
+            </a:lvl1pPr>
+          </a:lstStyle>
+          <a:p>
+            <a:endParaRPr lang="en-US"/>
+          </a:p>
+        </p:txBody>
+      </p:sp>
+      <p:sp>
+        <p:nvSpPr>
+          <p:cNvPr id="3" name="Date Placeholder 2"/>
+          <p:cNvSpPr>
+            <a:spLocks noGrp="1"/>
+          </p:cNvSpPr>
+          <p:nvPr>
+            <p:ph type="dt" idx="1"/>
+          </p:nvPr>
+        </p:nvSpPr>
+        <p:spPr>
+          <a:xfrm>
+            <a:off x="3884613" y="0"/>
+            <a:ext cx="2971800" cy="458788"/>
+          </a:xfrm>
+          <a:prstGeom prst="rect">
+            <a:avLst/>
+          </a:prstGeom>
+        </p:spPr>
+        <p:txBody>
+          <a:bodyPr vert="horz" lIns="91440" tIns="45720" rIns="91440" bIns="45720" rtlCol="0"/>
+          <a:lstStyle>
+            <a:lvl1pPr algn="r">
+              <a:defRPr sz="1200"/>
+            </a:lvl1pPr>
+          </a:lstStyle>
+          <a:p>
+            <a:fld id="{FAEFB7BB-1BCF-4344-B7DB-CD5372CB5E15}" type="datetimeFigureOut">
+              <a:rPr lang="en-US" smtClean="0"/>
+              <a:t>6/15/18</a:t>
+            </a:fld>
+            <a:endParaRPr lang="en-US"/>
+          </a:p>
+        </p:txBody>
+      </p:sp>
+      <p:sp>
+        <p:nvSpPr>
+          <p:cNvPr id="4" name="Slide Image Placeholder 3"/>
+          <p:cNvSpPr>
+            <a:spLocks noGrp="1" noRot="1" noChangeAspect="1"/>
+          </p:cNvSpPr>
+          <p:nvPr>
+            <p:ph type="sldImg" idx="2"/>
+          </p:nvPr>
+        </p:nvSpPr>
+        <p:spPr>
+          <a:xfrm>
+            <a:off x="685800" y="1143000"/>
+            <a:ext cx="5486400" cy="3086100"/>
+          </a:xfrm>
+          <a:prstGeom prst="rect">
+            <a:avLst/>
+          </a:prstGeom>
+          <a:noFill/>
+          <a:ln w="12700">
+            <a:solidFill>
+              <a:prstClr val="black"/>
+            </a:solidFill>
+          </a:ln>
+        </p:spPr>
+        <p:txBody>
+          <a:bodyPr vert="horz" lIns="91440" tIns="45720" rIns="91440" bIns="45720" rtlCol="0" anchor="ctr"/>
+          <a:lstStyle/>
+          <a:p>
+            <a:endParaRPr lang="en-US"/>
+          </a:p>
+        </p:txBody>
+      </p:sp>
+      <p:sp>
+        <p:nvSpPr>
+          <p:cNvPr id="5" name="Notes Placeholder 4"/>
+          <p:cNvSpPr>
+            <a:spLocks noGrp="1"/>
+          </p:cNvSpPr>
+          <p:nvPr>
+            <p:ph type="body" sz="quarter" idx="3"/>
+          </p:nvPr>
+        </p:nvSpPr>
+        <p:spPr>
+          <a:xfrm>
+            <a:off x="685800" y="4400550"/>
+            <a:ext cx="5486400" cy="3600450"/>
+          </a:xfrm>
+          <a:prstGeom prst="rect">
+            <a:avLst/>
+          </a:prstGeom>
+        </p:spPr>
+        <p:txBody>
+          <a:bodyPr vert="horz" lIns="91440" tIns="45720" rIns="91440" bIns="45720" rtlCol="0"/>
+          <a:lstStyle/>
+          <a:p>
+            <a:pPr lvl="0"/>
+            <a:r>
+              <a:rPr lang="en-US"/>
+              <a:t>Edit Master text styles</a:t>
+            </a:r>
+          </a:p>
+          <a:p>
+            <a:pPr lvl="1"/>
+            <a:r>
+              <a:rPr lang="en-US"/>
+              <a:t>Second level</a:t>
+            </a:r>
+          </a:p>
+          <a:p>
+            <a:pPr lvl="2"/>
+            <a:r>
+              <a:rPr lang="en-US"/>
+              <a:t>Third level</a:t>
+            </a:r>
+          </a:p>
+          <a:p>
+            <a:pPr lvl="3"/>
+            <a:r>
+              <a:rPr lang="en-US"/>
+              <a:t>Fourth level</a:t>
+            </a:r>
+          </a:p>
+          <a:p>
+            <a:pPr lvl="4"/>
+            <a:r>
+              <a:rPr lang="en-US"/>
+              <a:t>Fifth level</a:t>
+            </a:r>
+          </a:p>
+        </p:txBody>
+      </p:sp>
+      <p:sp>
+        <p:nvSpPr>
+          <p:cNvPr id="6" name="Footer Placeholder 5"/>
+          <p:cNvSpPr>
+            <a:spLocks noGrp="1"/>
+          </p:cNvSpPr>
+          <p:nvPr>
+            <p:ph type="ftr" sz="quarter" idx="4"/>
+          </p:nvPr>
+        </p:nvSpPr>
+        <p:spPr>
+          <a:xfrm>
+            <a:off x="0" y="8685213"/>
+            <a:ext cx="2971800" cy="458787"/>
+          </a:xfrm>
+          <a:prstGeom prst="rect">
+            <a:avLst/>
+          </a:prstGeom>
+        </p:spPr>
+        <p:txBody>
+          <a:bodyPr vert="horz" lIns="91440" tIns="45720" rIns="91440" bIns="45720" rtlCol="0" anchor="b"/>
+          <a:lstStyle>
+            <a:lvl1pPr algn="l">
+              <a:defRPr sz="1200"/>
+            </a:lvl1pPr>
+          </a:lstStyle>
+          <a:p>
+            <a:endParaRPr lang="en-US"/>
+          </a:p>
+        </p:txBody>
+      </p:sp>
+      <p:sp>
+        <p:nvSpPr>
+          <p:cNvPr id="7" name="Slide Number Placeholder 6"/>
+          <p:cNvSpPr>
+            <a:spLocks noGrp="1"/>
+          </p:cNvSpPr>
+          <p:nvPr>
+            <p:ph type="sldNum" sz="quarter" idx="5"/>
+          </p:nvPr>
+        </p:nvSpPr>
+        <p:spPr>
+          <a:xfrm>
+            <a:off x="3884613" y="8685213"/>
+            <a:ext cx="2971800" cy="458787"/>
+          </a:xfrm>
+          <a:prstGeom prst="rect">
+            <a:avLst/>
+          </a:prstGeom>
+        </p:spPr>
+        <p:txBody>
+          <a:bodyPr vert="horz" lIns="91440" tIns="45720" rIns="91440" bIns="45720" rtlCol="0" anchor="b"/>
+          <a:lstStyle>
+            <a:lvl1pPr algn="r">
+              <a:defRPr sz="1200"/>
+            </a:lvl1pPr>
+          </a:lstStyle>
+          <a:p>
+            <a:fld id="{DEBCB29B-E8FF-144F-A615-245C9FB3D1D4}" type="slidenum">
+              <a:rPr lang="en-US" smtClean="0"/>
+              <a:t>‹#›</a:t>
+            </a:fld>
+            <a:endParaRPr lang="en-US"/>
+          </a:p>
+        </p:txBody>
+      </p:sp>
+    </p:spTree>
+    <p:extLst>
+      <p:ext uri="{BB962C8B-B14F-4D97-AF65-F5344CB8AC3E}">
+        <p14:creationId xmlns:p14="http://schemas.microsoft.com/office/powerpoint/2010/main" val="648986601"/>
+      </p:ext>
+    </p:extLst>
+  </p:cSld>
+  <p:clrMap bg1="lt1" tx1="dk1" bg2="lt2" tx2="dk2" accent1="accent1" accent2="accent2" accent3="accent3" accent4="accent4" accent5="accent5" accent6="accent6" hlink="hlink" folHlink="folHlink"/>
+  <p:notesStyle>
+    <a:lvl1pPr marL="0" algn="l" defTabSz="914400" rtl="0" eaLnBrk="1" latinLnBrk="0" hangingPunct="1">
+      <a:defRPr sz="1200" kern="1200">
+        <a:solidFill>
+          <a:schemeClr val="tx1"/>
+        </a:solidFill>
+        <a:latin typeface="+mn-lt"/>
+        <a:ea typeface="+mn-ea"/>
+        <a:cs typeface="+mn-cs"/>
+      </a:defRPr>
+    </a:lvl1pPr>
+    <a:lvl2pPr marL="457200" algn="l" defTabSz="914400" rtl="0" eaLnBrk="1" latinLnBrk="0" hangingPunct="1">
+      <a:defRPr sz="1200" kern="1200">
+        <a:solidFill>
+          <a:schemeClr val="tx1"/>
+        </a:solidFill>
+        <a:latin typeface="+mn-lt"/>
+        <a:ea typeface="+mn-ea"/>
+        <a:cs typeface="+mn-cs"/>
+      </a:defRPr>
+    </a:lvl2pPr>
+    <a:lvl3pPr marL="914400" algn="l" defTabSz="914400" rtl="0" eaLnBrk="1" latinLnBrk="0" hangingPunct="1">
+      <a:defRPr sz="1200" kern="1200">
+        <a:solidFill>
+          <a:schemeClr val="tx1"/>
+        </a:solidFill>
+        <a:latin typeface="+mn-lt"/>
+        <a:ea typeface="+mn-ea"/>
+        <a:cs typeface="+mn-cs"/>
+      </a:defRPr>
+    </a:lvl3pPr>
+    <a:lvl4pPr marL="1371600" algn="l" defTabSz="914400" rtl="0" eaLnBrk="1" latinLnBrk="0" hangingPunct="1">
+      <a:defRPr sz="1200" kern="1200">
+        <a:solidFill>
+          <a:schemeClr val="tx1"/>
+        </a:solidFill>
+        <a:latin typeface="+mn-lt"/>
+        <a:ea typeface="+mn-ea"/>
+        <a:cs typeface="+mn-cs"/>
+      </a:defRPr>
+    </a:lvl4pPr>
+    <a:lvl5pPr marL="1828800" algn="l" defTabSz="914400" rtl="0" eaLnBrk="1" latinLnBrk="0" hangingPunct="1">
+      <a:defRPr sz="1200" kern="1200">
+        <a:solidFill>
+          <a:schemeClr val="tx1"/>
+        </a:solidFill>
+        <a:latin typeface="+mn-lt"/>
+        <a:ea typeface="+mn-ea"/>
+        <a:cs typeface="+mn-cs"/>
+      </a:defRPr>
+    </a:lvl5pPr>
+    <a:lvl6pPr marL="2286000" algn="l" defTabSz="914400" rtl="0" eaLnBrk="1" latinLnBrk="0" hangingPunct="1">
+      <a:defRPr sz="1200" kern="1200">
+        <a:solidFill>
+          <a:schemeClr val="tx1"/>
+        </a:solidFill>
+        <a:latin typeface="+mn-lt"/>
+        <a:ea typeface="+mn-ea"/>
+        <a:cs typeface="+mn-cs"/>
+      </a:defRPr>
+    </a:lvl6pPr>
+    <a:lvl7pPr marL="2743200" algn="l" defTabSz="914400" rtl="0" eaLnBrk="1" latinLnBrk="0" hangingPunct="1">
+      <a:defRPr sz="1200" kern="1200">
+        <a:solidFill>
+          <a:schemeClr val="tx1"/>
+        </a:solidFill>
+        <a:latin typeface="+mn-lt"/>
+        <a:ea typeface="+mn-ea"/>
+        <a:cs typeface="+mn-cs"/>
+      </a:defRPr>
+    </a:lvl7pPr>
+    <a:lvl8pPr marL="3200400" algn="l" defTabSz="914400" rtl="0" eaLnBrk="1" latinLnBrk="0" hangingPunct="1">
+      <a:defRPr sz="1200" kern="1200">
+        <a:solidFill>
+          <a:schemeClr val="tx1"/>
+        </a:solidFill>
+        <a:latin typeface="+mn-lt"/>
+        <a:ea typeface="+mn-ea"/>
+        <a:cs typeface="+mn-cs"/>
+      </a:defRPr>
+    </a:lvl8pPr>
+    <a:lvl9pPr marL="3657600" algn="l" defTabSz="914400" rtl="0" eaLnBrk="1" latinLnBrk="0" hangingPunct="1">
+      <a:defRPr sz="1200" kern="1200">
+        <a:solidFill>
+          <a:schemeClr val="tx1"/>
+        </a:solidFill>
+        <a:latin typeface="+mn-lt"/>
+        <a:ea typeface="+mn-ea"/>
+        <a:cs typeface="+mn-cs"/>
+      </a:defRPr>
+    </a:lvl9pPr>
+  </p:notesStyle>
+</p:notesMaster>
+</file>
+
+<file path=ppt/notesSlides/notesSlide1.xml><?xml version="1.0" encoding="utf-8"?>
+<p:notes xmlns:a="http://schemas.openxmlformats.org/drawingml/2006/main" xmlns:r="http://schemas.openxmlformats.org/officeDocument/2006/relationships" xmlns:p="http://schemas.openxmlformats.org/presentationml/2006/main">
+  <p:cSld>
+    <p:spTree>
+      <p:nvGrpSpPr>
+        <p:cNvPr id="1" name=""/>
+        <p:cNvGrpSpPr/>
+        <p:nvPr/>
+      </p:nvGrpSpPr>
+      <p:grpSpPr>
+        <a:xfrm>
+          <a:off x="0" y="0"/>
+          <a:ext cx="0" cy="0"/>
+          <a:chOff x="0" y="0"/>
+          <a:chExt cx="0" cy="0"/>
+        </a:xfrm>
+      </p:grpSpPr>
+      <p:sp>
+        <p:nvSpPr>
+          <p:cNvPr id="2" name="Slide Image Placeholder 1"/>
+          <p:cNvSpPr>
+            <a:spLocks noGrp="1" noRot="1" noChangeAspect="1"/>
+          </p:cNvSpPr>
+          <p:nvPr>
+            <p:ph type="sldImg"/>
+          </p:nvPr>
+        </p:nvSpPr>
+        <p:spPr/>
+      </p:sp>
+      <p:sp>
+        <p:nvSpPr>
+          <p:cNvPr id="3" name="Notes Placeholder 2"/>
+          <p:cNvSpPr>
+            <a:spLocks noGrp="1"/>
+          </p:cNvSpPr>
+          <p:nvPr>
+            <p:ph type="body" idx="1"/>
+          </p:nvPr>
+        </p:nvSpPr>
+        <p:spPr/>
+        <p:txBody>
+          <a:bodyPr/>
+          <a:lstStyle/>
+          <a:p>
+            <a:endParaRPr lang="en-US" dirty="0"/>
+          </a:p>
+        </p:txBody>
+      </p:sp>
+      <p:sp>
+        <p:nvSpPr>
+          <p:cNvPr id="4" name="Slide Number Placeholder 3"/>
+          <p:cNvSpPr>
+            <a:spLocks noGrp="1"/>
+          </p:cNvSpPr>
+          <p:nvPr>
+            <p:ph type="sldNum" sz="quarter" idx="10"/>
+          </p:nvPr>
+        </p:nvSpPr>
+        <p:spPr/>
+        <p:txBody>
+          <a:bodyPr/>
+          <a:lstStyle/>
+          <a:p>
+            <a:fld id="{DEBCB29B-E8FF-144F-A615-245C9FB3D1D4}" type="slidenum">
+              <a:rPr lang="en-US" smtClean="0"/>
+              <a:t>2</a:t>
+            </a:fld>
+            <a:endParaRPr lang="en-US"/>
+          </a:p>
+        </p:txBody>
+      </p:sp>
+    </p:spTree>
+    <p:extLst>
+      <p:ext uri="{BB962C8B-B14F-4D97-AF65-F5344CB8AC3E}">
+        <p14:creationId xmlns:p14="http://schemas.microsoft.com/office/powerpoint/2010/main" val="812650959"/>
+      </p:ext>
+    </p:extLst>
+  </p:cSld>
+  <p:clrMapOvr>
+    <a:masterClrMapping/>
+  </p:clrMapOvr>
+</p:notes>
+</file>
+
 <file path=ppt/slideLayouts/slideLayout1.xml><?xml version="1.0" encoding="utf-8"?>
 <p:sldLayout xmlns:a="http://schemas.openxmlformats.org/drawingml/2006/main" xmlns:r="http://schemas.openxmlformats.org/officeDocument/2006/relationships" xmlns:p="http://schemas.openxmlformats.org/presentationml/2006/main" type="title" preserve="1">
   <p:cSld name="Title Slide">
@@ -259,7 +696,7 @@
           <a:p>
             <a:fld id="{A2F985FB-C97F-2940-92DB-8F5020AB5268}" type="datetimeFigureOut">
               <a:rPr lang="en-US" smtClean="0"/>
-              <a:t>6/14/18</a:t>
+              <a:t>6/15/18</a:t>
             </a:fld>
             <a:endParaRPr lang="en-US"/>
           </a:p>
@@ -457,7 +894,7 @@
           <a:p>
             <a:fld id="{A2F985FB-C97F-2940-92DB-8F5020AB5268}" type="datetimeFigureOut">
               <a:rPr lang="en-US" smtClean="0"/>
-              <a:t>6/14/18</a:t>
+              <a:t>6/15/18</a:t>
             </a:fld>
             <a:endParaRPr lang="en-US"/>
           </a:p>
@@ -665,7 +1102,7 @@
           <a:p>
             <a:fld id="{A2F985FB-C97F-2940-92DB-8F5020AB5268}" type="datetimeFigureOut">
               <a:rPr lang="en-US" smtClean="0"/>
-              <a:t>6/14/18</a:t>
+              <a:t>6/15/18</a:t>
             </a:fld>
             <a:endParaRPr lang="en-US"/>
           </a:p>
@@ -863,7 +1300,7 @@
           <a:p>
             <a:fld id="{A2F985FB-C97F-2940-92DB-8F5020AB5268}" type="datetimeFigureOut">
               <a:rPr lang="en-US" smtClean="0"/>
-              <a:t>6/14/18</a:t>
+              <a:t>6/15/18</a:t>
             </a:fld>
             <a:endParaRPr lang="en-US"/>
           </a:p>
@@ -1138,7 +1575,7 @@
           <a:p>
             <a:fld id="{A2F985FB-C97F-2940-92DB-8F5020AB5268}" type="datetimeFigureOut">
               <a:rPr lang="en-US" smtClean="0"/>
-              <a:t>6/14/18</a:t>
+              <a:t>6/15/18</a:t>
             </a:fld>
             <a:endParaRPr lang="en-US"/>
           </a:p>
@@ -1403,7 +1840,7 @@
           <a:p>
             <a:fld id="{A2F985FB-C97F-2940-92DB-8F5020AB5268}" type="datetimeFigureOut">
               <a:rPr lang="en-US" smtClean="0"/>
-              <a:t>6/14/18</a:t>
+              <a:t>6/15/18</a:t>
             </a:fld>
             <a:endParaRPr lang="en-US"/>
           </a:p>
@@ -1815,7 +2252,7 @@
           <a:p>
             <a:fld id="{A2F985FB-C97F-2940-92DB-8F5020AB5268}" type="datetimeFigureOut">
               <a:rPr lang="en-US" smtClean="0"/>
-              <a:t>6/14/18</a:t>
+              <a:t>6/15/18</a:t>
             </a:fld>
             <a:endParaRPr lang="en-US"/>
           </a:p>
@@ -1956,7 +2393,7 @@
           <a:p>
             <a:fld id="{A2F985FB-C97F-2940-92DB-8F5020AB5268}" type="datetimeFigureOut">
               <a:rPr lang="en-US" smtClean="0"/>
-              <a:t>6/14/18</a:t>
+              <a:t>6/15/18</a:t>
             </a:fld>
             <a:endParaRPr lang="en-US"/>
           </a:p>
@@ -2069,7 +2506,7 @@
           <a:p>
             <a:fld id="{A2F985FB-C97F-2940-92DB-8F5020AB5268}" type="datetimeFigureOut">
               <a:rPr lang="en-US" smtClean="0"/>
-              <a:t>6/14/18</a:t>
+              <a:t>6/15/18</a:t>
             </a:fld>
             <a:endParaRPr lang="en-US"/>
           </a:p>
@@ -2380,7 +2817,7 @@
           <a:p>
             <a:fld id="{A2F985FB-C97F-2940-92DB-8F5020AB5268}" type="datetimeFigureOut">
               <a:rPr lang="en-US" smtClean="0"/>
-              <a:t>6/14/18</a:t>
+              <a:t>6/15/18</a:t>
             </a:fld>
             <a:endParaRPr lang="en-US"/>
           </a:p>
@@ -2668,7 +3105,7 @@
           <a:p>
             <a:fld id="{A2F985FB-C97F-2940-92DB-8F5020AB5268}" type="datetimeFigureOut">
               <a:rPr lang="en-US" smtClean="0"/>
-              <a:t>6/14/18</a:t>
+              <a:t>6/15/18</a:t>
             </a:fld>
             <a:endParaRPr lang="en-US"/>
           </a:p>
@@ -2909,7 +3346,7 @@
           <a:p>
             <a:fld id="{A2F985FB-C97F-2940-92DB-8F5020AB5268}" type="datetimeFigureOut">
               <a:rPr lang="en-US" smtClean="0"/>
-              <a:t>6/14/18</a:t>
+              <a:t>6/15/18</a:t>
             </a:fld>
             <a:endParaRPr lang="en-US"/>
           </a:p>
@@ -8219,6 +8656,3917 @@
 </p:sld>
 </file>
 
+<file path=ppt/slides/slide2.xml><?xml version="1.0" encoding="utf-8"?>
+<p:sld xmlns:a="http://schemas.openxmlformats.org/drawingml/2006/main" xmlns:r="http://schemas.openxmlformats.org/officeDocument/2006/relationships" xmlns:p="http://schemas.openxmlformats.org/presentationml/2006/main">
+  <p:cSld>
+    <p:spTree>
+      <p:nvGrpSpPr>
+        <p:cNvPr id="1" name=""/>
+        <p:cNvGrpSpPr/>
+        <p:nvPr/>
+      </p:nvGrpSpPr>
+      <p:grpSpPr>
+        <a:xfrm>
+          <a:off x="0" y="0"/>
+          <a:ext cx="0" cy="0"/>
+          <a:chOff x="0" y="0"/>
+          <a:chExt cx="0" cy="0"/>
+        </a:xfrm>
+      </p:grpSpPr>
+      <p:pic>
+        <p:nvPicPr>
+          <p:cNvPr id="108" name="Picture 107">
+            <a:extLst>
+              <a:ext uri="{FF2B5EF4-FFF2-40B4-BE49-F238E27FC236}">
+                <a16:creationId xmlns:a16="http://schemas.microsoft.com/office/drawing/2014/main" id="{DA50080F-8C5E-A948-A151-321F1E5174C6}"/>
+              </a:ext>
+            </a:extLst>
+          </p:cNvPr>
+          <p:cNvPicPr>
+            <a:picLocks noChangeAspect="1"/>
+          </p:cNvPicPr>
+          <p:nvPr/>
+        </p:nvPicPr>
+        <p:blipFill>
+          <a:blip r:embed="rId3"/>
+          <a:stretch>
+            <a:fillRect/>
+          </a:stretch>
+        </p:blipFill>
+        <p:spPr>
+          <a:xfrm>
+            <a:off x="5632937" y="2369206"/>
+            <a:ext cx="557725" cy="540721"/>
+          </a:xfrm>
+          <a:prstGeom prst="rect">
+            <a:avLst/>
+          </a:prstGeom>
+        </p:spPr>
+      </p:pic>
+      <p:sp>
+        <p:nvSpPr>
+          <p:cNvPr id="4" name="TextBox 3">
+            <a:extLst>
+              <a:ext uri="{FF2B5EF4-FFF2-40B4-BE49-F238E27FC236}">
+                <a16:creationId xmlns:a16="http://schemas.microsoft.com/office/drawing/2014/main" id="{A686B92B-354C-5D46-A0E0-E939B116F0A8}"/>
+              </a:ext>
+            </a:extLst>
+          </p:cNvPr>
+          <p:cNvSpPr txBox="1"/>
+          <p:nvPr/>
+        </p:nvSpPr>
+        <p:spPr>
+          <a:xfrm>
+            <a:off x="543133" y="458191"/>
+            <a:ext cx="1771639" cy="246221"/>
+          </a:xfrm>
+          <a:prstGeom prst="rect">
+            <a:avLst/>
+          </a:prstGeom>
+          <a:noFill/>
+        </p:spPr>
+        <p:txBody>
+          <a:bodyPr wrap="none" rtlCol="0">
+            <a:spAutoFit/>
+          </a:bodyPr>
+          <a:lstStyle/>
+          <a:p>
+            <a:r>
+              <a:rPr lang="en-US" altLang="zh-Hans" sz="1000" dirty="0"/>
+              <a:t>Normalized</a:t>
+            </a:r>
+            <a:r>
+              <a:rPr lang="zh-Hans" altLang="en-US" sz="1000" dirty="0"/>
+              <a:t> </a:t>
+            </a:r>
+            <a:r>
+              <a:rPr lang="en-US" altLang="zh-Hans" sz="1000" dirty="0"/>
+              <a:t>Expression</a:t>
+            </a:r>
+            <a:r>
+              <a:rPr lang="zh-Hans" altLang="en-US" sz="1000" dirty="0"/>
+              <a:t> </a:t>
+            </a:r>
+            <a:r>
+              <a:rPr lang="en-US" altLang="zh-Hans" sz="1000" dirty="0"/>
+              <a:t>Matrix</a:t>
+            </a:r>
+            <a:r>
+              <a:rPr lang="zh-Hans" altLang="en-US" sz="1000" dirty="0"/>
+              <a:t> </a:t>
+            </a:r>
+            <a:endParaRPr lang="en-US" sz="1000" dirty="0"/>
+          </a:p>
+        </p:txBody>
+      </p:sp>
+      <p:graphicFrame>
+        <p:nvGraphicFramePr>
+          <p:cNvPr id="5" name="Table 4">
+            <a:extLst>
+              <a:ext uri="{FF2B5EF4-FFF2-40B4-BE49-F238E27FC236}">
+                <a16:creationId xmlns:a16="http://schemas.microsoft.com/office/drawing/2014/main" id="{790135AE-75B6-F44B-853F-584AA7F73361}"/>
+              </a:ext>
+            </a:extLst>
+          </p:cNvPr>
+          <p:cNvGraphicFramePr>
+            <a:graphicFrameLocks noGrp="1"/>
+          </p:cNvGraphicFramePr>
+          <p:nvPr>
+            <p:extLst>
+              <p:ext uri="{D42A27DB-BD31-4B8C-83A1-F6EECF244321}">
+                <p14:modId xmlns:p14="http://schemas.microsoft.com/office/powerpoint/2010/main" val="1148212423"/>
+              </p:ext>
+            </p:extLst>
+          </p:nvPr>
+        </p:nvGraphicFramePr>
+        <p:xfrm>
+          <a:off x="716280" y="727286"/>
+          <a:ext cx="1455420" cy="640080"/>
+        </p:xfrm>
+        <a:graphic>
+          <a:graphicData uri="http://schemas.openxmlformats.org/drawingml/2006/table">
+            <a:tbl>
+              <a:tblPr firstRow="1" bandRow="1">
+                <a:tableStyleId>{5C22544A-7EE6-4342-B048-85BDC9FD1C3A}</a:tableStyleId>
+              </a:tblPr>
+              <a:tblGrid>
+                <a:gridCol w="485140">
+                  <a:extLst>
+                    <a:ext uri="{9D8B030D-6E8A-4147-A177-3AD203B41FA5}">
+                      <a16:colId xmlns:a16="http://schemas.microsoft.com/office/drawing/2014/main" val="4041435"/>
+                    </a:ext>
+                  </a:extLst>
+                </a:gridCol>
+                <a:gridCol w="485140">
+                  <a:extLst>
+                    <a:ext uri="{9D8B030D-6E8A-4147-A177-3AD203B41FA5}">
+                      <a16:colId xmlns:a16="http://schemas.microsoft.com/office/drawing/2014/main" val="3906697508"/>
+                    </a:ext>
+                  </a:extLst>
+                </a:gridCol>
+                <a:gridCol w="485140">
+                  <a:extLst>
+                    <a:ext uri="{9D8B030D-6E8A-4147-A177-3AD203B41FA5}">
+                      <a16:colId xmlns:a16="http://schemas.microsoft.com/office/drawing/2014/main" val="111751141"/>
+                    </a:ext>
+                  </a:extLst>
+                </a:gridCol>
+              </a:tblGrid>
+              <a:tr h="209448">
+                <a:tc>
+                  <a:txBody>
+                    <a:bodyPr/>
+                    <a:lstStyle/>
+                    <a:p>
+                      <a:pPr algn="ctr"/>
+                      <a:endParaRPr lang="en-US" sz="800" dirty="0"/>
+                    </a:p>
+                  </a:txBody>
+                  <a:tcPr/>
+                </a:tc>
+                <a:tc>
+                  <a:txBody>
+                    <a:bodyPr/>
+                    <a:lstStyle/>
+                    <a:p>
+                      <a:pPr algn="ctr"/>
+                      <a:r>
+                        <a:rPr lang="en-US" sz="800" dirty="0"/>
+                        <a:t>Cell1</a:t>
+                      </a:r>
+                    </a:p>
+                  </a:txBody>
+                  <a:tcPr/>
+                </a:tc>
+                <a:tc>
+                  <a:txBody>
+                    <a:bodyPr/>
+                    <a:lstStyle/>
+                    <a:p>
+                      <a:pPr algn="ctr"/>
+                      <a:r>
+                        <a:rPr lang="en-US" sz="800" dirty="0"/>
+                        <a:t>cell2</a:t>
+                      </a:r>
+                    </a:p>
+                  </a:txBody>
+                  <a:tcPr/>
+                </a:tc>
+                <a:extLst>
+                  <a:ext uri="{0D108BD9-81ED-4DB2-BD59-A6C34878D82A}">
+                    <a16:rowId xmlns:a16="http://schemas.microsoft.com/office/drawing/2014/main" val="487008383"/>
+                  </a:ext>
+                </a:extLst>
+              </a:tr>
+              <a:tr h="167903">
+                <a:tc>
+                  <a:txBody>
+                    <a:bodyPr/>
+                    <a:lstStyle/>
+                    <a:p>
+                      <a:pPr algn="ctr"/>
+                      <a:r>
+                        <a:rPr lang="en-US" sz="800" dirty="0"/>
+                        <a:t>Gene1</a:t>
+                      </a:r>
+                    </a:p>
+                  </a:txBody>
+                  <a:tcPr/>
+                </a:tc>
+                <a:tc>
+                  <a:txBody>
+                    <a:bodyPr/>
+                    <a:lstStyle/>
+                    <a:p>
+                      <a:pPr algn="ctr"/>
+                      <a:endParaRPr lang="en-US" sz="800" dirty="0"/>
+                    </a:p>
+                  </a:txBody>
+                  <a:tcPr/>
+                </a:tc>
+                <a:tc>
+                  <a:txBody>
+                    <a:bodyPr/>
+                    <a:lstStyle/>
+                    <a:p>
+                      <a:pPr algn="ctr"/>
+                      <a:endParaRPr lang="en-US" sz="800" dirty="0"/>
+                    </a:p>
+                  </a:txBody>
+                  <a:tcPr/>
+                </a:tc>
+                <a:extLst>
+                  <a:ext uri="{0D108BD9-81ED-4DB2-BD59-A6C34878D82A}">
+                    <a16:rowId xmlns:a16="http://schemas.microsoft.com/office/drawing/2014/main" val="2285155116"/>
+                  </a:ext>
+                </a:extLst>
+              </a:tr>
+              <a:tr h="167903">
+                <a:tc>
+                  <a:txBody>
+                    <a:bodyPr/>
+                    <a:lstStyle/>
+                    <a:p>
+                      <a:pPr marL="0" marR="0" lvl="0" indent="0" algn="ctr" defTabSz="914400" rtl="0" eaLnBrk="1" fontAlgn="auto" latinLnBrk="0" hangingPunct="1">
+                        <a:lnSpc>
+                          <a:spcPct val="100000"/>
+                        </a:lnSpc>
+                        <a:spcBef>
+                          <a:spcPts val="0"/>
+                        </a:spcBef>
+                        <a:spcAft>
+                          <a:spcPts val="0"/>
+                        </a:spcAft>
+                        <a:buClrTx/>
+                        <a:buSzTx/>
+                        <a:buFontTx/>
+                        <a:buNone/>
+                        <a:tabLst/>
+                        <a:defRPr/>
+                      </a:pPr>
+                      <a:r>
+                        <a:rPr lang="en-US" sz="800" dirty="0"/>
+                        <a:t>Gene2</a:t>
+                      </a:r>
+                    </a:p>
+                  </a:txBody>
+                  <a:tcPr/>
+                </a:tc>
+                <a:tc>
+                  <a:txBody>
+                    <a:bodyPr/>
+                    <a:lstStyle/>
+                    <a:p>
+                      <a:pPr algn="ctr"/>
+                      <a:endParaRPr lang="en-US" sz="800" dirty="0"/>
+                    </a:p>
+                  </a:txBody>
+                  <a:tcPr/>
+                </a:tc>
+                <a:tc>
+                  <a:txBody>
+                    <a:bodyPr/>
+                    <a:lstStyle/>
+                    <a:p>
+                      <a:pPr algn="ctr"/>
+                      <a:r>
+                        <a:rPr lang="en-US" sz="800" dirty="0"/>
+                        <a:t>…</a:t>
+                      </a:r>
+                    </a:p>
+                  </a:txBody>
+                  <a:tcPr/>
+                </a:tc>
+                <a:extLst>
+                  <a:ext uri="{0D108BD9-81ED-4DB2-BD59-A6C34878D82A}">
+                    <a16:rowId xmlns:a16="http://schemas.microsoft.com/office/drawing/2014/main" val="895272732"/>
+                  </a:ext>
+                </a:extLst>
+              </a:tr>
+            </a:tbl>
+          </a:graphicData>
+        </a:graphic>
+      </p:graphicFrame>
+      <p:sp>
+        <p:nvSpPr>
+          <p:cNvPr id="6" name="TextBox 5">
+            <a:extLst>
+              <a:ext uri="{FF2B5EF4-FFF2-40B4-BE49-F238E27FC236}">
+                <a16:creationId xmlns:a16="http://schemas.microsoft.com/office/drawing/2014/main" id="{DB218AF1-4972-2040-882D-993D13A7F042}"/>
+              </a:ext>
+            </a:extLst>
+          </p:cNvPr>
+          <p:cNvSpPr txBox="1"/>
+          <p:nvPr/>
+        </p:nvSpPr>
+        <p:spPr>
+          <a:xfrm>
+            <a:off x="3940195" y="458191"/>
+            <a:ext cx="933269" cy="246221"/>
+          </a:xfrm>
+          <a:prstGeom prst="rect">
+            <a:avLst/>
+          </a:prstGeom>
+          <a:noFill/>
+        </p:spPr>
+        <p:txBody>
+          <a:bodyPr wrap="none" rtlCol="0">
+            <a:spAutoFit/>
+          </a:bodyPr>
+          <a:lstStyle/>
+          <a:p>
+            <a:r>
+              <a:rPr lang="en-US" altLang="zh-Hans" sz="1000" dirty="0"/>
+              <a:t>Z-value</a:t>
+            </a:r>
+            <a:r>
+              <a:rPr lang="zh-Hans" altLang="en-US" sz="1000" dirty="0"/>
+              <a:t> </a:t>
+            </a:r>
+            <a:r>
+              <a:rPr lang="en-US" altLang="zh-Hans" sz="1000" dirty="0"/>
+              <a:t>Matrix</a:t>
+            </a:r>
+            <a:endParaRPr lang="en-US" sz="1000" dirty="0"/>
+          </a:p>
+        </p:txBody>
+      </p:sp>
+      <p:graphicFrame>
+        <p:nvGraphicFramePr>
+          <p:cNvPr id="8" name="Table 7">
+            <a:extLst>
+              <a:ext uri="{FF2B5EF4-FFF2-40B4-BE49-F238E27FC236}">
+                <a16:creationId xmlns:a16="http://schemas.microsoft.com/office/drawing/2014/main" id="{C2292299-3D0E-BD48-A80D-55CEC4AA9173}"/>
+              </a:ext>
+            </a:extLst>
+          </p:cNvPr>
+          <p:cNvGraphicFramePr>
+            <a:graphicFrameLocks noGrp="1"/>
+          </p:cNvGraphicFramePr>
+          <p:nvPr>
+            <p:extLst>
+              <p:ext uri="{D42A27DB-BD31-4B8C-83A1-F6EECF244321}">
+                <p14:modId xmlns:p14="http://schemas.microsoft.com/office/powerpoint/2010/main" val="3413603904"/>
+              </p:ext>
+            </p:extLst>
+          </p:nvPr>
+        </p:nvGraphicFramePr>
+        <p:xfrm>
+          <a:off x="3720500" y="727640"/>
+          <a:ext cx="1427876" cy="640080"/>
+        </p:xfrm>
+        <a:graphic>
+          <a:graphicData uri="http://schemas.openxmlformats.org/drawingml/2006/table">
+            <a:tbl>
+              <a:tblPr firstRow="1" bandRow="1">
+                <a:tableStyleId>{5C22544A-7EE6-4342-B048-85BDC9FD1C3A}</a:tableStyleId>
+              </a:tblPr>
+              <a:tblGrid>
+                <a:gridCol w="997436">
+                  <a:extLst>
+                    <a:ext uri="{9D8B030D-6E8A-4147-A177-3AD203B41FA5}">
+                      <a16:colId xmlns:a16="http://schemas.microsoft.com/office/drawing/2014/main" val="4041435"/>
+                    </a:ext>
+                  </a:extLst>
+                </a:gridCol>
+                <a:gridCol w="430440">
+                  <a:extLst>
+                    <a:ext uri="{9D8B030D-6E8A-4147-A177-3AD203B41FA5}">
+                      <a16:colId xmlns:a16="http://schemas.microsoft.com/office/drawing/2014/main" val="3906697508"/>
+                    </a:ext>
+                  </a:extLst>
+                </a:gridCol>
+              </a:tblGrid>
+              <a:tr h="209448">
+                <a:tc>
+                  <a:txBody>
+                    <a:bodyPr/>
+                    <a:lstStyle/>
+                    <a:p>
+                      <a:pPr algn="ctr"/>
+                      <a:endParaRPr lang="en-US" sz="800" dirty="0"/>
+                    </a:p>
+                  </a:txBody>
+                  <a:tcPr/>
+                </a:tc>
+                <a:tc>
+                  <a:txBody>
+                    <a:bodyPr/>
+                    <a:lstStyle/>
+                    <a:p>
+                      <a:pPr algn="ctr"/>
+                      <a:r>
+                        <a:rPr lang="en-US" sz="800" dirty="0"/>
+                        <a:t>Cell1</a:t>
+                      </a:r>
+                    </a:p>
+                  </a:txBody>
+                  <a:tcPr/>
+                </a:tc>
+                <a:extLst>
+                  <a:ext uri="{0D108BD9-81ED-4DB2-BD59-A6C34878D82A}">
+                    <a16:rowId xmlns:a16="http://schemas.microsoft.com/office/drawing/2014/main" val="487008383"/>
+                  </a:ext>
+                </a:extLst>
+              </a:tr>
+              <a:tr h="167903">
+                <a:tc>
+                  <a:txBody>
+                    <a:bodyPr/>
+                    <a:lstStyle/>
+                    <a:p>
+                      <a:pPr algn="ctr"/>
+                      <a:r>
+                        <a:rPr lang="en-US" sz="800" dirty="0"/>
+                        <a:t>Gene1.And.Gene2</a:t>
+                      </a:r>
+                    </a:p>
+                  </a:txBody>
+                  <a:tcPr/>
+                </a:tc>
+                <a:tc>
+                  <a:txBody>
+                    <a:bodyPr/>
+                    <a:lstStyle/>
+                    <a:p>
+                      <a:pPr algn="ctr"/>
+                      <a:endParaRPr lang="en-US" sz="800" dirty="0"/>
+                    </a:p>
+                  </a:txBody>
+                  <a:tcPr/>
+                </a:tc>
+                <a:extLst>
+                  <a:ext uri="{0D108BD9-81ED-4DB2-BD59-A6C34878D82A}">
+                    <a16:rowId xmlns:a16="http://schemas.microsoft.com/office/drawing/2014/main" val="2285155116"/>
+                  </a:ext>
+                </a:extLst>
+              </a:tr>
+              <a:tr h="167903">
+                <a:tc>
+                  <a:txBody>
+                    <a:bodyPr/>
+                    <a:lstStyle/>
+                    <a:p>
+                      <a:pPr marL="0" marR="0" lvl="0" indent="0" algn="ctr" defTabSz="914400" rtl="0" eaLnBrk="1" fontAlgn="auto" latinLnBrk="0" hangingPunct="1">
+                        <a:lnSpc>
+                          <a:spcPct val="100000"/>
+                        </a:lnSpc>
+                        <a:spcBef>
+                          <a:spcPts val="0"/>
+                        </a:spcBef>
+                        <a:spcAft>
+                          <a:spcPts val="0"/>
+                        </a:spcAft>
+                        <a:buClrTx/>
+                        <a:buSzTx/>
+                        <a:buFontTx/>
+                        <a:buNone/>
+                        <a:tabLst/>
+                        <a:defRPr/>
+                      </a:pPr>
+                      <a:r>
+                        <a:rPr lang="en-US" sz="800" dirty="0"/>
+                        <a:t>…</a:t>
+                      </a:r>
+                    </a:p>
+                  </a:txBody>
+                  <a:tcPr/>
+                </a:tc>
+                <a:tc>
+                  <a:txBody>
+                    <a:bodyPr/>
+                    <a:lstStyle/>
+                    <a:p>
+                      <a:pPr marL="0" marR="0" lvl="0" indent="0" algn="ctr" defTabSz="914400" rtl="0" eaLnBrk="1" fontAlgn="auto" latinLnBrk="0" hangingPunct="1">
+                        <a:lnSpc>
+                          <a:spcPct val="100000"/>
+                        </a:lnSpc>
+                        <a:spcBef>
+                          <a:spcPts val="0"/>
+                        </a:spcBef>
+                        <a:spcAft>
+                          <a:spcPts val="0"/>
+                        </a:spcAft>
+                        <a:buClrTx/>
+                        <a:buSzTx/>
+                        <a:buFontTx/>
+                        <a:buNone/>
+                        <a:tabLst/>
+                        <a:defRPr/>
+                      </a:pPr>
+                      <a:r>
+                        <a:rPr lang="en-US" sz="800" dirty="0"/>
+                        <a:t>…</a:t>
+                      </a:r>
+                    </a:p>
+                  </a:txBody>
+                  <a:tcPr/>
+                </a:tc>
+                <a:extLst>
+                  <a:ext uri="{0D108BD9-81ED-4DB2-BD59-A6C34878D82A}">
+                    <a16:rowId xmlns:a16="http://schemas.microsoft.com/office/drawing/2014/main" val="895272732"/>
+                  </a:ext>
+                </a:extLst>
+              </a:tr>
+            </a:tbl>
+          </a:graphicData>
+        </a:graphic>
+      </p:graphicFrame>
+      <mc:AlternateContent xmlns:mc="http://schemas.openxmlformats.org/markup-compatibility/2006" xmlns:a14="http://schemas.microsoft.com/office/drawing/2010/main">
+        <mc:Choice Requires="a14">
+          <p:sp>
+            <p:nvSpPr>
+              <p:cNvPr id="9" name="TextBox 8">
+                <a:extLst>
+                  <a:ext uri="{FF2B5EF4-FFF2-40B4-BE49-F238E27FC236}">
+                    <a16:creationId xmlns:a16="http://schemas.microsoft.com/office/drawing/2014/main" id="{05A53697-62E5-3D4C-A7F3-27BE5A44A7B6}"/>
+                  </a:ext>
+                </a:extLst>
+              </p:cNvPr>
+              <p:cNvSpPr txBox="1"/>
+              <p:nvPr/>
+            </p:nvSpPr>
+            <p:spPr>
+              <a:xfrm>
+                <a:off x="2228022" y="1262705"/>
+                <a:ext cx="1341099" cy="265073"/>
+              </a:xfrm>
+              <a:prstGeom prst="rect">
+                <a:avLst/>
+              </a:prstGeom>
+              <a:noFill/>
+            </p:spPr>
+            <p:txBody>
+              <a:bodyPr wrap="square" lIns="0" tIns="0" rIns="0" bIns="0" rtlCol="0">
+                <a:spAutoFit/>
+              </a:bodyPr>
+              <a:lstStyle/>
+              <a:p>
+                <a:pPr/>
+                <a14:m>
+                  <m:oMathPara xmlns:m="http://schemas.openxmlformats.org/officeDocument/2006/math">
+                    <m:oMathParaPr>
+                      <m:jc m:val="centerGroup"/>
+                    </m:oMathParaPr>
+                    <m:oMath xmlns:m="http://schemas.openxmlformats.org/officeDocument/2006/math">
+                      <m:r>
+                        <a:rPr lang="en-US" altLang="zh-Hans" sz="800" b="0" i="1" smtClean="0">
+                          <a:latin typeface="Cambria Math" panose="02040503050406030204" pitchFamily="18" charset="0"/>
+                        </a:rPr>
+                        <m:t>𝑍</m:t>
+                      </m:r>
+                      <m:r>
+                        <a:rPr lang="en-US" altLang="zh-Hans" sz="800" b="0" i="1" smtClean="0">
+                          <a:latin typeface="Cambria Math" panose="02040503050406030204" pitchFamily="18" charset="0"/>
+                        </a:rPr>
+                        <m:t>=</m:t>
+                      </m:r>
+                      <m:f>
+                        <m:fPr>
+                          <m:ctrlPr>
+                            <a:rPr lang="en-US" altLang="zh-Hans" sz="800" i="1" smtClean="0">
+                              <a:latin typeface="Cambria Math" panose="02040503050406030204" pitchFamily="18" charset="0"/>
+                            </a:rPr>
+                          </m:ctrlPr>
+                        </m:fPr>
+                        <m:num>
+                          <m:sSub>
+                            <m:sSubPr>
+                              <m:ctrlPr>
+                                <a:rPr lang="en-US" altLang="zh-Hans" sz="800" b="0" i="1" smtClean="0">
+                                  <a:latin typeface="Cambria Math" panose="02040503050406030204" pitchFamily="18" charset="0"/>
+                                  <a:ea typeface="Cambria Math" panose="02040503050406030204" pitchFamily="18" charset="0"/>
+                                </a:rPr>
+                              </m:ctrlPr>
+                            </m:sSubPr>
+                            <m:e>
+                              <m:r>
+                                <m:rPr>
+                                  <m:sty m:val="p"/>
+                                </m:rPr>
+                                <a:rPr lang="el-GR" altLang="zh-Hans" sz="800" i="1">
+                                  <a:latin typeface="Cambria Math" panose="02040503050406030204" pitchFamily="18" charset="0"/>
+                                  <a:ea typeface="Cambria Math" panose="02040503050406030204" pitchFamily="18" charset="0"/>
+                                </a:rPr>
+                                <m:t>Δ</m:t>
+                              </m:r>
+                              <m:r>
+                                <a:rPr lang="en-US" altLang="zh-Hans" sz="800" i="1">
+                                  <a:latin typeface="Cambria Math" panose="02040503050406030204" pitchFamily="18" charset="0"/>
+                                  <a:ea typeface="Cambria Math" panose="02040503050406030204" pitchFamily="18" charset="0"/>
+                                </a:rPr>
+                                <m:t>𝑃𝐶𝐶</m:t>
+                              </m:r>
+                            </m:e>
+                            <m:sub>
+                              <m:r>
+                                <a:rPr lang="en-US" altLang="zh-Hans" sz="800" b="0" i="1" smtClean="0">
+                                  <a:latin typeface="Cambria Math" panose="02040503050406030204" pitchFamily="18" charset="0"/>
+                                  <a:ea typeface="Cambria Math" panose="02040503050406030204" pitchFamily="18" charset="0"/>
+                                </a:rPr>
+                                <m:t>𝑛</m:t>
+                              </m:r>
+                            </m:sub>
+                          </m:sSub>
+                        </m:num>
+                        <m:den>
+                          <m:r>
+                            <a:rPr lang="en-US" altLang="zh-Hans" sz="800" b="0" i="1" smtClean="0">
+                              <a:latin typeface="Cambria Math" panose="02040503050406030204" pitchFamily="18" charset="0"/>
+                            </a:rPr>
+                            <m:t>(</m:t>
+                          </m:r>
+                          <m:r>
+                            <a:rPr lang="en-US" altLang="zh-Hans" sz="800" i="1" smtClean="0">
+                              <a:latin typeface="Cambria Math" panose="02040503050406030204" pitchFamily="18" charset="0"/>
+                            </a:rPr>
+                            <m:t>1</m:t>
+                          </m:r>
+                          <m:r>
+                            <a:rPr lang="en-US" altLang="zh-Hans" sz="800" b="0" i="1" smtClean="0">
+                              <a:latin typeface="Cambria Math" panose="02040503050406030204" pitchFamily="18" charset="0"/>
+                            </a:rPr>
+                            <m:t>−</m:t>
+                          </m:r>
+                          <m:sSup>
+                            <m:sSupPr>
+                              <m:ctrlPr>
+                                <a:rPr lang="en-US" altLang="zh-Hans" sz="800" b="0" i="1" smtClean="0">
+                                  <a:latin typeface="Cambria Math" panose="02040503050406030204" pitchFamily="18" charset="0"/>
+                                </a:rPr>
+                              </m:ctrlPr>
+                            </m:sSupPr>
+                            <m:e>
+                              <m:sSub>
+                                <m:sSubPr>
+                                  <m:ctrlPr>
+                                    <a:rPr lang="en-US" altLang="zh-Hans" sz="800" i="1">
+                                      <a:latin typeface="Cambria Math" panose="02040503050406030204" pitchFamily="18" charset="0"/>
+                                    </a:rPr>
+                                  </m:ctrlPr>
+                                </m:sSubPr>
+                                <m:e>
+                                  <m:r>
+                                    <a:rPr lang="en-US" altLang="zh-Hans" sz="800" i="1">
+                                      <a:latin typeface="Cambria Math" panose="02040503050406030204" pitchFamily="18" charset="0"/>
+                                    </a:rPr>
+                                    <m:t>𝑃𝐶𝐶</m:t>
+                                  </m:r>
+                                </m:e>
+                                <m:sub>
+                                  <m:r>
+                                    <a:rPr lang="en-US" altLang="zh-Hans" sz="800" i="1">
+                                      <a:latin typeface="Cambria Math" panose="02040503050406030204" pitchFamily="18" charset="0"/>
+                                    </a:rPr>
+                                    <m:t>𝑛</m:t>
+                                  </m:r>
+                                </m:sub>
+                              </m:sSub>
+                            </m:e>
+                            <m:sup>
+                              <m:r>
+                                <a:rPr lang="en-US" altLang="zh-Hans" sz="800" b="0" i="1" smtClean="0">
+                                  <a:latin typeface="Cambria Math" panose="02040503050406030204" pitchFamily="18" charset="0"/>
+                                </a:rPr>
+                                <m:t>2</m:t>
+                              </m:r>
+                            </m:sup>
+                          </m:sSup>
+                          <m:r>
+                            <a:rPr lang="en-US" altLang="zh-Hans" sz="800" b="0" i="1" smtClean="0">
+                              <a:latin typeface="Cambria Math" panose="02040503050406030204" pitchFamily="18" charset="0"/>
+                            </a:rPr>
+                            <m:t>)/(</m:t>
+                          </m:r>
+                          <m:r>
+                            <a:rPr lang="en-US" altLang="zh-Hans" sz="800" b="0" i="1" smtClean="0">
+                              <a:latin typeface="Cambria Math" panose="02040503050406030204" pitchFamily="18" charset="0"/>
+                            </a:rPr>
+                            <m:t>𝑛</m:t>
+                          </m:r>
+                          <m:r>
+                            <a:rPr lang="en-US" altLang="zh-Hans" sz="800" b="0" i="1" smtClean="0">
+                              <a:latin typeface="Cambria Math" panose="02040503050406030204" pitchFamily="18" charset="0"/>
+                            </a:rPr>
+                            <m:t>−1)</m:t>
+                          </m:r>
+                        </m:den>
+                      </m:f>
+                    </m:oMath>
+                  </m:oMathPara>
+                </a14:m>
+                <a:endParaRPr lang="en-US" sz="800" dirty="0"/>
+              </a:p>
+            </p:txBody>
+          </p:sp>
+        </mc:Choice>
+        <mc:Fallback xmlns="">
+          <p:sp>
+            <p:nvSpPr>
+              <p:cNvPr id="9" name="TextBox 8">
+                <a:extLst>
+                  <a:ext uri="{FF2B5EF4-FFF2-40B4-BE49-F238E27FC236}">
+                    <a16:creationId xmlns:a16="http://schemas.microsoft.com/office/drawing/2014/main" id="{05A53697-62E5-3D4C-A7F3-27BE5A44A7B6}"/>
+                  </a:ext>
+                </a:extLst>
+              </p:cNvPr>
+              <p:cNvSpPr txBox="1">
+                <a:spLocks noRot="1" noChangeAspect="1" noMove="1" noResize="1" noEditPoints="1" noAdjustHandles="1" noChangeArrowheads="1" noChangeShapeType="1" noTextEdit="1"/>
+              </p:cNvSpPr>
+              <p:nvPr/>
+            </p:nvSpPr>
+            <p:spPr>
+              <a:xfrm>
+                <a:off x="2228022" y="1262705"/>
+                <a:ext cx="1341099" cy="265073"/>
+              </a:xfrm>
+              <a:prstGeom prst="rect">
+                <a:avLst/>
+              </a:prstGeom>
+              <a:blipFill>
+                <a:blip r:embed="rId4"/>
+                <a:stretch>
+                  <a:fillRect b="-13636"/>
+                </a:stretch>
+              </a:blipFill>
+            </p:spPr>
+            <p:txBody>
+              <a:bodyPr/>
+              <a:lstStyle/>
+              <a:p>
+                <a:r>
+                  <a:rPr lang="en-US">
+                    <a:noFill/>
+                  </a:rPr>
+                  <a:t> </a:t>
+                </a:r>
+              </a:p>
+            </p:txBody>
+          </p:sp>
+        </mc:Fallback>
+      </mc:AlternateContent>
+      <p:sp>
+        <p:nvSpPr>
+          <p:cNvPr id="11" name="Oval 10">
+            <a:extLst>
+              <a:ext uri="{FF2B5EF4-FFF2-40B4-BE49-F238E27FC236}">
+                <a16:creationId xmlns:a16="http://schemas.microsoft.com/office/drawing/2014/main" id="{B48EE3D0-2264-4E49-BF89-C92B2CB7DF97}"/>
+              </a:ext>
+            </a:extLst>
+          </p:cNvPr>
+          <p:cNvSpPr/>
+          <p:nvPr/>
+        </p:nvSpPr>
+        <p:spPr>
+          <a:xfrm>
+            <a:off x="2760770" y="580248"/>
+            <a:ext cx="119586" cy="117029"/>
+          </a:xfrm>
+          <a:prstGeom prst="ellipse">
+            <a:avLst/>
+          </a:prstGeom>
+        </p:spPr>
+        <p:style>
+          <a:lnRef idx="2">
+            <a:schemeClr val="accent1">
+              <a:shade val="50000"/>
+            </a:schemeClr>
+          </a:lnRef>
+          <a:fillRef idx="1">
+            <a:schemeClr val="accent1"/>
+          </a:fillRef>
+          <a:effectRef idx="0">
+            <a:schemeClr val="accent1"/>
+          </a:effectRef>
+          <a:fontRef idx="minor">
+            <a:schemeClr val="lt1"/>
+          </a:fontRef>
+        </p:style>
+        <p:txBody>
+          <a:bodyPr rtlCol="0" anchor="ctr"/>
+          <a:lstStyle/>
+          <a:p>
+            <a:pPr algn="ctr"/>
+            <a:endParaRPr lang="en-US"/>
+          </a:p>
+        </p:txBody>
+      </p:sp>
+      <p:sp>
+        <p:nvSpPr>
+          <p:cNvPr id="12" name="Oval 11">
+            <a:extLst>
+              <a:ext uri="{FF2B5EF4-FFF2-40B4-BE49-F238E27FC236}">
+                <a16:creationId xmlns:a16="http://schemas.microsoft.com/office/drawing/2014/main" id="{A22444B3-388F-264B-9CF2-99EF46EA0ED9}"/>
+              </a:ext>
+            </a:extLst>
+          </p:cNvPr>
+          <p:cNvSpPr/>
+          <p:nvPr/>
+        </p:nvSpPr>
+        <p:spPr>
+          <a:xfrm>
+            <a:off x="2987290" y="641432"/>
+            <a:ext cx="119586" cy="117029"/>
+          </a:xfrm>
+          <a:prstGeom prst="ellipse">
+            <a:avLst/>
+          </a:prstGeom>
+          <a:solidFill>
+            <a:srgbClr val="FF0000"/>
+          </a:solidFill>
+        </p:spPr>
+        <p:style>
+          <a:lnRef idx="2">
+            <a:schemeClr val="accent1">
+              <a:shade val="50000"/>
+            </a:schemeClr>
+          </a:lnRef>
+          <a:fillRef idx="1">
+            <a:schemeClr val="accent1"/>
+          </a:fillRef>
+          <a:effectRef idx="0">
+            <a:schemeClr val="accent1"/>
+          </a:effectRef>
+          <a:fontRef idx="minor">
+            <a:schemeClr val="lt1"/>
+          </a:fontRef>
+        </p:style>
+        <p:txBody>
+          <a:bodyPr rtlCol="0" anchor="ctr"/>
+          <a:lstStyle/>
+          <a:p>
+            <a:pPr algn="ctr"/>
+            <a:endParaRPr lang="en-US"/>
+          </a:p>
+        </p:txBody>
+      </p:sp>
+      <p:sp>
+        <p:nvSpPr>
+          <p:cNvPr id="13" name="Oval 12">
+            <a:extLst>
+              <a:ext uri="{FF2B5EF4-FFF2-40B4-BE49-F238E27FC236}">
+                <a16:creationId xmlns:a16="http://schemas.microsoft.com/office/drawing/2014/main" id="{0771F0E0-D893-6A4F-A9A4-4F5009355177}"/>
+              </a:ext>
+            </a:extLst>
+          </p:cNvPr>
+          <p:cNvSpPr/>
+          <p:nvPr/>
+        </p:nvSpPr>
+        <p:spPr>
+          <a:xfrm>
+            <a:off x="2822263" y="809482"/>
+            <a:ext cx="119586" cy="117029"/>
+          </a:xfrm>
+          <a:prstGeom prst="ellipse">
+            <a:avLst/>
+          </a:prstGeom>
+          <a:solidFill>
+            <a:srgbClr val="FF0000"/>
+          </a:solidFill>
+        </p:spPr>
+        <p:style>
+          <a:lnRef idx="2">
+            <a:schemeClr val="accent1">
+              <a:shade val="50000"/>
+            </a:schemeClr>
+          </a:lnRef>
+          <a:fillRef idx="1">
+            <a:schemeClr val="accent1"/>
+          </a:fillRef>
+          <a:effectRef idx="0">
+            <a:schemeClr val="accent1"/>
+          </a:effectRef>
+          <a:fontRef idx="minor">
+            <a:schemeClr val="lt1"/>
+          </a:fontRef>
+        </p:style>
+        <p:txBody>
+          <a:bodyPr rtlCol="0" anchor="ctr"/>
+          <a:lstStyle/>
+          <a:p>
+            <a:pPr algn="ctr"/>
+            <a:endParaRPr lang="en-US"/>
+          </a:p>
+        </p:txBody>
+      </p:sp>
+      <p:cxnSp>
+        <p:nvCxnSpPr>
+          <p:cNvPr id="14" name="Straight Connector 13">
+            <a:extLst>
+              <a:ext uri="{FF2B5EF4-FFF2-40B4-BE49-F238E27FC236}">
+                <a16:creationId xmlns:a16="http://schemas.microsoft.com/office/drawing/2014/main" id="{4A8C3B8B-8E86-524D-9553-B168A1CE3FB3}"/>
+              </a:ext>
+            </a:extLst>
+          </p:cNvPr>
+          <p:cNvCxnSpPr>
+            <a:stCxn id="11" idx="4"/>
+            <a:endCxn id="13" idx="0"/>
+          </p:cNvCxnSpPr>
+          <p:nvPr/>
+        </p:nvCxnSpPr>
+        <p:spPr>
+          <a:xfrm>
+            <a:off x="2820563" y="697277"/>
+            <a:ext cx="61492" cy="112205"/>
+          </a:xfrm>
+          <a:prstGeom prst="line">
+            <a:avLst/>
+          </a:prstGeom>
+        </p:spPr>
+        <p:style>
+          <a:lnRef idx="1">
+            <a:schemeClr val="accent1"/>
+          </a:lnRef>
+          <a:fillRef idx="0">
+            <a:schemeClr val="accent1"/>
+          </a:fillRef>
+          <a:effectRef idx="0">
+            <a:schemeClr val="accent1"/>
+          </a:effectRef>
+          <a:fontRef idx="minor">
+            <a:schemeClr val="tx1"/>
+          </a:fontRef>
+        </p:style>
+      </p:cxnSp>
+      <p:cxnSp>
+        <p:nvCxnSpPr>
+          <p:cNvPr id="15" name="Straight Connector 14">
+            <a:extLst>
+              <a:ext uri="{FF2B5EF4-FFF2-40B4-BE49-F238E27FC236}">
+                <a16:creationId xmlns:a16="http://schemas.microsoft.com/office/drawing/2014/main" id="{CCDA6A0E-5162-AA41-AF57-8DDD68DDF29D}"/>
+              </a:ext>
+            </a:extLst>
+          </p:cNvPr>
+          <p:cNvCxnSpPr>
+            <a:cxnSpLocks/>
+            <a:stCxn id="12" idx="3"/>
+            <a:endCxn id="13" idx="7"/>
+          </p:cNvCxnSpPr>
+          <p:nvPr/>
+        </p:nvCxnSpPr>
+        <p:spPr>
+          <a:xfrm flipH="1">
+            <a:off x="2924335" y="741323"/>
+            <a:ext cx="80468" cy="85298"/>
+          </a:xfrm>
+          <a:prstGeom prst="line">
+            <a:avLst/>
+          </a:prstGeom>
+        </p:spPr>
+        <p:style>
+          <a:lnRef idx="1">
+            <a:schemeClr val="accent1"/>
+          </a:lnRef>
+          <a:fillRef idx="0">
+            <a:schemeClr val="accent1"/>
+          </a:fillRef>
+          <a:effectRef idx="0">
+            <a:schemeClr val="accent1"/>
+          </a:effectRef>
+          <a:fontRef idx="minor">
+            <a:schemeClr val="tx1"/>
+          </a:fontRef>
+        </p:style>
+      </p:cxnSp>
+      <p:sp>
+        <p:nvSpPr>
+          <p:cNvPr id="16" name="Oval 15">
+            <a:extLst>
+              <a:ext uri="{FF2B5EF4-FFF2-40B4-BE49-F238E27FC236}">
+                <a16:creationId xmlns:a16="http://schemas.microsoft.com/office/drawing/2014/main" id="{EF649D06-A35B-CB4E-98CC-4204918EC2CA}"/>
+              </a:ext>
+            </a:extLst>
+          </p:cNvPr>
+          <p:cNvSpPr/>
+          <p:nvPr/>
+        </p:nvSpPr>
+        <p:spPr>
+          <a:xfrm>
+            <a:off x="2536852" y="725457"/>
+            <a:ext cx="119586" cy="117029"/>
+          </a:xfrm>
+          <a:prstGeom prst="ellipse">
+            <a:avLst/>
+          </a:prstGeom>
+        </p:spPr>
+        <p:style>
+          <a:lnRef idx="2">
+            <a:schemeClr val="accent1">
+              <a:shade val="50000"/>
+            </a:schemeClr>
+          </a:lnRef>
+          <a:fillRef idx="1">
+            <a:schemeClr val="accent1"/>
+          </a:fillRef>
+          <a:effectRef idx="0">
+            <a:schemeClr val="accent1"/>
+          </a:effectRef>
+          <a:fontRef idx="minor">
+            <a:schemeClr val="lt1"/>
+          </a:fontRef>
+        </p:style>
+        <p:txBody>
+          <a:bodyPr rtlCol="0" anchor="ctr"/>
+          <a:lstStyle/>
+          <a:p>
+            <a:pPr algn="ctr"/>
+            <a:endParaRPr lang="en-US"/>
+          </a:p>
+        </p:txBody>
+      </p:sp>
+      <p:sp>
+        <p:nvSpPr>
+          <p:cNvPr id="17" name="Oval 16">
+            <a:extLst>
+              <a:ext uri="{FF2B5EF4-FFF2-40B4-BE49-F238E27FC236}">
+                <a16:creationId xmlns:a16="http://schemas.microsoft.com/office/drawing/2014/main" id="{27AC6819-ED54-2E4E-81A9-0ECBF8D0580C}"/>
+              </a:ext>
+            </a:extLst>
+          </p:cNvPr>
+          <p:cNvSpPr/>
+          <p:nvPr/>
+        </p:nvSpPr>
+        <p:spPr>
+          <a:xfrm>
+            <a:off x="2804750" y="1036094"/>
+            <a:ext cx="119586" cy="117029"/>
+          </a:xfrm>
+          <a:prstGeom prst="ellipse">
+            <a:avLst/>
+          </a:prstGeom>
+        </p:spPr>
+        <p:style>
+          <a:lnRef idx="2">
+            <a:schemeClr val="accent1">
+              <a:shade val="50000"/>
+            </a:schemeClr>
+          </a:lnRef>
+          <a:fillRef idx="1">
+            <a:schemeClr val="accent1"/>
+          </a:fillRef>
+          <a:effectRef idx="0">
+            <a:schemeClr val="accent1"/>
+          </a:effectRef>
+          <a:fontRef idx="minor">
+            <a:schemeClr val="lt1"/>
+          </a:fontRef>
+        </p:style>
+        <p:txBody>
+          <a:bodyPr rtlCol="0" anchor="ctr"/>
+          <a:lstStyle/>
+          <a:p>
+            <a:pPr algn="ctr"/>
+            <a:endParaRPr lang="en-US"/>
+          </a:p>
+        </p:txBody>
+      </p:sp>
+      <p:cxnSp>
+        <p:nvCxnSpPr>
+          <p:cNvPr id="18" name="Straight Connector 17">
+            <a:extLst>
+              <a:ext uri="{FF2B5EF4-FFF2-40B4-BE49-F238E27FC236}">
+                <a16:creationId xmlns:a16="http://schemas.microsoft.com/office/drawing/2014/main" id="{77EB0807-C827-6543-B369-4E80BD530F45}"/>
+              </a:ext>
+            </a:extLst>
+          </p:cNvPr>
+          <p:cNvCxnSpPr>
+            <a:stCxn id="17" idx="0"/>
+            <a:endCxn id="13" idx="4"/>
+          </p:cNvCxnSpPr>
+          <p:nvPr/>
+        </p:nvCxnSpPr>
+        <p:spPr>
+          <a:xfrm flipV="1">
+            <a:off x="2864543" y="926512"/>
+            <a:ext cx="17513" cy="109582"/>
+          </a:xfrm>
+          <a:prstGeom prst="line">
+            <a:avLst/>
+          </a:prstGeom>
+        </p:spPr>
+        <p:style>
+          <a:lnRef idx="1">
+            <a:schemeClr val="accent1"/>
+          </a:lnRef>
+          <a:fillRef idx="0">
+            <a:schemeClr val="accent1"/>
+          </a:fillRef>
+          <a:effectRef idx="0">
+            <a:schemeClr val="accent1"/>
+          </a:effectRef>
+          <a:fontRef idx="minor">
+            <a:schemeClr val="tx1"/>
+          </a:fontRef>
+        </p:style>
+      </p:cxnSp>
+      <p:cxnSp>
+        <p:nvCxnSpPr>
+          <p:cNvPr id="19" name="Straight Connector 18">
+            <a:extLst>
+              <a:ext uri="{FF2B5EF4-FFF2-40B4-BE49-F238E27FC236}">
+                <a16:creationId xmlns:a16="http://schemas.microsoft.com/office/drawing/2014/main" id="{3AF684B9-63FA-484C-872A-F7EE20FA2467}"/>
+              </a:ext>
+            </a:extLst>
+          </p:cNvPr>
+          <p:cNvCxnSpPr>
+            <a:stCxn id="16" idx="7"/>
+            <a:endCxn id="11" idx="3"/>
+          </p:cNvCxnSpPr>
+          <p:nvPr/>
+        </p:nvCxnSpPr>
+        <p:spPr>
+          <a:xfrm flipV="1">
+            <a:off x="2638925" y="680139"/>
+            <a:ext cx="139359" cy="62456"/>
+          </a:xfrm>
+          <a:prstGeom prst="line">
+            <a:avLst/>
+          </a:prstGeom>
+        </p:spPr>
+        <p:style>
+          <a:lnRef idx="1">
+            <a:schemeClr val="accent1"/>
+          </a:lnRef>
+          <a:fillRef idx="0">
+            <a:schemeClr val="accent1"/>
+          </a:fillRef>
+          <a:effectRef idx="0">
+            <a:schemeClr val="accent1"/>
+          </a:effectRef>
+          <a:fontRef idx="minor">
+            <a:schemeClr val="tx1"/>
+          </a:fontRef>
+        </p:style>
+      </p:cxnSp>
+      <p:sp>
+        <p:nvSpPr>
+          <p:cNvPr id="20" name="TextBox 19">
+            <a:extLst>
+              <a:ext uri="{FF2B5EF4-FFF2-40B4-BE49-F238E27FC236}">
+                <a16:creationId xmlns:a16="http://schemas.microsoft.com/office/drawing/2014/main" id="{7C4249FA-2A39-A448-9BAD-71BA0C5B68E2}"/>
+              </a:ext>
+            </a:extLst>
+          </p:cNvPr>
+          <p:cNvSpPr txBox="1"/>
+          <p:nvPr/>
+        </p:nvSpPr>
+        <p:spPr>
+          <a:xfrm>
+            <a:off x="2433011" y="288258"/>
+            <a:ext cx="941283" cy="246221"/>
+          </a:xfrm>
+          <a:prstGeom prst="rect">
+            <a:avLst/>
+          </a:prstGeom>
+          <a:noFill/>
+        </p:spPr>
+        <p:txBody>
+          <a:bodyPr wrap="none" rtlCol="0">
+            <a:spAutoFit/>
+          </a:bodyPr>
+          <a:lstStyle/>
+          <a:p>
+            <a:r>
+              <a:rPr lang="en-US" altLang="zh-Hans" sz="1000" dirty="0"/>
+              <a:t>Gene</a:t>
+            </a:r>
+            <a:r>
+              <a:rPr lang="zh-Hans" altLang="en-US" sz="1000" dirty="0"/>
+              <a:t> </a:t>
+            </a:r>
+            <a:r>
+              <a:rPr lang="en-US" altLang="zh-Hans" sz="1000" dirty="0"/>
+              <a:t>Network</a:t>
+            </a:r>
+            <a:endParaRPr lang="en-US" sz="1000" dirty="0"/>
+          </a:p>
+        </p:txBody>
+      </p:sp>
+      <p:sp>
+        <p:nvSpPr>
+          <p:cNvPr id="21" name="Rectangle 20">
+            <a:extLst>
+              <a:ext uri="{FF2B5EF4-FFF2-40B4-BE49-F238E27FC236}">
+                <a16:creationId xmlns:a16="http://schemas.microsoft.com/office/drawing/2014/main" id="{2E39ACB1-A99E-2348-B9F2-DF10180A5588}"/>
+              </a:ext>
+            </a:extLst>
+          </p:cNvPr>
+          <p:cNvSpPr/>
+          <p:nvPr/>
+        </p:nvSpPr>
+        <p:spPr>
+          <a:xfrm>
+            <a:off x="2854910" y="832165"/>
+            <a:ext cx="543739" cy="253916"/>
+          </a:xfrm>
+          <a:prstGeom prst="rect">
+            <a:avLst/>
+          </a:prstGeom>
+        </p:spPr>
+        <p:txBody>
+          <a:bodyPr wrap="none">
+            <a:spAutoFit/>
+          </a:bodyPr>
+          <a:lstStyle/>
+          <a:p>
+            <a:pPr algn="ctr"/>
+            <a:r>
+              <a:rPr lang="en-US" altLang="zh-Hans" sz="1000" dirty="0"/>
+              <a:t>Gene1</a:t>
+            </a:r>
+            <a:endParaRPr lang="en-US" sz="1000" dirty="0"/>
+          </a:p>
+        </p:txBody>
+      </p:sp>
+      <p:sp>
+        <p:nvSpPr>
+          <p:cNvPr id="22" name="Rectangle 21">
+            <a:extLst>
+              <a:ext uri="{FF2B5EF4-FFF2-40B4-BE49-F238E27FC236}">
+                <a16:creationId xmlns:a16="http://schemas.microsoft.com/office/drawing/2014/main" id="{6821B030-F482-C543-A5EE-160AF211E1DB}"/>
+              </a:ext>
+            </a:extLst>
+          </p:cNvPr>
+          <p:cNvSpPr/>
+          <p:nvPr/>
+        </p:nvSpPr>
+        <p:spPr>
+          <a:xfrm>
+            <a:off x="3036715" y="573631"/>
+            <a:ext cx="526105" cy="246221"/>
+          </a:xfrm>
+          <a:prstGeom prst="rect">
+            <a:avLst/>
+          </a:prstGeom>
+        </p:spPr>
+        <p:txBody>
+          <a:bodyPr wrap="none">
+            <a:spAutoFit/>
+          </a:bodyPr>
+          <a:lstStyle/>
+          <a:p>
+            <a:pPr algn="ctr"/>
+            <a:r>
+              <a:rPr lang="en-US" altLang="zh-Hans" sz="1000" dirty="0"/>
+              <a:t>Gene2</a:t>
+            </a:r>
+            <a:endParaRPr lang="en-US" sz="1000" dirty="0"/>
+          </a:p>
+        </p:txBody>
+      </p:sp>
+      <p:pic>
+        <p:nvPicPr>
+          <p:cNvPr id="23" name="Picture 22">
+            <a:extLst>
+              <a:ext uri="{FF2B5EF4-FFF2-40B4-BE49-F238E27FC236}">
+                <a16:creationId xmlns:a16="http://schemas.microsoft.com/office/drawing/2014/main" id="{F5A796BF-5DAA-CC44-B9B9-CAC2A77B8F85}"/>
+              </a:ext>
+            </a:extLst>
+          </p:cNvPr>
+          <p:cNvPicPr>
+            <a:picLocks noChangeAspect="1"/>
+          </p:cNvPicPr>
+          <p:nvPr/>
+        </p:nvPicPr>
+        <p:blipFill>
+          <a:blip r:embed="rId5"/>
+          <a:stretch>
+            <a:fillRect/>
+          </a:stretch>
+        </p:blipFill>
+        <p:spPr>
+          <a:xfrm>
+            <a:off x="5670633" y="437800"/>
+            <a:ext cx="1363456" cy="1176761"/>
+          </a:xfrm>
+          <a:prstGeom prst="rect">
+            <a:avLst/>
+          </a:prstGeom>
+        </p:spPr>
+      </p:pic>
+      <p:sp>
+        <p:nvSpPr>
+          <p:cNvPr id="24" name="Rectangle 23">
+            <a:extLst>
+              <a:ext uri="{FF2B5EF4-FFF2-40B4-BE49-F238E27FC236}">
+                <a16:creationId xmlns:a16="http://schemas.microsoft.com/office/drawing/2014/main" id="{5B071527-5BD1-F947-A319-0D0E894F974A}"/>
+              </a:ext>
+            </a:extLst>
+          </p:cNvPr>
+          <p:cNvSpPr/>
+          <p:nvPr/>
+        </p:nvSpPr>
+        <p:spPr>
+          <a:xfrm>
+            <a:off x="5675348" y="1618645"/>
+            <a:ext cx="1468672" cy="246221"/>
+          </a:xfrm>
+          <a:prstGeom prst="rect">
+            <a:avLst/>
+          </a:prstGeom>
+        </p:spPr>
+        <p:txBody>
+          <a:bodyPr wrap="none">
+            <a:spAutoFit/>
+          </a:bodyPr>
+          <a:lstStyle/>
+          <a:p>
+            <a:r>
+              <a:rPr lang="en-US" altLang="zh-Hans" sz="1000" dirty="0"/>
+              <a:t>Gene1’s expression level</a:t>
+            </a:r>
+            <a:endParaRPr lang="en-US" sz="1000" dirty="0"/>
+          </a:p>
+        </p:txBody>
+      </p:sp>
+      <p:sp>
+        <p:nvSpPr>
+          <p:cNvPr id="25" name="Rectangle 24">
+            <a:extLst>
+              <a:ext uri="{FF2B5EF4-FFF2-40B4-BE49-F238E27FC236}">
+                <a16:creationId xmlns:a16="http://schemas.microsoft.com/office/drawing/2014/main" id="{DF84083D-7464-494E-A1D1-8B9BAF01F7DA}"/>
+              </a:ext>
+            </a:extLst>
+          </p:cNvPr>
+          <p:cNvSpPr/>
+          <p:nvPr/>
+        </p:nvSpPr>
+        <p:spPr>
+          <a:xfrm rot="16200000">
+            <a:off x="4792989" y="878803"/>
+            <a:ext cx="1468672" cy="246221"/>
+          </a:xfrm>
+          <a:prstGeom prst="rect">
+            <a:avLst/>
+          </a:prstGeom>
+        </p:spPr>
+        <p:txBody>
+          <a:bodyPr wrap="none">
+            <a:spAutoFit/>
+          </a:bodyPr>
+          <a:lstStyle/>
+          <a:p>
+            <a:r>
+              <a:rPr lang="en-US" altLang="zh-Hans" sz="1000" dirty="0"/>
+              <a:t>Gene2’s expression level</a:t>
+            </a:r>
+            <a:endParaRPr lang="en-US" sz="1000" dirty="0"/>
+          </a:p>
+        </p:txBody>
+      </p:sp>
+      <p:sp>
+        <p:nvSpPr>
+          <p:cNvPr id="26" name="Rectangle 25">
+            <a:extLst>
+              <a:ext uri="{FF2B5EF4-FFF2-40B4-BE49-F238E27FC236}">
+                <a16:creationId xmlns:a16="http://schemas.microsoft.com/office/drawing/2014/main" id="{345DECBF-1691-2246-B53A-A524564A2B48}"/>
+              </a:ext>
+            </a:extLst>
+          </p:cNvPr>
+          <p:cNvSpPr/>
+          <p:nvPr/>
+        </p:nvSpPr>
+        <p:spPr>
+          <a:xfrm rot="16200000">
+            <a:off x="6856011" y="934362"/>
+            <a:ext cx="703511" cy="112927"/>
+          </a:xfrm>
+          <a:prstGeom prst="rect">
+            <a:avLst/>
+          </a:prstGeom>
+          <a:gradFill flip="none" rotWithShape="1">
+            <a:gsLst>
+              <a:gs pos="0">
+                <a:srgbClr val="7030A0"/>
+              </a:gs>
+              <a:gs pos="100000">
+                <a:schemeClr val="accent4">
+                  <a:lumMod val="60000"/>
+                  <a:lumOff val="40000"/>
+                </a:schemeClr>
+              </a:gs>
+            </a:gsLst>
+            <a:lin ang="0" scaled="1"/>
+            <a:tileRect/>
+          </a:gradFill>
+          <a:ln>
+            <a:noFill/>
+          </a:ln>
+        </p:spPr>
+        <p:style>
+          <a:lnRef idx="2">
+            <a:schemeClr val="accent1">
+              <a:shade val="50000"/>
+            </a:schemeClr>
+          </a:lnRef>
+          <a:fillRef idx="1">
+            <a:schemeClr val="accent1"/>
+          </a:fillRef>
+          <a:effectRef idx="0">
+            <a:schemeClr val="accent1"/>
+          </a:effectRef>
+          <a:fontRef idx="minor">
+            <a:schemeClr val="lt1"/>
+          </a:fontRef>
+        </p:style>
+        <p:txBody>
+          <a:bodyPr rtlCol="0" anchor="ctr"/>
+          <a:lstStyle/>
+          <a:p>
+            <a:pPr algn="ctr"/>
+            <a:endParaRPr lang="en-US"/>
+          </a:p>
+        </p:txBody>
+      </p:sp>
+      <p:sp>
+        <p:nvSpPr>
+          <p:cNvPr id="27" name="TextBox 26">
+            <a:extLst>
+              <a:ext uri="{FF2B5EF4-FFF2-40B4-BE49-F238E27FC236}">
+                <a16:creationId xmlns:a16="http://schemas.microsoft.com/office/drawing/2014/main" id="{5619F65A-9D68-7E47-953F-3D9B9C84FE83}"/>
+              </a:ext>
+            </a:extLst>
+          </p:cNvPr>
+          <p:cNvSpPr txBox="1"/>
+          <p:nvPr/>
+        </p:nvSpPr>
+        <p:spPr>
+          <a:xfrm rot="5400000">
+            <a:off x="7056311" y="878686"/>
+            <a:ext cx="700400" cy="246221"/>
+          </a:xfrm>
+          <a:prstGeom prst="rect">
+            <a:avLst/>
+          </a:prstGeom>
+          <a:noFill/>
+        </p:spPr>
+        <p:txBody>
+          <a:bodyPr wrap="square" rtlCol="0">
+            <a:spAutoFit/>
+          </a:bodyPr>
+          <a:lstStyle/>
+          <a:p>
+            <a:r>
+              <a:rPr lang="en-US" sz="1000" dirty="0"/>
+              <a:t>Z-value</a:t>
+            </a:r>
+          </a:p>
+        </p:txBody>
+      </p:sp>
+      <p:sp>
+        <p:nvSpPr>
+          <p:cNvPr id="28" name="Rectangle 27">
+            <a:extLst>
+              <a:ext uri="{FF2B5EF4-FFF2-40B4-BE49-F238E27FC236}">
+                <a16:creationId xmlns:a16="http://schemas.microsoft.com/office/drawing/2014/main" id="{0D3E3896-EEA7-A04A-BE5F-3607A15CD8D4}"/>
+              </a:ext>
+            </a:extLst>
+          </p:cNvPr>
+          <p:cNvSpPr/>
+          <p:nvPr/>
+        </p:nvSpPr>
+        <p:spPr>
+          <a:xfrm>
+            <a:off x="7054286" y="377241"/>
+            <a:ext cx="314510" cy="246221"/>
+          </a:xfrm>
+          <a:prstGeom prst="rect">
+            <a:avLst/>
+          </a:prstGeom>
+        </p:spPr>
+        <p:txBody>
+          <a:bodyPr wrap="none">
+            <a:spAutoFit/>
+          </a:bodyPr>
+          <a:lstStyle/>
+          <a:p>
+            <a:r>
+              <a:rPr lang="en-US" altLang="zh-Hans" sz="1000" dirty="0"/>
+              <a:t>+2</a:t>
+            </a:r>
+            <a:endParaRPr lang="en-US" sz="1000" dirty="0"/>
+          </a:p>
+        </p:txBody>
+      </p:sp>
+      <p:sp>
+        <p:nvSpPr>
+          <p:cNvPr id="29" name="Rectangle 28">
+            <a:extLst>
+              <a:ext uri="{FF2B5EF4-FFF2-40B4-BE49-F238E27FC236}">
+                <a16:creationId xmlns:a16="http://schemas.microsoft.com/office/drawing/2014/main" id="{A3918B9B-9C50-D64D-A370-550239FADBE1}"/>
+              </a:ext>
+            </a:extLst>
+          </p:cNvPr>
+          <p:cNvSpPr/>
+          <p:nvPr/>
+        </p:nvSpPr>
+        <p:spPr>
+          <a:xfrm>
+            <a:off x="7063606" y="1334130"/>
+            <a:ext cx="288862" cy="246221"/>
+          </a:xfrm>
+          <a:prstGeom prst="rect">
+            <a:avLst/>
+          </a:prstGeom>
+        </p:spPr>
+        <p:txBody>
+          <a:bodyPr wrap="none">
+            <a:spAutoFit/>
+          </a:bodyPr>
+          <a:lstStyle/>
+          <a:p>
+            <a:r>
+              <a:rPr lang="en-US" altLang="zh-Hans" sz="1000" dirty="0"/>
+              <a:t>-2</a:t>
+            </a:r>
+            <a:endParaRPr lang="en-US" sz="1000" dirty="0"/>
+          </a:p>
+        </p:txBody>
+      </p:sp>
+      <p:sp>
+        <p:nvSpPr>
+          <p:cNvPr id="30" name="Right Arrow 29">
+            <a:extLst>
+              <a:ext uri="{FF2B5EF4-FFF2-40B4-BE49-F238E27FC236}">
+                <a16:creationId xmlns:a16="http://schemas.microsoft.com/office/drawing/2014/main" id="{CAF08F06-611B-C749-9F38-FF3546498E77}"/>
+              </a:ext>
+            </a:extLst>
+          </p:cNvPr>
+          <p:cNvSpPr/>
+          <p:nvPr/>
+        </p:nvSpPr>
+        <p:spPr>
+          <a:xfrm>
+            <a:off x="2221350" y="931389"/>
+            <a:ext cx="148622" cy="162003"/>
+          </a:xfrm>
+          <a:prstGeom prst="rightArrow">
+            <a:avLst/>
+          </a:prstGeom>
+          <a:solidFill>
+            <a:schemeClr val="bg1">
+              <a:lumMod val="65000"/>
+            </a:schemeClr>
+          </a:solidFill>
+          <a:ln>
+            <a:noFill/>
+          </a:ln>
+        </p:spPr>
+        <p:style>
+          <a:lnRef idx="2">
+            <a:schemeClr val="accent1">
+              <a:shade val="50000"/>
+            </a:schemeClr>
+          </a:lnRef>
+          <a:fillRef idx="1">
+            <a:schemeClr val="accent1"/>
+          </a:fillRef>
+          <a:effectRef idx="0">
+            <a:schemeClr val="accent1"/>
+          </a:effectRef>
+          <a:fontRef idx="minor">
+            <a:schemeClr val="lt1"/>
+          </a:fontRef>
+        </p:style>
+        <p:txBody>
+          <a:bodyPr rtlCol="0" anchor="ctr"/>
+          <a:lstStyle/>
+          <a:p>
+            <a:pPr algn="ctr"/>
+            <a:endParaRPr lang="en-US"/>
+          </a:p>
+        </p:txBody>
+      </p:sp>
+      <p:sp>
+        <p:nvSpPr>
+          <p:cNvPr id="31" name="Right Arrow 30">
+            <a:extLst>
+              <a:ext uri="{FF2B5EF4-FFF2-40B4-BE49-F238E27FC236}">
+                <a16:creationId xmlns:a16="http://schemas.microsoft.com/office/drawing/2014/main" id="{D2E23248-72E9-EC40-95F0-532195EE7365}"/>
+              </a:ext>
+            </a:extLst>
+          </p:cNvPr>
+          <p:cNvSpPr/>
+          <p:nvPr/>
+        </p:nvSpPr>
+        <p:spPr>
+          <a:xfrm>
+            <a:off x="3486607" y="931389"/>
+            <a:ext cx="148622" cy="162003"/>
+          </a:xfrm>
+          <a:prstGeom prst="rightArrow">
+            <a:avLst/>
+          </a:prstGeom>
+          <a:solidFill>
+            <a:schemeClr val="bg1">
+              <a:lumMod val="65000"/>
+            </a:schemeClr>
+          </a:solidFill>
+          <a:ln>
+            <a:noFill/>
+          </a:ln>
+        </p:spPr>
+        <p:style>
+          <a:lnRef idx="2">
+            <a:schemeClr val="accent1">
+              <a:shade val="50000"/>
+            </a:schemeClr>
+          </a:lnRef>
+          <a:fillRef idx="1">
+            <a:schemeClr val="accent1"/>
+          </a:fillRef>
+          <a:effectRef idx="0">
+            <a:schemeClr val="accent1"/>
+          </a:effectRef>
+          <a:fontRef idx="minor">
+            <a:schemeClr val="lt1"/>
+          </a:fontRef>
+        </p:style>
+        <p:txBody>
+          <a:bodyPr rtlCol="0" anchor="ctr"/>
+          <a:lstStyle/>
+          <a:p>
+            <a:pPr algn="ctr"/>
+            <a:endParaRPr lang="en-US"/>
+          </a:p>
+        </p:txBody>
+      </p:sp>
+      <p:sp>
+        <p:nvSpPr>
+          <p:cNvPr id="32" name="Right Arrow 31">
+            <a:extLst>
+              <a:ext uri="{FF2B5EF4-FFF2-40B4-BE49-F238E27FC236}">
+                <a16:creationId xmlns:a16="http://schemas.microsoft.com/office/drawing/2014/main" id="{0F917E4B-B4EF-8F4B-AE8D-588CEBE8A8E1}"/>
+              </a:ext>
+            </a:extLst>
+          </p:cNvPr>
+          <p:cNvSpPr/>
+          <p:nvPr/>
+        </p:nvSpPr>
+        <p:spPr>
+          <a:xfrm>
+            <a:off x="5258535" y="931389"/>
+            <a:ext cx="148622" cy="162003"/>
+          </a:xfrm>
+          <a:prstGeom prst="rightArrow">
+            <a:avLst/>
+          </a:prstGeom>
+          <a:solidFill>
+            <a:schemeClr val="bg1">
+              <a:lumMod val="65000"/>
+            </a:schemeClr>
+          </a:solidFill>
+          <a:ln>
+            <a:noFill/>
+          </a:ln>
+        </p:spPr>
+        <p:style>
+          <a:lnRef idx="2">
+            <a:schemeClr val="accent1">
+              <a:shade val="50000"/>
+            </a:schemeClr>
+          </a:lnRef>
+          <a:fillRef idx="1">
+            <a:schemeClr val="accent1"/>
+          </a:fillRef>
+          <a:effectRef idx="0">
+            <a:schemeClr val="accent1"/>
+          </a:effectRef>
+          <a:fontRef idx="minor">
+            <a:schemeClr val="lt1"/>
+          </a:fontRef>
+        </p:style>
+        <p:txBody>
+          <a:bodyPr rtlCol="0" anchor="ctr"/>
+          <a:lstStyle/>
+          <a:p>
+            <a:pPr algn="ctr"/>
+            <a:endParaRPr lang="en-US"/>
+          </a:p>
+        </p:txBody>
+      </p:sp>
+      <p:pic>
+        <p:nvPicPr>
+          <p:cNvPr id="33" name="Picture 32">
+            <a:extLst>
+              <a:ext uri="{FF2B5EF4-FFF2-40B4-BE49-F238E27FC236}">
+                <a16:creationId xmlns:a16="http://schemas.microsoft.com/office/drawing/2014/main" id="{CB8683CD-0EB0-AF44-A50E-A2A23BADA5F9}"/>
+              </a:ext>
+            </a:extLst>
+          </p:cNvPr>
+          <p:cNvPicPr>
+            <a:picLocks noChangeAspect="1"/>
+          </p:cNvPicPr>
+          <p:nvPr/>
+        </p:nvPicPr>
+        <p:blipFill>
+          <a:blip r:embed="rId6"/>
+          <a:stretch>
+            <a:fillRect/>
+          </a:stretch>
+        </p:blipFill>
+        <p:spPr>
+          <a:xfrm>
+            <a:off x="716280" y="2203047"/>
+            <a:ext cx="1314138" cy="1233798"/>
+          </a:xfrm>
+          <a:prstGeom prst="rect">
+            <a:avLst/>
+          </a:prstGeom>
+        </p:spPr>
+      </p:pic>
+      <p:pic>
+        <p:nvPicPr>
+          <p:cNvPr id="34" name="Picture 33">
+            <a:extLst>
+              <a:ext uri="{FF2B5EF4-FFF2-40B4-BE49-F238E27FC236}">
+                <a16:creationId xmlns:a16="http://schemas.microsoft.com/office/drawing/2014/main" id="{30B5D735-9AF8-9948-A159-67CC7CD97005}"/>
+              </a:ext>
+            </a:extLst>
+          </p:cNvPr>
+          <p:cNvPicPr>
+            <a:picLocks noChangeAspect="1"/>
+          </p:cNvPicPr>
+          <p:nvPr/>
+        </p:nvPicPr>
+        <p:blipFill>
+          <a:blip r:embed="rId7"/>
+          <a:stretch>
+            <a:fillRect/>
+          </a:stretch>
+        </p:blipFill>
+        <p:spPr>
+          <a:xfrm>
+            <a:off x="2115544" y="2203047"/>
+            <a:ext cx="1314514" cy="1233798"/>
+          </a:xfrm>
+          <a:prstGeom prst="rect">
+            <a:avLst/>
+          </a:prstGeom>
+        </p:spPr>
+      </p:pic>
+      <p:pic>
+        <p:nvPicPr>
+          <p:cNvPr id="35" name="Picture 34">
+            <a:extLst>
+              <a:ext uri="{FF2B5EF4-FFF2-40B4-BE49-F238E27FC236}">
+                <a16:creationId xmlns:a16="http://schemas.microsoft.com/office/drawing/2014/main" id="{2F1F4982-F6E0-F04B-970B-12A83B90C63A}"/>
+              </a:ext>
+            </a:extLst>
+          </p:cNvPr>
+          <p:cNvPicPr>
+            <a:picLocks noChangeAspect="1"/>
+          </p:cNvPicPr>
+          <p:nvPr/>
+        </p:nvPicPr>
+        <p:blipFill>
+          <a:blip r:embed="rId8"/>
+          <a:stretch>
+            <a:fillRect/>
+          </a:stretch>
+        </p:blipFill>
+        <p:spPr>
+          <a:xfrm>
+            <a:off x="3529423" y="2203047"/>
+            <a:ext cx="1332998" cy="1233798"/>
+          </a:xfrm>
+          <a:prstGeom prst="rect">
+            <a:avLst/>
+          </a:prstGeom>
+        </p:spPr>
+      </p:pic>
+      <p:sp>
+        <p:nvSpPr>
+          <p:cNvPr id="36" name="Rectangle 35">
+            <a:extLst>
+              <a:ext uri="{FF2B5EF4-FFF2-40B4-BE49-F238E27FC236}">
+                <a16:creationId xmlns:a16="http://schemas.microsoft.com/office/drawing/2014/main" id="{740BF6CA-AB47-6246-BB41-3109DA5CB0F5}"/>
+              </a:ext>
+            </a:extLst>
+          </p:cNvPr>
+          <p:cNvSpPr/>
+          <p:nvPr/>
+        </p:nvSpPr>
+        <p:spPr>
+          <a:xfrm>
+            <a:off x="655679" y="1947840"/>
+            <a:ext cx="1197845" cy="246221"/>
+          </a:xfrm>
+          <a:prstGeom prst="rect">
+            <a:avLst/>
+          </a:prstGeom>
+        </p:spPr>
+        <p:txBody>
+          <a:bodyPr wrap="square">
+            <a:spAutoFit/>
+          </a:bodyPr>
+          <a:lstStyle/>
+          <a:p>
+            <a:pPr algn="ctr"/>
+            <a:r>
+              <a:rPr lang="en-US" altLang="zh-Hans" sz="1000" dirty="0"/>
+              <a:t>Z-value Distribution</a:t>
+            </a:r>
+          </a:p>
+        </p:txBody>
+      </p:sp>
+      <p:sp>
+        <p:nvSpPr>
+          <p:cNvPr id="37" name="TextBox 36">
+            <a:extLst>
+              <a:ext uri="{FF2B5EF4-FFF2-40B4-BE49-F238E27FC236}">
+                <a16:creationId xmlns:a16="http://schemas.microsoft.com/office/drawing/2014/main" id="{575F6D02-2646-7A4E-AC9E-50AA2FF1A4CB}"/>
+              </a:ext>
+            </a:extLst>
+          </p:cNvPr>
+          <p:cNvSpPr txBox="1"/>
+          <p:nvPr/>
+        </p:nvSpPr>
+        <p:spPr>
+          <a:xfrm>
+            <a:off x="3486607" y="1987976"/>
+            <a:ext cx="797013" cy="400110"/>
+          </a:xfrm>
+          <a:prstGeom prst="rect">
+            <a:avLst/>
+          </a:prstGeom>
+          <a:noFill/>
+        </p:spPr>
+        <p:txBody>
+          <a:bodyPr wrap="none" rtlCol="0">
+            <a:spAutoFit/>
+          </a:bodyPr>
+          <a:lstStyle/>
+          <a:p>
+            <a:r>
+              <a:rPr lang="en-US" sz="1000" dirty="0">
+                <a:solidFill>
+                  <a:schemeClr val="accent6"/>
+                </a:solidFill>
+              </a:rPr>
+              <a:t>Main-group</a:t>
+            </a:r>
+          </a:p>
+          <a:p>
+            <a:pPr algn="ctr"/>
+            <a:r>
+              <a:rPr lang="en-US" sz="1000" dirty="0">
+                <a:solidFill>
+                  <a:schemeClr val="accent6"/>
+                </a:solidFill>
+              </a:rPr>
+              <a:t>(64%)</a:t>
+            </a:r>
+          </a:p>
+        </p:txBody>
+      </p:sp>
+      <p:sp>
+        <p:nvSpPr>
+          <p:cNvPr id="38" name="TextBox 37">
+            <a:extLst>
+              <a:ext uri="{FF2B5EF4-FFF2-40B4-BE49-F238E27FC236}">
+                <a16:creationId xmlns:a16="http://schemas.microsoft.com/office/drawing/2014/main" id="{A390777B-31DD-0740-8A03-5698A2F733DE}"/>
+              </a:ext>
+            </a:extLst>
+          </p:cNvPr>
+          <p:cNvSpPr txBox="1"/>
+          <p:nvPr/>
+        </p:nvSpPr>
+        <p:spPr>
+          <a:xfrm>
+            <a:off x="4510738" y="2358467"/>
+            <a:ext cx="788998" cy="553998"/>
+          </a:xfrm>
+          <a:prstGeom prst="rect">
+            <a:avLst/>
+          </a:prstGeom>
+          <a:noFill/>
+        </p:spPr>
+        <p:txBody>
+          <a:bodyPr wrap="none" rtlCol="0">
+            <a:spAutoFit/>
+          </a:bodyPr>
+          <a:lstStyle/>
+          <a:p>
+            <a:pPr algn="ctr"/>
+            <a:r>
+              <a:rPr lang="en-US" sz="1000" dirty="0">
+                <a:solidFill>
+                  <a:srgbClr val="0070C0"/>
+                </a:solidFill>
+              </a:rPr>
+              <a:t>The largest </a:t>
+            </a:r>
+          </a:p>
+          <a:p>
+            <a:pPr algn="ctr"/>
+            <a:r>
+              <a:rPr lang="en-US" sz="1000" dirty="0">
+                <a:solidFill>
+                  <a:srgbClr val="0070C0"/>
+                </a:solidFill>
+              </a:rPr>
+              <a:t>sub-group</a:t>
+            </a:r>
+          </a:p>
+          <a:p>
+            <a:pPr algn="ctr"/>
+            <a:r>
+              <a:rPr lang="en-US" sz="1000" dirty="0">
+                <a:solidFill>
+                  <a:srgbClr val="0070C0"/>
+                </a:solidFill>
+              </a:rPr>
+              <a:t>(24%)</a:t>
+            </a:r>
+          </a:p>
+        </p:txBody>
+      </p:sp>
+      <p:cxnSp>
+        <p:nvCxnSpPr>
+          <p:cNvPr id="39" name="Straight Arrow Connector 38">
+            <a:extLst>
+              <a:ext uri="{FF2B5EF4-FFF2-40B4-BE49-F238E27FC236}">
+                <a16:creationId xmlns:a16="http://schemas.microsoft.com/office/drawing/2014/main" id="{22F72179-1315-4047-B1DB-31B2BEFF640F}"/>
+              </a:ext>
+            </a:extLst>
+          </p:cNvPr>
+          <p:cNvCxnSpPr>
+            <a:cxnSpLocks/>
+            <a:stCxn id="37" idx="2"/>
+          </p:cNvCxnSpPr>
+          <p:nvPr/>
+        </p:nvCxnSpPr>
+        <p:spPr>
+          <a:xfrm>
+            <a:off x="3885114" y="2388086"/>
+            <a:ext cx="55081" cy="323166"/>
+          </a:xfrm>
+          <a:prstGeom prst="straightConnector1">
+            <a:avLst/>
+          </a:prstGeom>
+          <a:ln>
+            <a:solidFill>
+              <a:schemeClr val="accent6"/>
+            </a:solidFill>
+            <a:tailEnd type="triangle"/>
+          </a:ln>
+        </p:spPr>
+        <p:style>
+          <a:lnRef idx="1">
+            <a:schemeClr val="accent1"/>
+          </a:lnRef>
+          <a:fillRef idx="0">
+            <a:schemeClr val="accent1"/>
+          </a:fillRef>
+          <a:effectRef idx="0">
+            <a:schemeClr val="accent1"/>
+          </a:effectRef>
+          <a:fontRef idx="minor">
+            <a:schemeClr val="tx1"/>
+          </a:fontRef>
+        </p:style>
+      </p:cxnSp>
+      <p:cxnSp>
+        <p:nvCxnSpPr>
+          <p:cNvPr id="42" name="Straight Arrow Connector 41">
+            <a:extLst>
+              <a:ext uri="{FF2B5EF4-FFF2-40B4-BE49-F238E27FC236}">
+                <a16:creationId xmlns:a16="http://schemas.microsoft.com/office/drawing/2014/main" id="{F722D488-EA92-744C-9DC7-42482BCC09B0}"/>
+              </a:ext>
+            </a:extLst>
+          </p:cNvPr>
+          <p:cNvCxnSpPr>
+            <a:cxnSpLocks/>
+            <a:stCxn id="38" idx="1"/>
+          </p:cNvCxnSpPr>
+          <p:nvPr/>
+        </p:nvCxnSpPr>
+        <p:spPr>
+          <a:xfrm flipH="1">
+            <a:off x="4366260" y="2635466"/>
+            <a:ext cx="144478" cy="75786"/>
+          </a:xfrm>
+          <a:prstGeom prst="straightConnector1">
+            <a:avLst/>
+          </a:prstGeom>
+          <a:ln>
+            <a:tailEnd type="triangle"/>
+          </a:ln>
+        </p:spPr>
+        <p:style>
+          <a:lnRef idx="1">
+            <a:schemeClr val="accent1"/>
+          </a:lnRef>
+          <a:fillRef idx="0">
+            <a:schemeClr val="accent1"/>
+          </a:fillRef>
+          <a:effectRef idx="0">
+            <a:schemeClr val="accent1"/>
+          </a:effectRef>
+          <a:fontRef idx="minor">
+            <a:schemeClr val="tx1"/>
+          </a:fontRef>
+        </p:style>
+      </p:cxnSp>
+      <p:sp>
+        <p:nvSpPr>
+          <p:cNvPr id="52" name="Oval 51">
+            <a:extLst>
+              <a:ext uri="{FF2B5EF4-FFF2-40B4-BE49-F238E27FC236}">
+                <a16:creationId xmlns:a16="http://schemas.microsoft.com/office/drawing/2014/main" id="{FF8DDAF4-1DEE-5F4C-A575-A33550575482}"/>
+              </a:ext>
+            </a:extLst>
+          </p:cNvPr>
+          <p:cNvSpPr/>
+          <p:nvPr/>
+        </p:nvSpPr>
+        <p:spPr>
+          <a:xfrm>
+            <a:off x="957002" y="4352365"/>
+            <a:ext cx="175248" cy="177926"/>
+          </a:xfrm>
+          <a:prstGeom prst="ellipse">
+            <a:avLst/>
+          </a:prstGeom>
+        </p:spPr>
+        <p:style>
+          <a:lnRef idx="2">
+            <a:schemeClr val="accent1">
+              <a:shade val="50000"/>
+            </a:schemeClr>
+          </a:lnRef>
+          <a:fillRef idx="1">
+            <a:schemeClr val="accent1"/>
+          </a:fillRef>
+          <a:effectRef idx="0">
+            <a:schemeClr val="accent1"/>
+          </a:effectRef>
+          <a:fontRef idx="minor">
+            <a:schemeClr val="lt1"/>
+          </a:fontRef>
+        </p:style>
+        <p:txBody>
+          <a:bodyPr rtlCol="0" anchor="ctr"/>
+          <a:lstStyle/>
+          <a:p>
+            <a:pPr algn="ctr"/>
+            <a:endParaRPr lang="en-US"/>
+          </a:p>
+        </p:txBody>
+      </p:sp>
+      <p:sp>
+        <p:nvSpPr>
+          <p:cNvPr id="53" name="Oval 52">
+            <a:extLst>
+              <a:ext uri="{FF2B5EF4-FFF2-40B4-BE49-F238E27FC236}">
+                <a16:creationId xmlns:a16="http://schemas.microsoft.com/office/drawing/2014/main" id="{A76EA23E-C7AA-104C-A588-8329359589B1}"/>
+              </a:ext>
+            </a:extLst>
+          </p:cNvPr>
+          <p:cNvSpPr/>
+          <p:nvPr/>
+        </p:nvSpPr>
+        <p:spPr>
+          <a:xfrm>
+            <a:off x="1288958" y="4445386"/>
+            <a:ext cx="175248" cy="177926"/>
+          </a:xfrm>
+          <a:prstGeom prst="ellipse">
+            <a:avLst/>
+          </a:prstGeom>
+        </p:spPr>
+        <p:style>
+          <a:lnRef idx="2">
+            <a:schemeClr val="accent1">
+              <a:shade val="50000"/>
+            </a:schemeClr>
+          </a:lnRef>
+          <a:fillRef idx="1">
+            <a:schemeClr val="accent1"/>
+          </a:fillRef>
+          <a:effectRef idx="0">
+            <a:schemeClr val="accent1"/>
+          </a:effectRef>
+          <a:fontRef idx="minor">
+            <a:schemeClr val="lt1"/>
+          </a:fontRef>
+        </p:style>
+        <p:txBody>
+          <a:bodyPr rtlCol="0" anchor="ctr"/>
+          <a:lstStyle/>
+          <a:p>
+            <a:pPr algn="ctr"/>
+            <a:endParaRPr lang="en-US"/>
+          </a:p>
+        </p:txBody>
+      </p:sp>
+      <p:sp>
+        <p:nvSpPr>
+          <p:cNvPr id="54" name="Oval 53">
+            <a:extLst>
+              <a:ext uri="{FF2B5EF4-FFF2-40B4-BE49-F238E27FC236}">
+                <a16:creationId xmlns:a16="http://schemas.microsoft.com/office/drawing/2014/main" id="{5187CCA9-105F-5049-9C90-79082862D95D}"/>
+              </a:ext>
+            </a:extLst>
+          </p:cNvPr>
+          <p:cNvSpPr/>
+          <p:nvPr/>
+        </p:nvSpPr>
+        <p:spPr>
+          <a:xfrm>
+            <a:off x="1047117" y="4700882"/>
+            <a:ext cx="175248" cy="177926"/>
+          </a:xfrm>
+          <a:prstGeom prst="ellipse">
+            <a:avLst/>
+          </a:prstGeom>
+          <a:solidFill>
+            <a:srgbClr val="FF0000"/>
+          </a:solidFill>
+        </p:spPr>
+        <p:style>
+          <a:lnRef idx="2">
+            <a:schemeClr val="accent1">
+              <a:shade val="50000"/>
+            </a:schemeClr>
+          </a:lnRef>
+          <a:fillRef idx="1">
+            <a:schemeClr val="accent1"/>
+          </a:fillRef>
+          <a:effectRef idx="0">
+            <a:schemeClr val="accent1"/>
+          </a:effectRef>
+          <a:fontRef idx="minor">
+            <a:schemeClr val="lt1"/>
+          </a:fontRef>
+        </p:style>
+        <p:txBody>
+          <a:bodyPr rtlCol="0" anchor="ctr"/>
+          <a:lstStyle/>
+          <a:p>
+            <a:pPr algn="ctr"/>
+            <a:endParaRPr lang="en-US"/>
+          </a:p>
+        </p:txBody>
+      </p:sp>
+      <p:cxnSp>
+        <p:nvCxnSpPr>
+          <p:cNvPr id="55" name="Straight Connector 54">
+            <a:extLst>
+              <a:ext uri="{FF2B5EF4-FFF2-40B4-BE49-F238E27FC236}">
+                <a16:creationId xmlns:a16="http://schemas.microsoft.com/office/drawing/2014/main" id="{1902FD77-A107-634E-B2DA-22A0594FE32F}"/>
+              </a:ext>
+            </a:extLst>
+          </p:cNvPr>
+          <p:cNvCxnSpPr>
+            <a:stCxn id="52" idx="4"/>
+            <a:endCxn id="54" idx="0"/>
+          </p:cNvCxnSpPr>
+          <p:nvPr/>
+        </p:nvCxnSpPr>
+        <p:spPr>
+          <a:xfrm>
+            <a:off x="1044626" y="4530291"/>
+            <a:ext cx="90115" cy="170592"/>
+          </a:xfrm>
+          <a:prstGeom prst="line">
+            <a:avLst/>
+          </a:prstGeom>
+        </p:spPr>
+        <p:style>
+          <a:lnRef idx="1">
+            <a:schemeClr val="accent1"/>
+          </a:lnRef>
+          <a:fillRef idx="0">
+            <a:schemeClr val="accent1"/>
+          </a:fillRef>
+          <a:effectRef idx="0">
+            <a:schemeClr val="accent1"/>
+          </a:effectRef>
+          <a:fontRef idx="minor">
+            <a:schemeClr val="tx1"/>
+          </a:fontRef>
+        </p:style>
+      </p:cxnSp>
+      <p:cxnSp>
+        <p:nvCxnSpPr>
+          <p:cNvPr id="56" name="Straight Connector 55">
+            <a:extLst>
+              <a:ext uri="{FF2B5EF4-FFF2-40B4-BE49-F238E27FC236}">
+                <a16:creationId xmlns:a16="http://schemas.microsoft.com/office/drawing/2014/main" id="{4D68A66F-8763-2142-B86B-DF8B8845A9BB}"/>
+              </a:ext>
+            </a:extLst>
+          </p:cNvPr>
+          <p:cNvCxnSpPr>
+            <a:cxnSpLocks/>
+            <a:stCxn id="53" idx="3"/>
+            <a:endCxn id="54" idx="7"/>
+          </p:cNvCxnSpPr>
+          <p:nvPr/>
+        </p:nvCxnSpPr>
+        <p:spPr>
+          <a:xfrm flipH="1">
+            <a:off x="1196699" y="4597256"/>
+            <a:ext cx="117923" cy="129684"/>
+          </a:xfrm>
+          <a:prstGeom prst="line">
+            <a:avLst/>
+          </a:prstGeom>
+        </p:spPr>
+        <p:style>
+          <a:lnRef idx="1">
+            <a:schemeClr val="accent1"/>
+          </a:lnRef>
+          <a:fillRef idx="0">
+            <a:schemeClr val="accent1"/>
+          </a:fillRef>
+          <a:effectRef idx="0">
+            <a:schemeClr val="accent1"/>
+          </a:effectRef>
+          <a:fontRef idx="minor">
+            <a:schemeClr val="tx1"/>
+          </a:fontRef>
+        </p:style>
+      </p:cxnSp>
+      <p:sp>
+        <p:nvSpPr>
+          <p:cNvPr id="57" name="Oval 56">
+            <a:extLst>
+              <a:ext uri="{FF2B5EF4-FFF2-40B4-BE49-F238E27FC236}">
+                <a16:creationId xmlns:a16="http://schemas.microsoft.com/office/drawing/2014/main" id="{BE348380-FD6E-9748-85F3-CCC3CE5010DA}"/>
+              </a:ext>
+            </a:extLst>
+          </p:cNvPr>
+          <p:cNvSpPr/>
+          <p:nvPr/>
+        </p:nvSpPr>
+        <p:spPr>
+          <a:xfrm>
+            <a:off x="1021452" y="5045413"/>
+            <a:ext cx="175248" cy="177926"/>
+          </a:xfrm>
+          <a:prstGeom prst="ellipse">
+            <a:avLst/>
+          </a:prstGeom>
+        </p:spPr>
+        <p:style>
+          <a:lnRef idx="2">
+            <a:schemeClr val="accent1">
+              <a:shade val="50000"/>
+            </a:schemeClr>
+          </a:lnRef>
+          <a:fillRef idx="1">
+            <a:schemeClr val="accent1"/>
+          </a:fillRef>
+          <a:effectRef idx="0">
+            <a:schemeClr val="accent1"/>
+          </a:effectRef>
+          <a:fontRef idx="minor">
+            <a:schemeClr val="lt1"/>
+          </a:fontRef>
+        </p:style>
+        <p:txBody>
+          <a:bodyPr rtlCol="0" anchor="ctr"/>
+          <a:lstStyle/>
+          <a:p>
+            <a:pPr algn="ctr"/>
+            <a:endParaRPr lang="en-US"/>
+          </a:p>
+        </p:txBody>
+      </p:sp>
+      <p:cxnSp>
+        <p:nvCxnSpPr>
+          <p:cNvPr id="58" name="Straight Connector 57">
+            <a:extLst>
+              <a:ext uri="{FF2B5EF4-FFF2-40B4-BE49-F238E27FC236}">
+                <a16:creationId xmlns:a16="http://schemas.microsoft.com/office/drawing/2014/main" id="{4997499C-CD9E-B94F-8762-D5B3646A09CD}"/>
+              </a:ext>
+            </a:extLst>
+          </p:cNvPr>
+          <p:cNvCxnSpPr>
+            <a:stCxn id="57" idx="0"/>
+            <a:endCxn id="54" idx="4"/>
+          </p:cNvCxnSpPr>
+          <p:nvPr/>
+        </p:nvCxnSpPr>
+        <p:spPr>
+          <a:xfrm flipV="1">
+            <a:off x="1109076" y="4878809"/>
+            <a:ext cx="25665" cy="166604"/>
+          </a:xfrm>
+          <a:prstGeom prst="line">
+            <a:avLst/>
+          </a:prstGeom>
+        </p:spPr>
+        <p:style>
+          <a:lnRef idx="1">
+            <a:schemeClr val="accent1"/>
+          </a:lnRef>
+          <a:fillRef idx="0">
+            <a:schemeClr val="accent1"/>
+          </a:fillRef>
+          <a:effectRef idx="0">
+            <a:schemeClr val="accent1"/>
+          </a:effectRef>
+          <a:fontRef idx="minor">
+            <a:schemeClr val="tx1"/>
+          </a:fontRef>
+        </p:style>
+      </p:cxnSp>
+      <p:sp>
+        <p:nvSpPr>
+          <p:cNvPr id="59" name="Rectangle 58">
+            <a:extLst>
+              <a:ext uri="{FF2B5EF4-FFF2-40B4-BE49-F238E27FC236}">
+                <a16:creationId xmlns:a16="http://schemas.microsoft.com/office/drawing/2014/main" id="{74ECF291-26DD-E748-9E60-8BC2F8EB1D22}"/>
+              </a:ext>
+            </a:extLst>
+          </p:cNvPr>
+          <p:cNvSpPr/>
+          <p:nvPr/>
+        </p:nvSpPr>
+        <p:spPr>
+          <a:xfrm>
+            <a:off x="592504" y="4700347"/>
+            <a:ext cx="571500" cy="246221"/>
+          </a:xfrm>
+          <a:prstGeom prst="rect">
+            <a:avLst/>
+          </a:prstGeom>
+        </p:spPr>
+        <p:txBody>
+          <a:bodyPr wrap="square">
+            <a:spAutoFit/>
+          </a:bodyPr>
+          <a:lstStyle/>
+          <a:p>
+            <a:pPr algn="ctr"/>
+            <a:r>
+              <a:rPr lang="en-US" altLang="zh-Hans" sz="1000" dirty="0">
+                <a:solidFill>
+                  <a:srgbClr val="FF0000"/>
+                </a:solidFill>
+              </a:rPr>
+              <a:t>Gene</a:t>
+            </a:r>
+            <a:endParaRPr lang="en-US" sz="1000" dirty="0">
+              <a:solidFill>
+                <a:srgbClr val="FF0000"/>
+              </a:solidFill>
+            </a:endParaRPr>
+          </a:p>
+        </p:txBody>
+      </p:sp>
+      <p:sp>
+        <p:nvSpPr>
+          <p:cNvPr id="60" name="Rectangle 59">
+            <a:extLst>
+              <a:ext uri="{FF2B5EF4-FFF2-40B4-BE49-F238E27FC236}">
+                <a16:creationId xmlns:a16="http://schemas.microsoft.com/office/drawing/2014/main" id="{8B1D914B-B301-894B-8148-A51630ADF632}"/>
+              </a:ext>
+            </a:extLst>
+          </p:cNvPr>
+          <p:cNvSpPr/>
+          <p:nvPr/>
+        </p:nvSpPr>
+        <p:spPr>
+          <a:xfrm>
+            <a:off x="1183988" y="4574832"/>
+            <a:ext cx="550484" cy="246221"/>
+          </a:xfrm>
+          <a:prstGeom prst="rect">
+            <a:avLst/>
+          </a:prstGeom>
+        </p:spPr>
+        <p:txBody>
+          <a:bodyPr wrap="square">
+            <a:spAutoFit/>
+          </a:bodyPr>
+          <a:lstStyle/>
+          <a:p>
+            <a:pPr algn="ctr"/>
+            <a:r>
+              <a:rPr lang="en-US" altLang="zh-Hans" sz="1000" dirty="0"/>
+              <a:t>Score1</a:t>
+            </a:r>
+            <a:endParaRPr lang="en-US" sz="1000" dirty="0"/>
+          </a:p>
+        </p:txBody>
+      </p:sp>
+      <p:sp>
+        <p:nvSpPr>
+          <p:cNvPr id="61" name="Rectangle 60">
+            <a:extLst>
+              <a:ext uri="{FF2B5EF4-FFF2-40B4-BE49-F238E27FC236}">
+                <a16:creationId xmlns:a16="http://schemas.microsoft.com/office/drawing/2014/main" id="{878697C9-F70A-AC43-BA5A-2234DFD855DC}"/>
+              </a:ext>
+            </a:extLst>
+          </p:cNvPr>
+          <p:cNvSpPr/>
+          <p:nvPr/>
+        </p:nvSpPr>
+        <p:spPr>
+          <a:xfrm>
+            <a:off x="582146" y="4500201"/>
+            <a:ext cx="606875" cy="246221"/>
+          </a:xfrm>
+          <a:prstGeom prst="rect">
+            <a:avLst/>
+          </a:prstGeom>
+        </p:spPr>
+        <p:txBody>
+          <a:bodyPr wrap="square">
+            <a:spAutoFit/>
+          </a:bodyPr>
+          <a:lstStyle/>
+          <a:p>
+            <a:pPr algn="ctr"/>
+            <a:r>
+              <a:rPr lang="en-US" altLang="zh-Hans" sz="1000" dirty="0"/>
+              <a:t>Score2</a:t>
+            </a:r>
+            <a:endParaRPr lang="en-US" sz="1000" dirty="0"/>
+          </a:p>
+        </p:txBody>
+      </p:sp>
+      <p:sp>
+        <p:nvSpPr>
+          <p:cNvPr id="62" name="Rectangle 61">
+            <a:extLst>
+              <a:ext uri="{FF2B5EF4-FFF2-40B4-BE49-F238E27FC236}">
+                <a16:creationId xmlns:a16="http://schemas.microsoft.com/office/drawing/2014/main" id="{00DC0BC1-6257-3B47-B2B6-6A526D9A3A0C}"/>
+              </a:ext>
+            </a:extLst>
+          </p:cNvPr>
+          <p:cNvSpPr/>
+          <p:nvPr/>
+        </p:nvSpPr>
+        <p:spPr>
+          <a:xfrm>
+            <a:off x="1031382" y="4839000"/>
+            <a:ext cx="566480" cy="246221"/>
+          </a:xfrm>
+          <a:prstGeom prst="rect">
+            <a:avLst/>
+          </a:prstGeom>
+        </p:spPr>
+        <p:txBody>
+          <a:bodyPr wrap="square">
+            <a:spAutoFit/>
+          </a:bodyPr>
+          <a:lstStyle/>
+          <a:p>
+            <a:pPr algn="ctr"/>
+            <a:r>
+              <a:rPr lang="en-US" altLang="zh-Hans" sz="1000" dirty="0"/>
+              <a:t>Score3</a:t>
+            </a:r>
+            <a:endParaRPr lang="en-US" sz="1000" dirty="0"/>
+          </a:p>
+        </p:txBody>
+      </p:sp>
+      <p:sp>
+        <p:nvSpPr>
+          <p:cNvPr id="63" name="TextBox 62">
+            <a:extLst>
+              <a:ext uri="{FF2B5EF4-FFF2-40B4-BE49-F238E27FC236}">
+                <a16:creationId xmlns:a16="http://schemas.microsoft.com/office/drawing/2014/main" id="{D06D61BF-398E-974A-80CA-684A970C4376}"/>
+              </a:ext>
+            </a:extLst>
+          </p:cNvPr>
+          <p:cNvSpPr txBox="1"/>
+          <p:nvPr/>
+        </p:nvSpPr>
+        <p:spPr>
+          <a:xfrm>
+            <a:off x="677884" y="4060156"/>
+            <a:ext cx="1123321" cy="246221"/>
+          </a:xfrm>
+          <a:prstGeom prst="rect">
+            <a:avLst/>
+          </a:prstGeom>
+          <a:noFill/>
+        </p:spPr>
+        <p:txBody>
+          <a:bodyPr wrap="square" rtlCol="0">
+            <a:spAutoFit/>
+          </a:bodyPr>
+          <a:lstStyle/>
+          <a:p>
+            <a:r>
+              <a:rPr lang="en-US" altLang="zh-Hans" sz="1000" dirty="0"/>
+              <a:t>Gene</a:t>
+            </a:r>
+            <a:r>
+              <a:rPr lang="zh-Hans" altLang="en-US" sz="1000" dirty="0"/>
+              <a:t> </a:t>
+            </a:r>
+            <a:r>
+              <a:rPr lang="en-US" altLang="zh-Hans" sz="1000" dirty="0"/>
+              <a:t>Network</a:t>
+            </a:r>
+            <a:endParaRPr lang="en-US" sz="1000" dirty="0"/>
+          </a:p>
+        </p:txBody>
+      </p:sp>
+      <p:sp>
+        <p:nvSpPr>
+          <p:cNvPr id="64" name="Rectangle 63">
+            <a:extLst>
+              <a:ext uri="{FF2B5EF4-FFF2-40B4-BE49-F238E27FC236}">
+                <a16:creationId xmlns:a16="http://schemas.microsoft.com/office/drawing/2014/main" id="{F64B73CF-049B-FB41-AAA0-37CA0928E3F0}"/>
+              </a:ext>
+            </a:extLst>
+          </p:cNvPr>
+          <p:cNvSpPr/>
+          <p:nvPr/>
+        </p:nvSpPr>
+        <p:spPr>
+          <a:xfrm>
+            <a:off x="3206597" y="4121977"/>
+            <a:ext cx="208108" cy="1275226"/>
+          </a:xfrm>
+          <a:prstGeom prst="rect">
+            <a:avLst/>
+          </a:prstGeom>
+          <a:noFill/>
+          <a:ln>
+            <a:solidFill>
+              <a:schemeClr val="tx1"/>
+            </a:solidFill>
+          </a:ln>
+        </p:spPr>
+        <p:style>
+          <a:lnRef idx="2">
+            <a:schemeClr val="accent1">
+              <a:shade val="50000"/>
+            </a:schemeClr>
+          </a:lnRef>
+          <a:fillRef idx="1">
+            <a:schemeClr val="accent1"/>
+          </a:fillRef>
+          <a:effectRef idx="0">
+            <a:schemeClr val="accent1"/>
+          </a:effectRef>
+          <a:fontRef idx="minor">
+            <a:schemeClr val="lt1"/>
+          </a:fontRef>
+        </p:style>
+        <p:txBody>
+          <a:bodyPr rtlCol="0" anchor="ctr"/>
+          <a:lstStyle/>
+          <a:p>
+            <a:pPr algn="ctr"/>
+            <a:endParaRPr lang="en-US"/>
+          </a:p>
+        </p:txBody>
+      </p:sp>
+      <p:cxnSp>
+        <p:nvCxnSpPr>
+          <p:cNvPr id="66" name="Straight Connector 65">
+            <a:extLst>
+              <a:ext uri="{FF2B5EF4-FFF2-40B4-BE49-F238E27FC236}">
+                <a16:creationId xmlns:a16="http://schemas.microsoft.com/office/drawing/2014/main" id="{9788328A-0236-5745-9CCC-691744A3364E}"/>
+              </a:ext>
+            </a:extLst>
+          </p:cNvPr>
+          <p:cNvCxnSpPr>
+            <a:cxnSpLocks/>
+          </p:cNvCxnSpPr>
+          <p:nvPr/>
+        </p:nvCxnSpPr>
+        <p:spPr>
+          <a:xfrm>
+            <a:off x="3206596" y="4305801"/>
+            <a:ext cx="208108" cy="0"/>
+          </a:xfrm>
+          <a:prstGeom prst="line">
+            <a:avLst/>
+          </a:prstGeom>
+          <a:ln w="25400">
+            <a:solidFill>
+              <a:srgbClr val="FF0000"/>
+            </a:solidFill>
+          </a:ln>
+        </p:spPr>
+        <p:style>
+          <a:lnRef idx="1">
+            <a:schemeClr val="accent1"/>
+          </a:lnRef>
+          <a:fillRef idx="0">
+            <a:schemeClr val="accent1"/>
+          </a:fillRef>
+          <a:effectRef idx="0">
+            <a:schemeClr val="accent1"/>
+          </a:effectRef>
+          <a:fontRef idx="minor">
+            <a:schemeClr val="tx1"/>
+          </a:fontRef>
+        </p:style>
+      </p:cxnSp>
+      <p:cxnSp>
+        <p:nvCxnSpPr>
+          <p:cNvPr id="67" name="Straight Connector 66">
+            <a:extLst>
+              <a:ext uri="{FF2B5EF4-FFF2-40B4-BE49-F238E27FC236}">
+                <a16:creationId xmlns:a16="http://schemas.microsoft.com/office/drawing/2014/main" id="{475ABDE5-42E2-CC43-BB7B-77EE62689D19}"/>
+              </a:ext>
+            </a:extLst>
+          </p:cNvPr>
+          <p:cNvCxnSpPr>
+            <a:cxnSpLocks/>
+          </p:cNvCxnSpPr>
+          <p:nvPr/>
+        </p:nvCxnSpPr>
+        <p:spPr>
+          <a:xfrm>
+            <a:off x="3206595" y="4461315"/>
+            <a:ext cx="208109" cy="0"/>
+          </a:xfrm>
+          <a:prstGeom prst="line">
+            <a:avLst/>
+          </a:prstGeom>
+          <a:ln w="25400">
+            <a:solidFill>
+              <a:srgbClr val="FF0000"/>
+            </a:solidFill>
+          </a:ln>
+        </p:spPr>
+        <p:style>
+          <a:lnRef idx="1">
+            <a:schemeClr val="accent1"/>
+          </a:lnRef>
+          <a:fillRef idx="0">
+            <a:schemeClr val="accent1"/>
+          </a:fillRef>
+          <a:effectRef idx="0">
+            <a:schemeClr val="accent1"/>
+          </a:effectRef>
+          <a:fontRef idx="minor">
+            <a:schemeClr val="tx1"/>
+          </a:fontRef>
+        </p:style>
+      </p:cxnSp>
+      <p:cxnSp>
+        <p:nvCxnSpPr>
+          <p:cNvPr id="68" name="Straight Connector 67">
+            <a:extLst>
+              <a:ext uri="{FF2B5EF4-FFF2-40B4-BE49-F238E27FC236}">
+                <a16:creationId xmlns:a16="http://schemas.microsoft.com/office/drawing/2014/main" id="{2061C53D-2DE4-CE4B-B2E6-7D710C5EDFEE}"/>
+              </a:ext>
+            </a:extLst>
+          </p:cNvPr>
+          <p:cNvCxnSpPr>
+            <a:cxnSpLocks/>
+          </p:cNvCxnSpPr>
+          <p:nvPr/>
+        </p:nvCxnSpPr>
+        <p:spPr>
+          <a:xfrm>
+            <a:off x="3206595" y="4941467"/>
+            <a:ext cx="208109" cy="0"/>
+          </a:xfrm>
+          <a:prstGeom prst="line">
+            <a:avLst/>
+          </a:prstGeom>
+          <a:ln w="25400">
+            <a:solidFill>
+              <a:srgbClr val="FF0000"/>
+            </a:solidFill>
+          </a:ln>
+        </p:spPr>
+        <p:style>
+          <a:lnRef idx="1">
+            <a:schemeClr val="accent1"/>
+          </a:lnRef>
+          <a:fillRef idx="0">
+            <a:schemeClr val="accent1"/>
+          </a:fillRef>
+          <a:effectRef idx="0">
+            <a:schemeClr val="accent1"/>
+          </a:effectRef>
+          <a:fontRef idx="minor">
+            <a:schemeClr val="tx1"/>
+          </a:fontRef>
+        </p:style>
+      </p:cxnSp>
+      <p:sp>
+        <p:nvSpPr>
+          <p:cNvPr id="69" name="Rectangle 68">
+            <a:extLst>
+              <a:ext uri="{FF2B5EF4-FFF2-40B4-BE49-F238E27FC236}">
+                <a16:creationId xmlns:a16="http://schemas.microsoft.com/office/drawing/2014/main" id="{3A69C02D-90C6-AD4C-9957-38D20C60A479}"/>
+              </a:ext>
+            </a:extLst>
+          </p:cNvPr>
+          <p:cNvSpPr/>
+          <p:nvPr/>
+        </p:nvSpPr>
+        <p:spPr>
+          <a:xfrm>
+            <a:off x="2646841" y="4161615"/>
+            <a:ext cx="540533" cy="246221"/>
+          </a:xfrm>
+          <a:prstGeom prst="rect">
+            <a:avLst/>
+          </a:prstGeom>
+        </p:spPr>
+        <p:txBody>
+          <a:bodyPr wrap="none">
+            <a:spAutoFit/>
+          </a:bodyPr>
+          <a:lstStyle/>
+          <a:p>
+            <a:pPr algn="ctr"/>
+            <a:r>
+              <a:rPr lang="en-US" altLang="zh-Hans" sz="1000" dirty="0"/>
+              <a:t>Score1</a:t>
+            </a:r>
+            <a:endParaRPr lang="en-US" sz="1000" dirty="0"/>
+          </a:p>
+        </p:txBody>
+      </p:sp>
+      <p:sp>
+        <p:nvSpPr>
+          <p:cNvPr id="70" name="Rectangle 69">
+            <a:extLst>
+              <a:ext uri="{FF2B5EF4-FFF2-40B4-BE49-F238E27FC236}">
+                <a16:creationId xmlns:a16="http://schemas.microsoft.com/office/drawing/2014/main" id="{D34B1ADE-4929-B648-92FA-13A68F9C21C6}"/>
+              </a:ext>
+            </a:extLst>
+          </p:cNvPr>
+          <p:cNvSpPr/>
+          <p:nvPr/>
+        </p:nvSpPr>
+        <p:spPr>
+          <a:xfrm>
+            <a:off x="2646979" y="4326986"/>
+            <a:ext cx="540533" cy="246221"/>
+          </a:xfrm>
+          <a:prstGeom prst="rect">
+            <a:avLst/>
+          </a:prstGeom>
+        </p:spPr>
+        <p:txBody>
+          <a:bodyPr wrap="none">
+            <a:spAutoFit/>
+          </a:bodyPr>
+          <a:lstStyle/>
+          <a:p>
+            <a:pPr algn="ctr"/>
+            <a:r>
+              <a:rPr lang="en-US" altLang="zh-Hans" sz="1000" dirty="0"/>
+              <a:t>Score2</a:t>
+            </a:r>
+            <a:endParaRPr lang="en-US" sz="1000" dirty="0"/>
+          </a:p>
+        </p:txBody>
+      </p:sp>
+      <p:sp>
+        <p:nvSpPr>
+          <p:cNvPr id="71" name="Rectangle 70">
+            <a:extLst>
+              <a:ext uri="{FF2B5EF4-FFF2-40B4-BE49-F238E27FC236}">
+                <a16:creationId xmlns:a16="http://schemas.microsoft.com/office/drawing/2014/main" id="{F25EBED6-A8B2-5644-81D8-98E51E08173B}"/>
+              </a:ext>
+            </a:extLst>
+          </p:cNvPr>
+          <p:cNvSpPr/>
+          <p:nvPr/>
+        </p:nvSpPr>
+        <p:spPr>
+          <a:xfrm>
+            <a:off x="2646840" y="4817547"/>
+            <a:ext cx="540533" cy="246221"/>
+          </a:xfrm>
+          <a:prstGeom prst="rect">
+            <a:avLst/>
+          </a:prstGeom>
+        </p:spPr>
+        <p:txBody>
+          <a:bodyPr wrap="none">
+            <a:spAutoFit/>
+          </a:bodyPr>
+          <a:lstStyle/>
+          <a:p>
+            <a:pPr algn="ctr"/>
+            <a:r>
+              <a:rPr lang="en-US" altLang="zh-Hans" sz="1000" dirty="0"/>
+              <a:t>Score3</a:t>
+            </a:r>
+            <a:endParaRPr lang="en-US" sz="1000" dirty="0"/>
+          </a:p>
+        </p:txBody>
+      </p:sp>
+      <p:sp>
+        <p:nvSpPr>
+          <p:cNvPr id="72" name="Triangle 71">
+            <a:extLst>
+              <a:ext uri="{FF2B5EF4-FFF2-40B4-BE49-F238E27FC236}">
+                <a16:creationId xmlns:a16="http://schemas.microsoft.com/office/drawing/2014/main" id="{00472FDB-4A05-F146-A5F6-E96352F15306}"/>
+              </a:ext>
+            </a:extLst>
+          </p:cNvPr>
+          <p:cNvSpPr/>
+          <p:nvPr/>
+        </p:nvSpPr>
+        <p:spPr>
+          <a:xfrm rot="10800000">
+            <a:off x="3520412" y="4117389"/>
+            <a:ext cx="108509" cy="1279814"/>
+          </a:xfrm>
+          <a:prstGeom prst="triangle">
+            <a:avLst/>
+          </a:prstGeom>
+          <a:gradFill>
+            <a:gsLst>
+              <a:gs pos="0">
+                <a:srgbClr val="FFC000"/>
+              </a:gs>
+              <a:gs pos="100000">
+                <a:srgbClr val="FF0000"/>
+              </a:gs>
+            </a:gsLst>
+            <a:lin ang="5400000" scaled="1"/>
+          </a:gradFill>
+          <a:ln>
+            <a:noFill/>
+          </a:ln>
+        </p:spPr>
+        <p:style>
+          <a:lnRef idx="2">
+            <a:schemeClr val="accent1">
+              <a:shade val="50000"/>
+            </a:schemeClr>
+          </a:lnRef>
+          <a:fillRef idx="1">
+            <a:schemeClr val="accent1"/>
+          </a:fillRef>
+          <a:effectRef idx="0">
+            <a:schemeClr val="accent1"/>
+          </a:effectRef>
+          <a:fontRef idx="minor">
+            <a:schemeClr val="lt1"/>
+          </a:fontRef>
+        </p:style>
+        <p:txBody>
+          <a:bodyPr rtlCol="0" anchor="ctr"/>
+          <a:lstStyle/>
+          <a:p>
+            <a:pPr algn="ctr"/>
+            <a:endParaRPr lang="en-US"/>
+          </a:p>
+        </p:txBody>
+      </p:sp>
+      <p:sp>
+        <p:nvSpPr>
+          <p:cNvPr id="73" name="Rectangle 72">
+            <a:extLst>
+              <a:ext uri="{FF2B5EF4-FFF2-40B4-BE49-F238E27FC236}">
+                <a16:creationId xmlns:a16="http://schemas.microsoft.com/office/drawing/2014/main" id="{A0F41E34-6838-4141-BE27-D3A9B6EB5E8C}"/>
+              </a:ext>
+            </a:extLst>
+          </p:cNvPr>
+          <p:cNvSpPr/>
+          <p:nvPr/>
+        </p:nvSpPr>
+        <p:spPr>
+          <a:xfrm>
+            <a:off x="2100332" y="4498632"/>
+            <a:ext cx="460382" cy="246221"/>
+          </a:xfrm>
+          <a:prstGeom prst="rect">
+            <a:avLst/>
+          </a:prstGeom>
+        </p:spPr>
+        <p:txBody>
+          <a:bodyPr wrap="none">
+            <a:spAutoFit/>
+          </a:bodyPr>
+          <a:lstStyle/>
+          <a:p>
+            <a:pPr algn="ctr"/>
+            <a:r>
+              <a:rPr lang="en-US" altLang="zh-Hans" sz="1000" dirty="0"/>
+              <a:t>Gene</a:t>
+            </a:r>
+            <a:endParaRPr lang="en-US" sz="1000" dirty="0"/>
+          </a:p>
+        </p:txBody>
+      </p:sp>
+      <p:cxnSp>
+        <p:nvCxnSpPr>
+          <p:cNvPr id="74" name="Straight Connector 73">
+            <a:extLst>
+              <a:ext uri="{FF2B5EF4-FFF2-40B4-BE49-F238E27FC236}">
+                <a16:creationId xmlns:a16="http://schemas.microsoft.com/office/drawing/2014/main" id="{2B21FF59-2AFB-C541-840E-AD3A988605A6}"/>
+              </a:ext>
+            </a:extLst>
+          </p:cNvPr>
+          <p:cNvCxnSpPr>
+            <a:stCxn id="73" idx="3"/>
+            <a:endCxn id="70" idx="1"/>
+          </p:cNvCxnSpPr>
+          <p:nvPr/>
+        </p:nvCxnSpPr>
+        <p:spPr>
+          <a:xfrm flipV="1">
+            <a:off x="2560714" y="4450097"/>
+            <a:ext cx="86265" cy="171646"/>
+          </a:xfrm>
+          <a:prstGeom prst="line">
+            <a:avLst/>
+          </a:prstGeom>
+          <a:ln>
+            <a:solidFill>
+              <a:schemeClr val="tx1"/>
+            </a:solidFill>
+          </a:ln>
+        </p:spPr>
+        <p:style>
+          <a:lnRef idx="1">
+            <a:schemeClr val="accent1"/>
+          </a:lnRef>
+          <a:fillRef idx="0">
+            <a:schemeClr val="accent1"/>
+          </a:fillRef>
+          <a:effectRef idx="0">
+            <a:schemeClr val="accent1"/>
+          </a:effectRef>
+          <a:fontRef idx="minor">
+            <a:schemeClr val="tx1"/>
+          </a:fontRef>
+        </p:style>
+      </p:cxnSp>
+      <p:cxnSp>
+        <p:nvCxnSpPr>
+          <p:cNvPr id="75" name="Straight Connector 74">
+            <a:extLst>
+              <a:ext uri="{FF2B5EF4-FFF2-40B4-BE49-F238E27FC236}">
+                <a16:creationId xmlns:a16="http://schemas.microsoft.com/office/drawing/2014/main" id="{FE4A5CB7-5415-B744-93A0-0A91C96D6D1D}"/>
+              </a:ext>
+            </a:extLst>
+          </p:cNvPr>
+          <p:cNvCxnSpPr>
+            <a:cxnSpLocks/>
+            <a:stCxn id="73" idx="3"/>
+            <a:endCxn id="69" idx="1"/>
+          </p:cNvCxnSpPr>
+          <p:nvPr/>
+        </p:nvCxnSpPr>
+        <p:spPr>
+          <a:xfrm flipV="1">
+            <a:off x="2560714" y="4284726"/>
+            <a:ext cx="86127" cy="337017"/>
+          </a:xfrm>
+          <a:prstGeom prst="line">
+            <a:avLst/>
+          </a:prstGeom>
+          <a:ln>
+            <a:solidFill>
+              <a:schemeClr val="tx1"/>
+            </a:solidFill>
+            <a:prstDash val="solid"/>
+          </a:ln>
+        </p:spPr>
+        <p:style>
+          <a:lnRef idx="1">
+            <a:schemeClr val="accent1"/>
+          </a:lnRef>
+          <a:fillRef idx="0">
+            <a:schemeClr val="accent1"/>
+          </a:fillRef>
+          <a:effectRef idx="0">
+            <a:schemeClr val="accent1"/>
+          </a:effectRef>
+          <a:fontRef idx="minor">
+            <a:schemeClr val="tx1"/>
+          </a:fontRef>
+        </p:style>
+      </p:cxnSp>
+      <p:cxnSp>
+        <p:nvCxnSpPr>
+          <p:cNvPr id="76" name="Straight Connector 75">
+            <a:extLst>
+              <a:ext uri="{FF2B5EF4-FFF2-40B4-BE49-F238E27FC236}">
+                <a16:creationId xmlns:a16="http://schemas.microsoft.com/office/drawing/2014/main" id="{5C81BFDB-F9C7-814F-B346-5CC27E281A08}"/>
+              </a:ext>
+            </a:extLst>
+          </p:cNvPr>
+          <p:cNvCxnSpPr>
+            <a:cxnSpLocks/>
+            <a:stCxn id="73" idx="3"/>
+            <a:endCxn id="71" idx="1"/>
+          </p:cNvCxnSpPr>
+          <p:nvPr/>
+        </p:nvCxnSpPr>
+        <p:spPr>
+          <a:xfrm>
+            <a:off x="2560714" y="4621743"/>
+            <a:ext cx="86126" cy="318915"/>
+          </a:xfrm>
+          <a:prstGeom prst="line">
+            <a:avLst/>
+          </a:prstGeom>
+          <a:ln>
+            <a:solidFill>
+              <a:schemeClr val="tx1"/>
+            </a:solidFill>
+          </a:ln>
+        </p:spPr>
+        <p:style>
+          <a:lnRef idx="1">
+            <a:schemeClr val="accent1"/>
+          </a:lnRef>
+          <a:fillRef idx="0">
+            <a:schemeClr val="accent1"/>
+          </a:fillRef>
+          <a:effectRef idx="0">
+            <a:schemeClr val="accent1"/>
+          </a:effectRef>
+          <a:fontRef idx="minor">
+            <a:schemeClr val="tx1"/>
+          </a:fontRef>
+        </p:style>
+      </p:cxnSp>
+      <p:sp>
+        <p:nvSpPr>
+          <p:cNvPr id="80" name="Right Arrow 79">
+            <a:extLst>
+              <a:ext uri="{FF2B5EF4-FFF2-40B4-BE49-F238E27FC236}">
+                <a16:creationId xmlns:a16="http://schemas.microsoft.com/office/drawing/2014/main" id="{D30861C1-347C-384C-8FEE-6FC57FBB3566}"/>
+              </a:ext>
+            </a:extLst>
+          </p:cNvPr>
+          <p:cNvSpPr/>
+          <p:nvPr/>
+        </p:nvSpPr>
+        <p:spPr>
+          <a:xfrm>
+            <a:off x="1863088" y="4541994"/>
+            <a:ext cx="148622" cy="162003"/>
+          </a:xfrm>
+          <a:prstGeom prst="rightArrow">
+            <a:avLst/>
+          </a:prstGeom>
+          <a:solidFill>
+            <a:schemeClr val="bg1">
+              <a:lumMod val="65000"/>
+            </a:schemeClr>
+          </a:solidFill>
+          <a:ln>
+            <a:noFill/>
+          </a:ln>
+        </p:spPr>
+        <p:style>
+          <a:lnRef idx="2">
+            <a:schemeClr val="accent1">
+              <a:shade val="50000"/>
+            </a:schemeClr>
+          </a:lnRef>
+          <a:fillRef idx="1">
+            <a:schemeClr val="accent1"/>
+          </a:fillRef>
+          <a:effectRef idx="0">
+            <a:schemeClr val="accent1"/>
+          </a:effectRef>
+          <a:fontRef idx="minor">
+            <a:schemeClr val="lt1"/>
+          </a:fontRef>
+        </p:style>
+        <p:txBody>
+          <a:bodyPr rtlCol="0" anchor="ctr"/>
+          <a:lstStyle/>
+          <a:p>
+            <a:pPr algn="ctr"/>
+            <a:endParaRPr lang="en-US"/>
+          </a:p>
+        </p:txBody>
+      </p:sp>
+      <mc:AlternateContent xmlns:mc="http://schemas.openxmlformats.org/markup-compatibility/2006" xmlns:a14="http://schemas.microsoft.com/office/drawing/2010/main">
+        <mc:Choice Requires="a14">
+          <p:sp>
+            <p:nvSpPr>
+              <p:cNvPr id="87" name="TextBox 86">
+                <a:extLst>
+                  <a:ext uri="{FF2B5EF4-FFF2-40B4-BE49-F238E27FC236}">
+                    <a16:creationId xmlns:a16="http://schemas.microsoft.com/office/drawing/2014/main" id="{59DDA565-BD42-CC45-8DCB-6CE0266ECD1A}"/>
+                  </a:ext>
+                </a:extLst>
+              </p:cNvPr>
+              <p:cNvSpPr txBox="1"/>
+              <p:nvPr/>
+            </p:nvSpPr>
+            <p:spPr>
+              <a:xfrm>
+                <a:off x="6226473" y="2465142"/>
+                <a:ext cx="757002" cy="153888"/>
+              </a:xfrm>
+              <a:prstGeom prst="rect">
+                <a:avLst/>
+              </a:prstGeom>
+              <a:noFill/>
+            </p:spPr>
+            <p:txBody>
+              <a:bodyPr wrap="none" lIns="0" tIns="0" rIns="0" bIns="0" rtlCol="0">
+                <a:spAutoFit/>
+              </a:bodyPr>
+              <a:lstStyle/>
+              <a:p>
+                <a:pPr/>
+                <a14:m>
+                  <m:oMathPara xmlns:m="http://schemas.openxmlformats.org/officeDocument/2006/math">
+                    <m:oMathParaPr>
+                      <m:jc m:val="centerGroup"/>
+                    </m:oMathParaPr>
+                    <m:oMath xmlns:m="http://schemas.openxmlformats.org/officeDocument/2006/math">
+                      <m:r>
+                        <a:rPr lang="en-US" sz="1000" b="0" i="1" smtClean="0">
+                          <a:latin typeface="Cambria Math" panose="02040503050406030204" pitchFamily="18" charset="0"/>
+                        </a:rPr>
+                        <m:t>𝑆𝑐𝑜𝑟𝑒</m:t>
+                      </m:r>
+                      <m:r>
+                        <a:rPr lang="en-US" sz="1000" i="1" smtClean="0">
+                          <a:latin typeface="Cambria Math" panose="02040503050406030204" pitchFamily="18" charset="0"/>
+                        </a:rPr>
+                        <m:t>=</m:t>
+                      </m:r>
+                      <m:r>
+                        <a:rPr lang="en-US" sz="1000" b="0" i="1" smtClean="0">
+                          <a:latin typeface="Cambria Math" panose="02040503050406030204" pitchFamily="18" charset="0"/>
+                        </a:rPr>
+                        <m:t>0.03</m:t>
+                      </m:r>
+                    </m:oMath>
+                  </m:oMathPara>
+                </a14:m>
+                <a:endParaRPr lang="en-US" sz="1000" dirty="0"/>
+              </a:p>
+            </p:txBody>
+          </p:sp>
+        </mc:Choice>
+        <mc:Fallback xmlns="">
+          <p:sp>
+            <p:nvSpPr>
+              <p:cNvPr id="87" name="TextBox 86">
+                <a:extLst>
+                  <a:ext uri="{FF2B5EF4-FFF2-40B4-BE49-F238E27FC236}">
+                    <a16:creationId xmlns:a16="http://schemas.microsoft.com/office/drawing/2014/main" id="{59DDA565-BD42-CC45-8DCB-6CE0266ECD1A}"/>
+                  </a:ext>
+                </a:extLst>
+              </p:cNvPr>
+              <p:cNvSpPr txBox="1">
+                <a:spLocks noRot="1" noChangeAspect="1" noMove="1" noResize="1" noEditPoints="1" noAdjustHandles="1" noChangeArrowheads="1" noChangeShapeType="1" noTextEdit="1"/>
+              </p:cNvSpPr>
+              <p:nvPr/>
+            </p:nvSpPr>
+            <p:spPr>
+              <a:xfrm>
+                <a:off x="6226473" y="2465142"/>
+                <a:ext cx="757002" cy="153888"/>
+              </a:xfrm>
+              <a:prstGeom prst="rect">
+                <a:avLst/>
+              </a:prstGeom>
+              <a:blipFill>
+                <a:blip r:embed="rId9"/>
+                <a:stretch>
+                  <a:fillRect l="-3279" r="-3279"/>
+                </a:stretch>
+              </a:blipFill>
+            </p:spPr>
+            <p:txBody>
+              <a:bodyPr/>
+              <a:lstStyle/>
+              <a:p>
+                <a:r>
+                  <a:rPr lang="en-US">
+                    <a:noFill/>
+                  </a:rPr>
+                  <a:t> </a:t>
+                </a:r>
+              </a:p>
+            </p:txBody>
+          </p:sp>
+        </mc:Fallback>
+      </mc:AlternateContent>
+      <p:sp>
+        <p:nvSpPr>
+          <p:cNvPr id="94" name="TextBox 93">
+            <a:extLst>
+              <a:ext uri="{FF2B5EF4-FFF2-40B4-BE49-F238E27FC236}">
+                <a16:creationId xmlns:a16="http://schemas.microsoft.com/office/drawing/2014/main" id="{3657B3BA-03E1-644B-8EBE-01D801B2519A}"/>
+              </a:ext>
+            </a:extLst>
+          </p:cNvPr>
+          <p:cNvSpPr txBox="1"/>
+          <p:nvPr/>
+        </p:nvSpPr>
+        <p:spPr>
+          <a:xfrm>
+            <a:off x="2336934" y="3842666"/>
+            <a:ext cx="1072730" cy="246221"/>
+          </a:xfrm>
+          <a:prstGeom prst="rect">
+            <a:avLst/>
+          </a:prstGeom>
+          <a:noFill/>
+        </p:spPr>
+        <p:txBody>
+          <a:bodyPr wrap="none" rtlCol="0">
+            <a:spAutoFit/>
+          </a:bodyPr>
+          <a:lstStyle/>
+          <a:p>
+            <a:r>
+              <a:rPr lang="en-US" sz="1000" dirty="0"/>
+              <a:t>One-side K-S test</a:t>
+            </a:r>
+          </a:p>
+        </p:txBody>
+      </p:sp>
+      <p:sp>
+        <p:nvSpPr>
+          <p:cNvPr id="95" name="Right Arrow 94">
+            <a:extLst>
+              <a:ext uri="{FF2B5EF4-FFF2-40B4-BE49-F238E27FC236}">
+                <a16:creationId xmlns:a16="http://schemas.microsoft.com/office/drawing/2014/main" id="{8CDBB540-2737-4E45-9358-206714D6C557}"/>
+              </a:ext>
+            </a:extLst>
+          </p:cNvPr>
+          <p:cNvSpPr/>
+          <p:nvPr/>
+        </p:nvSpPr>
+        <p:spPr>
+          <a:xfrm>
+            <a:off x="3785149" y="4534585"/>
+            <a:ext cx="148622" cy="162003"/>
+          </a:xfrm>
+          <a:prstGeom prst="rightArrow">
+            <a:avLst/>
+          </a:prstGeom>
+          <a:solidFill>
+            <a:schemeClr val="bg1">
+              <a:lumMod val="65000"/>
+            </a:schemeClr>
+          </a:solidFill>
+          <a:ln>
+            <a:noFill/>
+          </a:ln>
+        </p:spPr>
+        <p:style>
+          <a:lnRef idx="2">
+            <a:schemeClr val="accent1">
+              <a:shade val="50000"/>
+            </a:schemeClr>
+          </a:lnRef>
+          <a:fillRef idx="1">
+            <a:schemeClr val="accent1"/>
+          </a:fillRef>
+          <a:effectRef idx="0">
+            <a:schemeClr val="accent1"/>
+          </a:effectRef>
+          <a:fontRef idx="minor">
+            <a:schemeClr val="lt1"/>
+          </a:fontRef>
+        </p:style>
+        <p:txBody>
+          <a:bodyPr rtlCol="0" anchor="ctr"/>
+          <a:lstStyle/>
+          <a:p>
+            <a:pPr algn="ctr"/>
+            <a:endParaRPr lang="en-US"/>
+          </a:p>
+        </p:txBody>
+      </p:sp>
+      <p:sp>
+        <p:nvSpPr>
+          <p:cNvPr id="99" name="Right Arrow 98">
+            <a:extLst>
+              <a:ext uri="{FF2B5EF4-FFF2-40B4-BE49-F238E27FC236}">
+                <a16:creationId xmlns:a16="http://schemas.microsoft.com/office/drawing/2014/main" id="{330F6F3B-534D-2440-B894-799B39AFBDF9}"/>
+              </a:ext>
+            </a:extLst>
+          </p:cNvPr>
+          <p:cNvSpPr/>
+          <p:nvPr/>
+        </p:nvSpPr>
+        <p:spPr>
+          <a:xfrm>
+            <a:off x="5310832" y="2531985"/>
+            <a:ext cx="148622" cy="162003"/>
+          </a:xfrm>
+          <a:prstGeom prst="rightArrow">
+            <a:avLst/>
+          </a:prstGeom>
+          <a:solidFill>
+            <a:schemeClr val="bg1">
+              <a:lumMod val="65000"/>
+            </a:schemeClr>
+          </a:solidFill>
+          <a:ln>
+            <a:noFill/>
+          </a:ln>
+        </p:spPr>
+        <p:style>
+          <a:lnRef idx="2">
+            <a:schemeClr val="accent1">
+              <a:shade val="50000"/>
+            </a:schemeClr>
+          </a:lnRef>
+          <a:fillRef idx="1">
+            <a:schemeClr val="accent1"/>
+          </a:fillRef>
+          <a:effectRef idx="0">
+            <a:schemeClr val="accent1"/>
+          </a:effectRef>
+          <a:fontRef idx="minor">
+            <a:schemeClr val="lt1"/>
+          </a:fontRef>
+        </p:style>
+        <p:txBody>
+          <a:bodyPr rtlCol="0" anchor="ctr"/>
+          <a:lstStyle/>
+          <a:p>
+            <a:pPr algn="ctr"/>
+            <a:endParaRPr lang="en-US"/>
+          </a:p>
+        </p:txBody>
+      </p:sp>
+      <p:sp>
+        <p:nvSpPr>
+          <p:cNvPr id="100" name="TextBox 99">
+            <a:extLst>
+              <a:ext uri="{FF2B5EF4-FFF2-40B4-BE49-F238E27FC236}">
+                <a16:creationId xmlns:a16="http://schemas.microsoft.com/office/drawing/2014/main" id="{B5A3273C-261E-6949-A981-B74660368671}"/>
+              </a:ext>
+            </a:extLst>
+          </p:cNvPr>
+          <p:cNvSpPr txBox="1"/>
+          <p:nvPr/>
+        </p:nvSpPr>
+        <p:spPr>
+          <a:xfrm>
+            <a:off x="5264935" y="1915409"/>
+            <a:ext cx="1319592" cy="400110"/>
+          </a:xfrm>
+          <a:prstGeom prst="rect">
+            <a:avLst/>
+          </a:prstGeom>
+          <a:noFill/>
+        </p:spPr>
+        <p:txBody>
+          <a:bodyPr wrap="none" rtlCol="0">
+            <a:spAutoFit/>
+          </a:bodyPr>
+          <a:lstStyle/>
+          <a:p>
+            <a:pPr algn="ctr"/>
+            <a:r>
+              <a:rPr lang="en-US" sz="1000" dirty="0">
+                <a:solidFill>
+                  <a:srgbClr val="0070C0"/>
+                </a:solidFill>
+              </a:rPr>
+              <a:t>The largest sub-group</a:t>
+            </a:r>
+          </a:p>
+          <a:p>
+            <a:pPr algn="ctr"/>
+            <a:r>
+              <a:rPr lang="en-US" sz="1000" dirty="0">
+                <a:solidFill>
+                  <a:srgbClr val="0070C0"/>
+                </a:solidFill>
+              </a:rPr>
+              <a:t>in all cells (3%)</a:t>
+            </a:r>
+          </a:p>
+        </p:txBody>
+      </p:sp>
+      <p:cxnSp>
+        <p:nvCxnSpPr>
+          <p:cNvPr id="101" name="Straight Arrow Connector 100">
+            <a:extLst>
+              <a:ext uri="{FF2B5EF4-FFF2-40B4-BE49-F238E27FC236}">
+                <a16:creationId xmlns:a16="http://schemas.microsoft.com/office/drawing/2014/main" id="{1C8DE996-EC36-AA49-91B0-516E6AF8CC3E}"/>
+              </a:ext>
+            </a:extLst>
+          </p:cNvPr>
+          <p:cNvCxnSpPr>
+            <a:cxnSpLocks/>
+            <a:endCxn id="108" idx="0"/>
+          </p:cNvCxnSpPr>
+          <p:nvPr/>
+        </p:nvCxnSpPr>
+        <p:spPr>
+          <a:xfrm flipH="1">
+            <a:off x="5911800" y="2257435"/>
+            <a:ext cx="28614" cy="111771"/>
+          </a:xfrm>
+          <a:prstGeom prst="straightConnector1">
+            <a:avLst/>
+          </a:prstGeom>
+          <a:ln>
+            <a:tailEnd type="triangle"/>
+          </a:ln>
+        </p:spPr>
+        <p:style>
+          <a:lnRef idx="1">
+            <a:schemeClr val="accent1"/>
+          </a:lnRef>
+          <a:fillRef idx="0">
+            <a:schemeClr val="accent1"/>
+          </a:fillRef>
+          <a:effectRef idx="0">
+            <a:schemeClr val="accent1"/>
+          </a:effectRef>
+          <a:fontRef idx="minor">
+            <a:schemeClr val="tx1"/>
+          </a:fontRef>
+        </p:style>
+      </p:cxnSp>
+      <p:sp>
+        <p:nvSpPr>
+          <p:cNvPr id="109" name="Rectangle 108">
+            <a:extLst>
+              <a:ext uri="{FF2B5EF4-FFF2-40B4-BE49-F238E27FC236}">
+                <a16:creationId xmlns:a16="http://schemas.microsoft.com/office/drawing/2014/main" id="{0452E6C8-CC08-BA49-B29B-1FE7FD1201C6}"/>
+              </a:ext>
+            </a:extLst>
+          </p:cNvPr>
+          <p:cNvSpPr/>
+          <p:nvPr/>
+        </p:nvSpPr>
+        <p:spPr>
+          <a:xfrm>
+            <a:off x="5656736" y="2654067"/>
+            <a:ext cx="349776" cy="215444"/>
+          </a:xfrm>
+          <a:prstGeom prst="rect">
+            <a:avLst/>
+          </a:prstGeom>
+        </p:spPr>
+        <p:txBody>
+          <a:bodyPr wrap="none">
+            <a:spAutoFit/>
+          </a:bodyPr>
+          <a:lstStyle/>
+          <a:p>
+            <a:r>
+              <a:rPr lang="en-US" sz="800" dirty="0"/>
+              <a:t>NAs</a:t>
+            </a:r>
+          </a:p>
+        </p:txBody>
+      </p:sp>
+      <p:pic>
+        <p:nvPicPr>
+          <p:cNvPr id="113" name="Picture 112">
+            <a:extLst>
+              <a:ext uri="{FF2B5EF4-FFF2-40B4-BE49-F238E27FC236}">
+                <a16:creationId xmlns:a16="http://schemas.microsoft.com/office/drawing/2014/main" id="{6F4F9381-0459-3245-891B-8E49409D8740}"/>
+              </a:ext>
+            </a:extLst>
+          </p:cNvPr>
+          <p:cNvPicPr>
+            <a:picLocks noChangeAspect="1"/>
+          </p:cNvPicPr>
+          <p:nvPr/>
+        </p:nvPicPr>
+        <p:blipFill>
+          <a:blip r:embed="rId10"/>
+          <a:stretch>
+            <a:fillRect/>
+          </a:stretch>
+        </p:blipFill>
+        <p:spPr>
+          <a:xfrm>
+            <a:off x="4132533" y="4474970"/>
+            <a:ext cx="1361402" cy="857134"/>
+          </a:xfrm>
+          <a:prstGeom prst="rect">
+            <a:avLst/>
+          </a:prstGeom>
+          <a:ln>
+            <a:solidFill>
+              <a:schemeClr val="tx1"/>
+            </a:solidFill>
+          </a:ln>
+        </p:spPr>
+      </p:pic>
+      <p:pic>
+        <p:nvPicPr>
+          <p:cNvPr id="114" name="Picture 113">
+            <a:extLst>
+              <a:ext uri="{FF2B5EF4-FFF2-40B4-BE49-F238E27FC236}">
+                <a16:creationId xmlns:a16="http://schemas.microsoft.com/office/drawing/2014/main" id="{9B12A3C0-9461-B241-8385-AA9BE47C57D2}"/>
+              </a:ext>
+            </a:extLst>
+          </p:cNvPr>
+          <p:cNvPicPr>
+            <a:picLocks noChangeAspect="1"/>
+          </p:cNvPicPr>
+          <p:nvPr/>
+        </p:nvPicPr>
+        <p:blipFill>
+          <a:blip r:embed="rId11"/>
+          <a:stretch>
+            <a:fillRect/>
+          </a:stretch>
+        </p:blipFill>
+        <p:spPr>
+          <a:xfrm>
+            <a:off x="6137758" y="4430373"/>
+            <a:ext cx="1112786" cy="1016935"/>
+          </a:xfrm>
+          <a:prstGeom prst="rect">
+            <a:avLst/>
+          </a:prstGeom>
+          <a:ln>
+            <a:solidFill>
+              <a:schemeClr val="tx1"/>
+            </a:solidFill>
+          </a:ln>
+        </p:spPr>
+      </p:pic>
+      <p:pic>
+        <p:nvPicPr>
+          <p:cNvPr id="115" name="Picture 114">
+            <a:extLst>
+              <a:ext uri="{FF2B5EF4-FFF2-40B4-BE49-F238E27FC236}">
+                <a16:creationId xmlns:a16="http://schemas.microsoft.com/office/drawing/2014/main" id="{A1FCF260-C6F7-DB48-969F-F2A976F41E7E}"/>
+              </a:ext>
+            </a:extLst>
+          </p:cNvPr>
+          <p:cNvPicPr>
+            <a:picLocks noChangeAspect="1"/>
+          </p:cNvPicPr>
+          <p:nvPr/>
+        </p:nvPicPr>
+        <p:blipFill>
+          <a:blip r:embed="rId12"/>
+          <a:stretch>
+            <a:fillRect/>
+          </a:stretch>
+        </p:blipFill>
+        <p:spPr>
+          <a:xfrm>
+            <a:off x="5100935" y="3841520"/>
+            <a:ext cx="1406819" cy="1247316"/>
+          </a:xfrm>
+          <a:prstGeom prst="rect">
+            <a:avLst/>
+          </a:prstGeom>
+          <a:ln>
+            <a:solidFill>
+              <a:schemeClr val="tx1"/>
+            </a:solidFill>
+          </a:ln>
+        </p:spPr>
+      </p:pic>
+      <p:sp>
+        <p:nvSpPr>
+          <p:cNvPr id="116" name="Rectangle 115">
+            <a:extLst>
+              <a:ext uri="{FF2B5EF4-FFF2-40B4-BE49-F238E27FC236}">
+                <a16:creationId xmlns:a16="http://schemas.microsoft.com/office/drawing/2014/main" id="{4BFA9E57-FA67-9443-868E-7E9A1C1D2686}"/>
+              </a:ext>
+            </a:extLst>
+          </p:cNvPr>
+          <p:cNvSpPr/>
+          <p:nvPr/>
+        </p:nvSpPr>
+        <p:spPr>
+          <a:xfrm>
+            <a:off x="3919762" y="4010205"/>
+            <a:ext cx="1194178" cy="246221"/>
+          </a:xfrm>
+          <a:prstGeom prst="rect">
+            <a:avLst/>
+          </a:prstGeom>
+        </p:spPr>
+        <p:txBody>
+          <a:bodyPr wrap="square">
+            <a:spAutoFit/>
+          </a:bodyPr>
+          <a:lstStyle/>
+          <a:p>
+            <a:pPr algn="ctr"/>
+            <a:r>
+              <a:rPr lang="en-US" sz="1000" dirty="0"/>
+              <a:t>Analysis report</a:t>
+            </a:r>
+          </a:p>
+        </p:txBody>
+      </p:sp>
+      <p:sp>
+        <p:nvSpPr>
+          <p:cNvPr id="117" name="Right Arrow 116">
+            <a:extLst>
+              <a:ext uri="{FF2B5EF4-FFF2-40B4-BE49-F238E27FC236}">
+                <a16:creationId xmlns:a16="http://schemas.microsoft.com/office/drawing/2014/main" id="{46D8208F-4F30-4843-8F1E-5F5F044E92FE}"/>
+              </a:ext>
+            </a:extLst>
+          </p:cNvPr>
+          <p:cNvSpPr/>
+          <p:nvPr/>
+        </p:nvSpPr>
+        <p:spPr>
+          <a:xfrm>
+            <a:off x="5310832" y="3174043"/>
+            <a:ext cx="148622" cy="162003"/>
+          </a:xfrm>
+          <a:prstGeom prst="rightArrow">
+            <a:avLst/>
+          </a:prstGeom>
+          <a:solidFill>
+            <a:schemeClr val="bg1">
+              <a:lumMod val="65000"/>
+            </a:schemeClr>
+          </a:solidFill>
+          <a:ln>
+            <a:noFill/>
+          </a:ln>
+        </p:spPr>
+        <p:style>
+          <a:lnRef idx="2">
+            <a:schemeClr val="accent1">
+              <a:shade val="50000"/>
+            </a:schemeClr>
+          </a:lnRef>
+          <a:fillRef idx="1">
+            <a:schemeClr val="accent1"/>
+          </a:fillRef>
+          <a:effectRef idx="0">
+            <a:schemeClr val="accent1"/>
+          </a:effectRef>
+          <a:fontRef idx="minor">
+            <a:schemeClr val="lt1"/>
+          </a:fontRef>
+        </p:style>
+        <p:txBody>
+          <a:bodyPr rtlCol="0" anchor="ctr"/>
+          <a:lstStyle/>
+          <a:p>
+            <a:pPr algn="ctr"/>
+            <a:endParaRPr lang="en-US"/>
+          </a:p>
+        </p:txBody>
+      </p:sp>
+      <p:sp>
+        <p:nvSpPr>
+          <p:cNvPr id="118" name="TextBox 117">
+            <a:extLst>
+              <a:ext uri="{FF2B5EF4-FFF2-40B4-BE49-F238E27FC236}">
+                <a16:creationId xmlns:a16="http://schemas.microsoft.com/office/drawing/2014/main" id="{A36B83B5-361B-5948-B106-3032C1E3F8B4}"/>
+              </a:ext>
+            </a:extLst>
+          </p:cNvPr>
+          <p:cNvSpPr txBox="1"/>
+          <p:nvPr/>
+        </p:nvSpPr>
+        <p:spPr>
+          <a:xfrm>
+            <a:off x="366642" y="105473"/>
+            <a:ext cx="352982" cy="369332"/>
+          </a:xfrm>
+          <a:prstGeom prst="rect">
+            <a:avLst/>
+          </a:prstGeom>
+          <a:noFill/>
+        </p:spPr>
+        <p:txBody>
+          <a:bodyPr wrap="none" rtlCol="0">
+            <a:spAutoFit/>
+          </a:bodyPr>
+          <a:lstStyle/>
+          <a:p>
+            <a:r>
+              <a:rPr lang="en-US" dirty="0"/>
+              <a:t>a.</a:t>
+            </a:r>
+          </a:p>
+        </p:txBody>
+      </p:sp>
+      <p:sp>
+        <p:nvSpPr>
+          <p:cNvPr id="119" name="TextBox 118">
+            <a:extLst>
+              <a:ext uri="{FF2B5EF4-FFF2-40B4-BE49-F238E27FC236}">
+                <a16:creationId xmlns:a16="http://schemas.microsoft.com/office/drawing/2014/main" id="{DAACFF8C-5247-F047-9324-FA8B76950BFD}"/>
+              </a:ext>
+            </a:extLst>
+          </p:cNvPr>
+          <p:cNvSpPr txBox="1"/>
+          <p:nvPr/>
+        </p:nvSpPr>
+        <p:spPr>
+          <a:xfrm>
+            <a:off x="366642" y="1602748"/>
+            <a:ext cx="364202" cy="369332"/>
+          </a:xfrm>
+          <a:prstGeom prst="rect">
+            <a:avLst/>
+          </a:prstGeom>
+          <a:noFill/>
+        </p:spPr>
+        <p:txBody>
+          <a:bodyPr wrap="none" rtlCol="0">
+            <a:spAutoFit/>
+          </a:bodyPr>
+          <a:lstStyle/>
+          <a:p>
+            <a:r>
+              <a:rPr lang="en-US" dirty="0"/>
+              <a:t>b.</a:t>
+            </a:r>
+          </a:p>
+        </p:txBody>
+      </p:sp>
+      <p:sp>
+        <p:nvSpPr>
+          <p:cNvPr id="120" name="TextBox 119">
+            <a:extLst>
+              <a:ext uri="{FF2B5EF4-FFF2-40B4-BE49-F238E27FC236}">
+                <a16:creationId xmlns:a16="http://schemas.microsoft.com/office/drawing/2014/main" id="{912DDA3F-0060-7C42-8FC7-C71D1A897496}"/>
+              </a:ext>
+            </a:extLst>
+          </p:cNvPr>
+          <p:cNvSpPr txBox="1"/>
+          <p:nvPr/>
+        </p:nvSpPr>
+        <p:spPr>
+          <a:xfrm>
+            <a:off x="366642" y="3574139"/>
+            <a:ext cx="340158" cy="369332"/>
+          </a:xfrm>
+          <a:prstGeom prst="rect">
+            <a:avLst/>
+          </a:prstGeom>
+          <a:noFill/>
+        </p:spPr>
+        <p:txBody>
+          <a:bodyPr wrap="none" rtlCol="0">
+            <a:spAutoFit/>
+          </a:bodyPr>
+          <a:lstStyle/>
+          <a:p>
+            <a:r>
+              <a:rPr lang="en-US" dirty="0"/>
+              <a:t>c.</a:t>
+            </a:r>
+          </a:p>
+        </p:txBody>
+      </p:sp>
+      <p:pic>
+        <p:nvPicPr>
+          <p:cNvPr id="122" name="Picture 121">
+            <a:extLst>
+              <a:ext uri="{FF2B5EF4-FFF2-40B4-BE49-F238E27FC236}">
+                <a16:creationId xmlns:a16="http://schemas.microsoft.com/office/drawing/2014/main" id="{06FCD838-5522-F64D-863A-59C97EA7422B}"/>
+              </a:ext>
+            </a:extLst>
+          </p:cNvPr>
+          <p:cNvPicPr>
+            <a:picLocks noChangeAspect="1"/>
+          </p:cNvPicPr>
+          <p:nvPr/>
+        </p:nvPicPr>
+        <p:blipFill>
+          <a:blip r:embed="rId13"/>
+          <a:stretch>
+            <a:fillRect/>
+          </a:stretch>
+        </p:blipFill>
+        <p:spPr>
+          <a:xfrm>
+            <a:off x="6297838" y="2801288"/>
+            <a:ext cx="1054630" cy="907451"/>
+          </a:xfrm>
+          <a:prstGeom prst="rect">
+            <a:avLst/>
+          </a:prstGeom>
+        </p:spPr>
+      </p:pic>
+      <p:sp>
+        <p:nvSpPr>
+          <p:cNvPr id="123" name="TextBox 122">
+            <a:extLst>
+              <a:ext uri="{FF2B5EF4-FFF2-40B4-BE49-F238E27FC236}">
+                <a16:creationId xmlns:a16="http://schemas.microsoft.com/office/drawing/2014/main" id="{47658D76-6E67-AA4A-B87B-36970D25B738}"/>
+              </a:ext>
+            </a:extLst>
+          </p:cNvPr>
+          <p:cNvSpPr txBox="1"/>
+          <p:nvPr/>
+        </p:nvSpPr>
+        <p:spPr>
+          <a:xfrm>
+            <a:off x="5534239" y="3048147"/>
+            <a:ext cx="780983" cy="400110"/>
+          </a:xfrm>
+          <a:prstGeom prst="rect">
+            <a:avLst/>
+          </a:prstGeom>
+          <a:noFill/>
+        </p:spPr>
+        <p:txBody>
+          <a:bodyPr wrap="none" rtlCol="0">
+            <a:spAutoFit/>
+          </a:bodyPr>
+          <a:lstStyle/>
+          <a:p>
+            <a:r>
+              <a:rPr lang="en-US" altLang="zh-Hans" sz="1000" dirty="0"/>
+              <a:t>Get cells in </a:t>
+            </a:r>
+          </a:p>
+          <a:p>
+            <a:r>
+              <a:rPr lang="en-US" altLang="zh-Hans" sz="1000" dirty="0"/>
+              <a:t>each group</a:t>
+            </a:r>
+            <a:endParaRPr lang="en-US" sz="1000" dirty="0"/>
+          </a:p>
+        </p:txBody>
+      </p:sp>
+      <p:cxnSp>
+        <p:nvCxnSpPr>
+          <p:cNvPr id="125" name="Straight Connector 124">
+            <a:extLst>
+              <a:ext uri="{FF2B5EF4-FFF2-40B4-BE49-F238E27FC236}">
+                <a16:creationId xmlns:a16="http://schemas.microsoft.com/office/drawing/2014/main" id="{0E54138A-3F80-4749-A853-3DF5B0EF7D59}"/>
+              </a:ext>
+            </a:extLst>
+          </p:cNvPr>
+          <p:cNvCxnSpPr/>
+          <p:nvPr/>
+        </p:nvCxnSpPr>
+        <p:spPr>
+          <a:xfrm>
+            <a:off x="8055402" y="0"/>
+            <a:ext cx="0" cy="6492240"/>
+          </a:xfrm>
+          <a:prstGeom prst="line">
+            <a:avLst/>
+          </a:prstGeom>
+          <a:ln>
+            <a:solidFill>
+              <a:schemeClr val="tx1"/>
+            </a:solidFill>
+          </a:ln>
+        </p:spPr>
+        <p:style>
+          <a:lnRef idx="1">
+            <a:schemeClr val="accent1"/>
+          </a:lnRef>
+          <a:fillRef idx="0">
+            <a:schemeClr val="accent1"/>
+          </a:fillRef>
+          <a:effectRef idx="0">
+            <a:schemeClr val="accent1"/>
+          </a:effectRef>
+          <a:fontRef idx="minor">
+            <a:schemeClr val="tx1"/>
+          </a:fontRef>
+        </p:style>
+      </p:cxnSp>
+    </p:spTree>
+    <p:extLst>
+      <p:ext uri="{BB962C8B-B14F-4D97-AF65-F5344CB8AC3E}">
+        <p14:creationId xmlns:p14="http://schemas.microsoft.com/office/powerpoint/2010/main" val="1402243032"/>
+      </p:ext>
+    </p:extLst>
+  </p:cSld>
+  <p:clrMapOvr>
+    <a:masterClrMapping/>
+  </p:clrMapOvr>
+</p:sld>
+</file>
+
 <file path=ppt/theme/theme1.xml><?xml version="1.0" encoding="utf-8"?>
 <a:theme xmlns:a="http://schemas.openxmlformats.org/drawingml/2006/main" name="Office Theme">
   <a:themeElements>
@@ -8512,4 +12860,299 @@
     </a:ext>
   </a:extLst>
 </a:theme>
+</file>
+
+<file path=ppt/theme/theme2.xml><?xml version="1.0" encoding="utf-8"?>
+<a:theme xmlns:a="http://schemas.openxmlformats.org/drawingml/2006/main" name="Office Theme">
+  <a:themeElements>
+    <a:clrScheme name="Office">
+      <a:dk1>
+        <a:sysClr val="windowText" lastClr="000000"/>
+      </a:dk1>
+      <a:lt1>
+        <a:sysClr val="window" lastClr="FFFFFF"/>
+      </a:lt1>
+      <a:dk2>
+        <a:srgbClr val="44546A"/>
+      </a:dk2>
+      <a:lt2>
+        <a:srgbClr val="E7E6E6"/>
+      </a:lt2>
+      <a:accent1>
+        <a:srgbClr val="4472C4"/>
+      </a:accent1>
+      <a:accent2>
+        <a:srgbClr val="ED7D31"/>
+      </a:accent2>
+      <a:accent3>
+        <a:srgbClr val="A5A5A5"/>
+      </a:accent3>
+      <a:accent4>
+        <a:srgbClr val="FFC000"/>
+      </a:accent4>
+      <a:accent5>
+        <a:srgbClr val="5B9BD5"/>
+      </a:accent5>
+      <a:accent6>
+        <a:srgbClr val="70AD47"/>
+      </a:accent6>
+      <a:hlink>
+        <a:srgbClr val="0563C1"/>
+      </a:hlink>
+      <a:folHlink>
+        <a:srgbClr val="954F72"/>
+      </a:folHlink>
+    </a:clrScheme>
+    <a:fontScheme name="Office">
+      <a:majorFont>
+        <a:latin typeface="Calibri Light" panose="020F0302020204030204"/>
+        <a:ea typeface=""/>
+        <a:cs typeface=""/>
+        <a:font script="Jpan" typeface="游ゴシック Light"/>
+        <a:font script="Hang" typeface="맑은 고딕"/>
+        <a:font script="Hans" typeface="等线 Light"/>
+        <a:font script="Hant" typeface="新細明體"/>
+        <a:font script="Arab" typeface="Times New Roman"/>
+        <a:font script="Hebr" typeface="Times New Roman"/>
+        <a:font script="Thai" typeface="Angsana New"/>
+        <a:font script="Ethi" typeface="Nyala"/>
+        <a:font script="Beng" typeface="Vrinda"/>
+        <a:font script="Gujr" typeface="Shruti"/>
+        <a:font script="Khmr" typeface="MoolBoran"/>
+        <a:font script="Knda" typeface="Tunga"/>
+        <a:font script="Guru" typeface="Raavi"/>
+        <a:font script="Cans" typeface="Euphemia"/>
+        <a:font script="Cher" typeface="Plantagenet Cherokee"/>
+        <a:font script="Yiii" typeface="Microsoft Yi Baiti"/>
+        <a:font script="Tibt" typeface="Microsoft Himalaya"/>
+        <a:font script="Thaa" typeface="MV Boli"/>
+        <a:font script="Deva" typeface="Mangal"/>
+        <a:font script="Telu" typeface="Gautami"/>
+        <a:font script="Taml" typeface="Latha"/>
+        <a:font script="Syrc" typeface="Estrangelo Edessa"/>
+        <a:font script="Orya" typeface="Kalinga"/>
+        <a:font script="Mlym" typeface="Kartika"/>
+        <a:font script="Laoo" typeface="DokChampa"/>
+        <a:font script="Sinh" typeface="Iskoola Pota"/>
+        <a:font script="Mong" typeface="Mongolian Baiti"/>
+        <a:font script="Viet" typeface="Times New Roman"/>
+        <a:font script="Uigh" typeface="Microsoft Uighur"/>
+        <a:font script="Geor" typeface="Sylfaen"/>
+        <a:font script="Armn" typeface="Arial"/>
+        <a:font script="Bugi" typeface="Leelawadee UI"/>
+        <a:font script="Bopo" typeface="Microsoft JhengHei"/>
+        <a:font script="Java" typeface="Javanese Text"/>
+        <a:font script="Lisu" typeface="Segoe UI"/>
+        <a:font script="Mymr" typeface="Myanmar Text"/>
+        <a:font script="Nkoo" typeface="Ebrima"/>
+        <a:font script="Olck" typeface="Nirmala UI"/>
+        <a:font script="Osma" typeface="Ebrima"/>
+        <a:font script="Phag" typeface="Phagspa"/>
+        <a:font script="Syrn" typeface="Estrangelo Edessa"/>
+        <a:font script="Syrj" typeface="Estrangelo Edessa"/>
+        <a:font script="Syre" typeface="Estrangelo Edessa"/>
+        <a:font script="Sora" typeface="Nirmala UI"/>
+        <a:font script="Tale" typeface="Microsoft Tai Le"/>
+        <a:font script="Talu" typeface="Microsoft New Tai Lue"/>
+        <a:font script="Tfng" typeface="Ebrima"/>
+      </a:majorFont>
+      <a:minorFont>
+        <a:latin typeface="Calibri" panose="020F0502020204030204"/>
+        <a:ea typeface=""/>
+        <a:cs typeface=""/>
+        <a:font script="Jpan" typeface="游ゴシック"/>
+        <a:font script="Hang" typeface="맑은 고딕"/>
+        <a:font script="Hans" typeface="等线"/>
+        <a:font script="Hant" typeface="新細明體"/>
+        <a:font script="Arab" typeface="Arial"/>
+        <a:font script="Hebr" typeface="Arial"/>
+        <a:font script="Thai" typeface="Cordia New"/>
+        <a:font script="Ethi" typeface="Nyala"/>
+        <a:font script="Beng" typeface="Vrinda"/>
+        <a:font script="Gujr" typeface="Shruti"/>
+        <a:font script="Khmr" typeface="DaunPenh"/>
+        <a:font script="Knda" typeface="Tunga"/>
+        <a:font script="Guru" typeface="Raavi"/>
+        <a:font script="Cans" typeface="Euphemia"/>
+        <a:font script="Cher" typeface="Plantagenet Cherokee"/>
+        <a:font script="Yiii" typeface="Microsoft Yi Baiti"/>
+        <a:font script="Tibt" typeface="Microsoft Himalaya"/>
+        <a:font script="Thaa" typeface="MV Boli"/>
+        <a:font script="Deva" typeface="Mangal"/>
+        <a:font script="Telu" typeface="Gautami"/>
+        <a:font script="Taml" typeface="Latha"/>
+        <a:font script="Syrc" typeface="Estrangelo Edessa"/>
+        <a:font script="Orya" typeface="Kalinga"/>
+        <a:font script="Mlym" typeface="Kartika"/>
+        <a:font script="Laoo" typeface="DokChampa"/>
+        <a:font script="Sinh" typeface="Iskoola Pota"/>
+        <a:font script="Mong" typeface="Mongolian Baiti"/>
+        <a:font script="Viet" typeface="Arial"/>
+        <a:font script="Uigh" typeface="Microsoft Uighur"/>
+        <a:font script="Geor" typeface="Sylfaen"/>
+        <a:font script="Armn" typeface="Arial"/>
+        <a:font script="Bugi" typeface="Leelawadee UI"/>
+        <a:font script="Bopo" typeface="Microsoft JhengHei"/>
+        <a:font script="Java" typeface="Javanese Text"/>
+        <a:font script="Lisu" typeface="Segoe UI"/>
+        <a:font script="Mymr" typeface="Myanmar Text"/>
+        <a:font script="Nkoo" typeface="Ebrima"/>
+        <a:font script="Olck" typeface="Nirmala UI"/>
+        <a:font script="Osma" typeface="Ebrima"/>
+        <a:font script="Phag" typeface="Phagspa"/>
+        <a:font script="Syrn" typeface="Estrangelo Edessa"/>
+        <a:font script="Syrj" typeface="Estrangelo Edessa"/>
+        <a:font script="Syre" typeface="Estrangelo Edessa"/>
+        <a:font script="Sora" typeface="Nirmala UI"/>
+        <a:font script="Tale" typeface="Microsoft Tai Le"/>
+        <a:font script="Talu" typeface="Microsoft New Tai Lue"/>
+        <a:font script="Tfng" typeface="Ebrima"/>
+      </a:minorFont>
+    </a:fontScheme>
+    <a:fmtScheme name="Office">
+      <a:fillStyleLst>
+        <a:solidFill>
+          <a:schemeClr val="phClr"/>
+        </a:solidFill>
+        <a:gradFill rotWithShape="1">
+          <a:gsLst>
+            <a:gs pos="0">
+              <a:schemeClr val="phClr">
+                <a:lumMod val="110000"/>
+                <a:satMod val="105000"/>
+                <a:tint val="67000"/>
+              </a:schemeClr>
+            </a:gs>
+            <a:gs pos="50000">
+              <a:schemeClr val="phClr">
+                <a:lumMod val="105000"/>
+                <a:satMod val="103000"/>
+                <a:tint val="73000"/>
+              </a:schemeClr>
+            </a:gs>
+            <a:gs pos="100000">
+              <a:schemeClr val="phClr">
+                <a:lumMod val="105000"/>
+                <a:satMod val="109000"/>
+                <a:tint val="81000"/>
+              </a:schemeClr>
+            </a:gs>
+          </a:gsLst>
+          <a:lin ang="5400000" scaled="0"/>
+        </a:gradFill>
+        <a:gradFill rotWithShape="1">
+          <a:gsLst>
+            <a:gs pos="0">
+              <a:schemeClr val="phClr">
+                <a:satMod val="103000"/>
+                <a:lumMod val="102000"/>
+                <a:tint val="94000"/>
+              </a:schemeClr>
+            </a:gs>
+            <a:gs pos="50000">
+              <a:schemeClr val="phClr">
+                <a:satMod val="110000"/>
+                <a:lumMod val="100000"/>
+                <a:shade val="100000"/>
+              </a:schemeClr>
+            </a:gs>
+            <a:gs pos="100000">
+              <a:schemeClr val="phClr">
+                <a:lumMod val="99000"/>
+                <a:satMod val="120000"/>
+                <a:shade val="78000"/>
+              </a:schemeClr>
+            </a:gs>
+          </a:gsLst>
+          <a:lin ang="5400000" scaled="0"/>
+        </a:gradFill>
+      </a:fillStyleLst>
+      <a:lnStyleLst>
+        <a:ln w="6350" cap="flat" cmpd="sng" algn="ctr">
+          <a:solidFill>
+            <a:schemeClr val="phClr"/>
+          </a:solidFill>
+          <a:prstDash val="solid"/>
+          <a:miter lim="800000"/>
+        </a:ln>
+        <a:ln w="12700" cap="flat" cmpd="sng" algn="ctr">
+          <a:solidFill>
+            <a:schemeClr val="phClr"/>
+          </a:solidFill>
+          <a:prstDash val="solid"/>
+          <a:miter lim="800000"/>
+        </a:ln>
+        <a:ln w="19050" cap="flat" cmpd="sng" algn="ctr">
+          <a:solidFill>
+            <a:schemeClr val="phClr"/>
+          </a:solidFill>
+          <a:prstDash val="solid"/>
+          <a:miter lim="800000"/>
+        </a:ln>
+      </a:lnStyleLst>
+      <a:effectStyleLst>
+        <a:effectStyle>
+          <a:effectLst/>
+        </a:effectStyle>
+        <a:effectStyle>
+          <a:effectLst/>
+        </a:effectStyle>
+        <a:effectStyle>
+          <a:effectLst>
+            <a:outerShdw blurRad="57150" dist="19050" dir="5400000" algn="ctr" rotWithShape="0">
+              <a:srgbClr val="000000">
+                <a:alpha val="63000"/>
+              </a:srgbClr>
+            </a:outerShdw>
+          </a:effectLst>
+        </a:effectStyle>
+      </a:effectStyleLst>
+      <a:bgFillStyleLst>
+        <a:solidFill>
+          <a:schemeClr val="phClr"/>
+        </a:solidFill>
+        <a:solidFill>
+          <a:schemeClr val="phClr">
+            <a:tint val="95000"/>
+            <a:satMod val="170000"/>
+          </a:schemeClr>
+        </a:solidFill>
+        <a:gradFill rotWithShape="1">
+          <a:gsLst>
+            <a:gs pos="0">
+              <a:schemeClr val="phClr">
+                <a:tint val="93000"/>
+                <a:satMod val="150000"/>
+                <a:shade val="98000"/>
+                <a:lumMod val="102000"/>
+              </a:schemeClr>
+            </a:gs>
+            <a:gs pos="50000">
+              <a:schemeClr val="phClr">
+                <a:tint val="98000"/>
+                <a:satMod val="130000"/>
+                <a:shade val="90000"/>
+                <a:lumMod val="103000"/>
+              </a:schemeClr>
+            </a:gs>
+            <a:gs pos="100000">
+              <a:schemeClr val="phClr">
+                <a:shade val="63000"/>
+                <a:satMod val="120000"/>
+              </a:schemeClr>
+            </a:gs>
+          </a:gsLst>
+          <a:lin ang="5400000" scaled="0"/>
+        </a:gradFill>
+      </a:bgFillStyleLst>
+    </a:fmtScheme>
+  </a:themeElements>
+  <a:objectDefaults/>
+  <a:extraClrSchemeLst/>
+  <a:extLst>
+    <a:ext uri="{05A4C25C-085E-4340-85A3-A5531E510DB2}">
+      <thm15:themeFamily xmlns:thm15="http://schemas.microsoft.com/office/thememl/2012/main" name="Office Theme" id="{62F939B6-93AF-4DB8-9C6B-D6C7DFDC589F}" vid="{4A3C46E8-61CC-4603-A589-7422A47A8E4A}"/>
+    </a:ext>
+  </a:extLst>
+</a:theme>
 </file>
--- a/GCA.pptx
+++ b/GCA.pptx
@@ -8695,7 +8695,7 @@
         </p:blipFill>
         <p:spPr>
           <a:xfrm>
-            <a:off x="5632937" y="2369206"/>
+            <a:off x="5535893" y="2268918"/>
             <a:ext cx="557725" cy="540721"/>
           </a:xfrm>
           <a:prstGeom prst="rect">
@@ -8718,7 +8718,7 @@
         <p:spPr>
           <a:xfrm>
             <a:off x="543133" y="458191"/>
-            <a:ext cx="1771639" cy="246221"/>
+            <a:ext cx="1813317" cy="246221"/>
           </a:xfrm>
           <a:prstGeom prst="rect">
             <a:avLst/>
@@ -8732,30 +8732,30 @@
           <a:lstStyle/>
           <a:p>
             <a:r>
-              <a:rPr lang="en-US" altLang="zh-Hans" sz="1000" dirty="0"/>
+              <a:rPr lang="en-US" altLang="zh-Hans" sz="1000" b="1" dirty="0"/>
               <a:t>Normalized</a:t>
             </a:r>
             <a:r>
-              <a:rPr lang="zh-Hans" altLang="en-US" sz="1000" dirty="0"/>
+              <a:rPr lang="zh-Hans" altLang="en-US" sz="1000" b="1" dirty="0"/>
               <a:t> </a:t>
             </a:r>
             <a:r>
-              <a:rPr lang="en-US" altLang="zh-Hans" sz="1000" dirty="0"/>
+              <a:rPr lang="en-US" altLang="zh-Hans" sz="1000" b="1" dirty="0"/>
               <a:t>Expression</a:t>
             </a:r>
             <a:r>
-              <a:rPr lang="zh-Hans" altLang="en-US" sz="1000" dirty="0"/>
+              <a:rPr lang="zh-Hans" altLang="en-US" sz="1000" b="1" dirty="0"/>
               <a:t> </a:t>
             </a:r>
             <a:r>
-              <a:rPr lang="en-US" altLang="zh-Hans" sz="1000" dirty="0"/>
+              <a:rPr lang="en-US" altLang="zh-Hans" sz="1000" b="1" dirty="0"/>
               <a:t>Matrix</a:t>
             </a:r>
             <a:r>
-              <a:rPr lang="zh-Hans" altLang="en-US" sz="1000" dirty="0"/>
+              <a:rPr lang="zh-Hans" altLang="en-US" sz="1000" b="1" dirty="0"/>
               <a:t> </a:t>
             </a:r>
-            <a:endParaRPr lang="en-US" sz="1000" dirty="0"/>
+            <a:endParaRPr lang="en-US" sz="1000" b="1" dirty="0"/>
           </a:p>
         </p:txBody>
       </p:sp>
@@ -8774,7 +8774,7 @@
           <p:nvPr>
             <p:extLst>
               <p:ext uri="{D42A27DB-BD31-4B8C-83A1-F6EECF244321}">
-                <p14:modId xmlns:p14="http://schemas.microsoft.com/office/powerpoint/2010/main" val="1148212423"/>
+                <p14:modId xmlns:p14="http://schemas.microsoft.com/office/powerpoint/2010/main" val="487329135"/>
               </p:ext>
             </p:extLst>
           </p:nvPr>
@@ -8819,7 +8819,7 @@
                     <a:lstStyle/>
                     <a:p>
                       <a:pPr algn="ctr"/>
-                      <a:endParaRPr lang="en-US" sz="800" dirty="0"/>
+                      <a:endParaRPr lang="en-US" sz="800" b="1" dirty="0"/>
                     </a:p>
                   </a:txBody>
                   <a:tcPr/>
@@ -8831,7 +8831,7 @@
                     <a:p>
                       <a:pPr algn="ctr"/>
                       <a:r>
-                        <a:rPr lang="en-US" sz="800" dirty="0"/>
+                        <a:rPr lang="en-US" sz="800" b="1" dirty="0"/>
                         <a:t>Cell1</a:t>
                       </a:r>
                     </a:p>
@@ -8845,7 +8845,7 @@
                     <a:p>
                       <a:pPr algn="ctr"/>
                       <a:r>
-                        <a:rPr lang="en-US" sz="800" dirty="0"/>
+                        <a:rPr lang="en-US" sz="800" b="1" dirty="0"/>
                         <a:t>cell2</a:t>
                       </a:r>
                     </a:p>
@@ -8866,7 +8866,7 @@
                     <a:p>
                       <a:pPr algn="ctr"/>
                       <a:r>
-                        <a:rPr lang="en-US" sz="800" dirty="0"/>
+                        <a:rPr lang="en-US" sz="800" b="1" dirty="0"/>
                         <a:t>Gene1</a:t>
                       </a:r>
                     </a:p>
@@ -8879,7 +8879,7 @@
                     <a:lstStyle/>
                     <a:p>
                       <a:pPr algn="ctr"/>
-                      <a:endParaRPr lang="en-US" sz="800" dirty="0"/>
+                      <a:endParaRPr lang="en-US" sz="800" b="1" dirty="0"/>
                     </a:p>
                   </a:txBody>
                   <a:tcPr/>
@@ -8890,7 +8890,7 @@
                     <a:lstStyle/>
                     <a:p>
                       <a:pPr algn="ctr"/>
-                      <a:endParaRPr lang="en-US" sz="800" dirty="0"/>
+                      <a:endParaRPr lang="en-US" sz="800" b="1" dirty="0"/>
                     </a:p>
                   </a:txBody>
                   <a:tcPr/>
@@ -8925,7 +8925,7 @@
                         <a:defRPr/>
                       </a:pPr>
                       <a:r>
-                        <a:rPr lang="en-US" sz="800" dirty="0"/>
+                        <a:rPr lang="en-US" sz="800" b="1" dirty="0"/>
                         <a:t>Gene2</a:t>
                       </a:r>
                     </a:p>
@@ -8938,7 +8938,7 @@
                     <a:lstStyle/>
                     <a:p>
                       <a:pPr algn="ctr"/>
-                      <a:endParaRPr lang="en-US" sz="800" dirty="0"/>
+                      <a:endParaRPr lang="en-US" sz="800" b="1" dirty="0"/>
                     </a:p>
                   </a:txBody>
                   <a:tcPr/>
@@ -8950,7 +8950,7 @@
                     <a:p>
                       <a:pPr algn="ctr"/>
                       <a:r>
-                        <a:rPr lang="en-US" sz="800" dirty="0"/>
+                        <a:rPr lang="en-US" sz="800" b="1" dirty="0"/>
                         <a:t>…</a:t>
                       </a:r>
                     </a:p>
@@ -8982,7 +8982,7 @@
         <p:spPr>
           <a:xfrm>
             <a:off x="3940195" y="458191"/>
-            <a:ext cx="933269" cy="246221"/>
+            <a:ext cx="957313" cy="246221"/>
           </a:xfrm>
           <a:prstGeom prst="rect">
             <a:avLst/>
@@ -8996,18 +8996,18 @@
           <a:lstStyle/>
           <a:p>
             <a:r>
-              <a:rPr lang="en-US" altLang="zh-Hans" sz="1000" dirty="0"/>
+              <a:rPr lang="en-US" altLang="zh-Hans" sz="1000" b="1" dirty="0"/>
               <a:t>Z-value</a:t>
             </a:r>
             <a:r>
-              <a:rPr lang="zh-Hans" altLang="en-US" sz="1000" dirty="0"/>
+              <a:rPr lang="zh-Hans" altLang="en-US" sz="1000" b="1" dirty="0"/>
               <a:t> </a:t>
             </a:r>
             <a:r>
-              <a:rPr lang="en-US" altLang="zh-Hans" sz="1000" dirty="0"/>
+              <a:rPr lang="en-US" altLang="zh-Hans" sz="1000" b="1" dirty="0"/>
               <a:t>Matrix</a:t>
             </a:r>
-            <a:endParaRPr lang="en-US" sz="1000" dirty="0"/>
+            <a:endParaRPr lang="en-US" sz="1000" b="1" dirty="0"/>
           </a:p>
         </p:txBody>
       </p:sp>
@@ -9026,7 +9026,7 @@
           <p:nvPr>
             <p:extLst>
               <p:ext uri="{D42A27DB-BD31-4B8C-83A1-F6EECF244321}">
-                <p14:modId xmlns:p14="http://schemas.microsoft.com/office/powerpoint/2010/main" val="3413603904"/>
+                <p14:modId xmlns:p14="http://schemas.microsoft.com/office/powerpoint/2010/main" val="3685598849"/>
               </p:ext>
             </p:extLst>
           </p:nvPr>
@@ -9064,7 +9064,7 @@
                     <a:lstStyle/>
                     <a:p>
                       <a:pPr algn="ctr"/>
-                      <a:endParaRPr lang="en-US" sz="800" dirty="0"/>
+                      <a:endParaRPr lang="en-US" sz="800" b="1" dirty="0"/>
                     </a:p>
                   </a:txBody>
                   <a:tcPr/>
@@ -9076,7 +9076,7 @@
                     <a:p>
                       <a:pPr algn="ctr"/>
                       <a:r>
-                        <a:rPr lang="en-US" sz="800" dirty="0"/>
+                        <a:rPr lang="en-US" sz="800" b="1" dirty="0"/>
                         <a:t>Cell1</a:t>
                       </a:r>
                     </a:p>
@@ -9097,7 +9097,7 @@
                     <a:p>
                       <a:pPr algn="ctr"/>
                       <a:r>
-                        <a:rPr lang="en-US" sz="800" dirty="0"/>
+                        <a:rPr lang="en-US" sz="800" b="1" dirty="0"/>
                         <a:t>Gene1.And.Gene2</a:t>
                       </a:r>
                     </a:p>
@@ -9110,7 +9110,7 @@
                     <a:lstStyle/>
                     <a:p>
                       <a:pPr algn="ctr"/>
-                      <a:endParaRPr lang="en-US" sz="800" dirty="0"/>
+                      <a:endParaRPr lang="en-US" sz="800" b="1" dirty="0"/>
                     </a:p>
                   </a:txBody>
                   <a:tcPr/>
@@ -9145,7 +9145,7 @@
                         <a:defRPr/>
                       </a:pPr>
                       <a:r>
-                        <a:rPr lang="en-US" sz="800" dirty="0"/>
+                        <a:rPr lang="en-US" sz="800" b="1" dirty="0"/>
                         <a:t>…</a:t>
                       </a:r>
                     </a:p>
@@ -9175,7 +9175,7 @@
                         <a:defRPr/>
                       </a:pPr>
                       <a:r>
-                        <a:rPr lang="en-US" sz="800" dirty="0"/>
+                        <a:rPr lang="en-US" sz="800" b="1" dirty="0"/>
                         <a:t>…</a:t>
                       </a:r>
                     </a:p>
@@ -9192,8 +9192,8 @@
           </a:graphicData>
         </a:graphic>
       </p:graphicFrame>
-      <mc:AlternateContent xmlns:mc="http://schemas.openxmlformats.org/markup-compatibility/2006" xmlns:a14="http://schemas.microsoft.com/office/drawing/2010/main">
-        <mc:Choice Requires="a14">
+      <mc:AlternateContent xmlns:mc="http://schemas.openxmlformats.org/markup-compatibility/2006">
+        <mc:Choice xmlns:a14="http://schemas.microsoft.com/office/drawing/2010/main" Requires="a14">
           <p:sp>
             <p:nvSpPr>
               <p:cNvPr id="9" name="TextBox 8">
@@ -9209,7 +9209,7 @@
             <p:spPr>
               <a:xfrm>
                 <a:off x="2228022" y="1262705"/>
-                <a:ext cx="1341099" cy="265073"/>
+                <a:ext cx="1341099" cy="268215"/>
               </a:xfrm>
               <a:prstGeom prst="rect">
                 <a:avLst/>
@@ -9230,13 +9230,13 @@
                     </m:oMathParaPr>
                     <m:oMath xmlns:m="http://schemas.openxmlformats.org/officeDocument/2006/math">
                       <m:r>
-                        <a:rPr lang="en-US" altLang="zh-Hans" sz="800" b="0" i="1" smtClean="0">
+                        <a:rPr lang="en-US" altLang="zh-Hans" sz="800" b="1" i="1" smtClean="0">
                           <a:latin typeface="Cambria Math" panose="02040503050406030204" pitchFamily="18" charset="0"/>
                         </a:rPr>
-                        <m:t>𝑍</m:t>
+                        <m:t>𝒁</m:t>
                       </m:r>
                       <m:r>
-                        <a:rPr lang="en-US" altLang="zh-Hans" sz="800" b="0" i="1" smtClean="0">
+                        <a:rPr lang="en-US" altLang="zh-Hans" sz="800" b="1" i="1" smtClean="0">
                           <a:latin typeface="Cambria Math" panose="02040503050406030204" pitchFamily="18" charset="0"/>
                         </a:rPr>
                         <m:t>=</m:t>
@@ -9244,7 +9244,7 @@
                       <m:f>
                         <m:fPr>
                           <m:ctrlPr>
-                            <a:rPr lang="en-US" altLang="zh-Hans" sz="800" i="1" smtClean="0">
+                            <a:rPr lang="en-US" altLang="zh-Hans" sz="800" b="1" i="1" smtClean="0">
                               <a:latin typeface="Cambria Math" panose="02040503050406030204" pitchFamily="18" charset="0"/>
                             </a:rPr>
                           </m:ctrlPr>
@@ -9253,7 +9253,7 @@
                           <m:sSub>
                             <m:sSubPr>
                               <m:ctrlPr>
-                                <a:rPr lang="en-US" altLang="zh-Hans" sz="800" b="0" i="1" smtClean="0">
+                                <a:rPr lang="en-US" altLang="zh-Hans" sz="800" b="1" i="1" smtClean="0">
                                   <a:latin typeface="Cambria Math" panose="02040503050406030204" pitchFamily="18" charset="0"/>
                                   <a:ea typeface="Cambria Math" panose="02040503050406030204" pitchFamily="18" charset="0"/>
                                 </a:rPr>
@@ -9261,49 +9261,46 @@
                             </m:sSubPr>
                             <m:e>
                               <m:r>
-                                <m:rPr>
-                                  <m:sty m:val="p"/>
-                                </m:rPr>
-                                <a:rPr lang="el-GR" altLang="zh-Hans" sz="800" i="1">
+                                <a:rPr lang="el-GR" altLang="zh-Hans" sz="800" b="1" i="1">
                                   <a:latin typeface="Cambria Math" panose="02040503050406030204" pitchFamily="18" charset="0"/>
                                   <a:ea typeface="Cambria Math" panose="02040503050406030204" pitchFamily="18" charset="0"/>
                                 </a:rPr>
-                                <m:t>Δ</m:t>
+                                <m:t>𝜟</m:t>
                               </m:r>
                               <m:r>
-                                <a:rPr lang="en-US" altLang="zh-Hans" sz="800" i="1">
+                                <a:rPr lang="en-US" altLang="zh-Hans" sz="800" b="1" i="1">
                                   <a:latin typeface="Cambria Math" panose="02040503050406030204" pitchFamily="18" charset="0"/>
                                   <a:ea typeface="Cambria Math" panose="02040503050406030204" pitchFamily="18" charset="0"/>
                                 </a:rPr>
-                                <m:t>𝑃𝐶𝐶</m:t>
+                                <m:t>𝑷𝑪𝑪</m:t>
                               </m:r>
                             </m:e>
                             <m:sub>
                               <m:r>
-                                <a:rPr lang="en-US" altLang="zh-Hans" sz="800" b="0" i="1" smtClean="0">
+                                <a:rPr lang="en-US" altLang="zh-Hans" sz="800" b="1" i="1" smtClean="0">
                                   <a:latin typeface="Cambria Math" panose="02040503050406030204" pitchFamily="18" charset="0"/>
                                   <a:ea typeface="Cambria Math" panose="02040503050406030204" pitchFamily="18" charset="0"/>
                                 </a:rPr>
-                                <m:t>𝑛</m:t>
+                                <m:t>𝒏</m:t>
                               </m:r>
                             </m:sub>
                           </m:sSub>
                         </m:num>
                         <m:den>
                           <m:r>
-                            <a:rPr lang="en-US" altLang="zh-Hans" sz="800" b="0" i="1" smtClean="0">
+                            <a:rPr lang="en-US" altLang="zh-Hans" sz="800" b="1" i="1" smtClean="0">
                               <a:latin typeface="Cambria Math" panose="02040503050406030204" pitchFamily="18" charset="0"/>
                             </a:rPr>
                             <m:t>(</m:t>
                           </m:r>
                           <m:r>
-                            <a:rPr lang="en-US" altLang="zh-Hans" sz="800" i="1" smtClean="0">
+                            <a:rPr lang="en-US" altLang="zh-Hans" sz="800" b="1" i="1" smtClean="0">
                               <a:latin typeface="Cambria Math" panose="02040503050406030204" pitchFamily="18" charset="0"/>
                             </a:rPr>
-                            <m:t>1</m:t>
+                            <m:t>𝟏</m:t>
                           </m:r>
                           <m:r>
-                            <a:rPr lang="en-US" altLang="zh-Hans" sz="800" b="0" i="1" smtClean="0">
+                            <a:rPr lang="en-US" altLang="zh-Hans" sz="800" b="1" i="1" smtClean="0">
                               <a:latin typeface="Cambria Math" panose="02040503050406030204" pitchFamily="18" charset="0"/>
                             </a:rPr>
                             <m:t>−</m:t>
@@ -9311,7 +9308,7 @@
                           <m:sSup>
                             <m:sSupPr>
                               <m:ctrlPr>
-                                <a:rPr lang="en-US" altLang="zh-Hans" sz="800" b="0" i="1" smtClean="0">
+                                <a:rPr lang="en-US" altLang="zh-Hans" sz="800" b="1" i="1" smtClean="0">
                                   <a:latin typeface="Cambria Math" panose="02040503050406030204" pitchFamily="18" charset="0"/>
                                 </a:rPr>
                               </m:ctrlPr>
@@ -9320,67 +9317,79 @@
                               <m:sSub>
                                 <m:sSubPr>
                                   <m:ctrlPr>
-                                    <a:rPr lang="en-US" altLang="zh-Hans" sz="800" i="1">
+                                    <a:rPr lang="en-US" altLang="zh-Hans" sz="800" b="1" i="1">
                                       <a:latin typeface="Cambria Math" panose="02040503050406030204" pitchFamily="18" charset="0"/>
                                     </a:rPr>
                                   </m:ctrlPr>
                                 </m:sSubPr>
                                 <m:e>
                                   <m:r>
-                                    <a:rPr lang="en-US" altLang="zh-Hans" sz="800" i="1">
+                                    <a:rPr lang="en-US" altLang="zh-Hans" sz="800" b="1" i="1">
                                       <a:latin typeface="Cambria Math" panose="02040503050406030204" pitchFamily="18" charset="0"/>
                                     </a:rPr>
-                                    <m:t>𝑃𝐶𝐶</m:t>
+                                    <m:t>𝑷𝑪𝑪</m:t>
                                   </m:r>
                                 </m:e>
                                 <m:sub>
                                   <m:r>
-                                    <a:rPr lang="en-US" altLang="zh-Hans" sz="800" i="1">
+                                    <a:rPr lang="en-US" altLang="zh-Hans" sz="800" b="1" i="1">
                                       <a:latin typeface="Cambria Math" panose="02040503050406030204" pitchFamily="18" charset="0"/>
                                     </a:rPr>
-                                    <m:t>𝑛</m:t>
+                                    <m:t>𝒏</m:t>
                                   </m:r>
                                 </m:sub>
                               </m:sSub>
                             </m:e>
                             <m:sup>
                               <m:r>
-                                <a:rPr lang="en-US" altLang="zh-Hans" sz="800" b="0" i="1" smtClean="0">
+                                <a:rPr lang="en-US" altLang="zh-Hans" sz="800" b="1" i="1" smtClean="0">
                                   <a:latin typeface="Cambria Math" panose="02040503050406030204" pitchFamily="18" charset="0"/>
                                 </a:rPr>
-                                <m:t>2</m:t>
+                                <m:t>𝟐</m:t>
                               </m:r>
                             </m:sup>
                           </m:sSup>
                           <m:r>
-                            <a:rPr lang="en-US" altLang="zh-Hans" sz="800" b="0" i="1" smtClean="0">
+                            <a:rPr lang="en-US" altLang="zh-Hans" sz="800" b="1" i="1" smtClean="0">
                               <a:latin typeface="Cambria Math" panose="02040503050406030204" pitchFamily="18" charset="0"/>
                             </a:rPr>
                             <m:t>)/(</m:t>
                           </m:r>
                           <m:r>
-                            <a:rPr lang="en-US" altLang="zh-Hans" sz="800" b="0" i="1" smtClean="0">
+                            <a:rPr lang="en-US" altLang="zh-Hans" sz="800" b="1" i="1" smtClean="0">
                               <a:latin typeface="Cambria Math" panose="02040503050406030204" pitchFamily="18" charset="0"/>
                             </a:rPr>
-                            <m:t>𝑛</m:t>
+                            <m:t>𝒏</m:t>
                           </m:r>
                           <m:r>
-                            <a:rPr lang="en-US" altLang="zh-Hans" sz="800" b="0" i="1" smtClean="0">
+                            <a:rPr lang="en-US" altLang="zh-Hans" sz="800" b="1" i="1" smtClean="0">
                               <a:latin typeface="Cambria Math" panose="02040503050406030204" pitchFamily="18" charset="0"/>
                             </a:rPr>
-                            <m:t>−1)</m:t>
+                            <m:t>−</m:t>
+                          </m:r>
+                          <m:r>
+                            <a:rPr lang="en-US" altLang="zh-Hans" sz="800" b="1" i="1" smtClean="0">
+                              <a:latin typeface="Cambria Math" panose="02040503050406030204" pitchFamily="18" charset="0"/>
+                            </a:rPr>
+                            <m:t>𝟏</m:t>
+                          </m:r>
+                          <m:r>
+                            <a:rPr lang="en-US" altLang="zh-Hans" sz="800" b="1" i="1" smtClean="0">
+                              <a:latin typeface="Cambria Math" panose="02040503050406030204" pitchFamily="18" charset="0"/>
+                            </a:rPr>
+                            <m:t>)</m:t>
                           </m:r>
                         </m:den>
                       </m:f>
                     </m:oMath>
                   </m:oMathPara>
                 </a14:m>
-                <a:endParaRPr lang="en-US" sz="800" dirty="0"/>
+                <a:endParaRPr lang="en-US" sz="800" b="1" dirty="0"/>
               </a:p>
             </p:txBody>
           </p:sp>
         </mc:Choice>
-        <mc:Fallback xmlns="">
+        <mc:Fallback>
           <p:sp>
             <p:nvSpPr>
               <p:cNvPr id="9" name="TextBox 8">
@@ -9398,7 +9407,7 @@
             <p:spPr>
               <a:xfrm>
                 <a:off x="2228022" y="1262705"/>
-                <a:ext cx="1341099" cy="265073"/>
+                <a:ext cx="1341099" cy="268215"/>
               </a:xfrm>
               <a:prstGeom prst="rect">
                 <a:avLst/>
@@ -9406,7 +9415,7 @@
               <a:blipFill>
                 <a:blip r:embed="rId4"/>
                 <a:stretch>
-                  <a:fillRect b="-13636"/>
+                  <a:fillRect b="-13043"/>
                 </a:stretch>
               </a:blipFill>
             </p:spPr>
@@ -9425,515 +9434,557 @@
           </p:sp>
         </mc:Fallback>
       </mc:AlternateContent>
-      <p:sp>
-        <p:nvSpPr>
-          <p:cNvPr id="11" name="Oval 10">
-            <a:extLst>
-              <a:ext uri="{FF2B5EF4-FFF2-40B4-BE49-F238E27FC236}">
-                <a16:creationId xmlns:a16="http://schemas.microsoft.com/office/drawing/2014/main" id="{B48EE3D0-2264-4E49-BF89-C92B2CB7DF97}"/>
-              </a:ext>
-            </a:extLst>
-          </p:cNvPr>
-          <p:cNvSpPr/>
+      <p:grpSp>
+        <p:nvGrpSpPr>
+          <p:cNvPr id="43" name="Group 42">
+            <a:extLst>
+              <a:ext uri="{FF2B5EF4-FFF2-40B4-BE49-F238E27FC236}">
+                <a16:creationId xmlns:a16="http://schemas.microsoft.com/office/drawing/2014/main" id="{4B83C7A9-8287-AF41-ACAE-236A5E685C84}"/>
+              </a:ext>
+            </a:extLst>
+          </p:cNvPr>
+          <p:cNvGrpSpPr/>
           <p:nvPr/>
-        </p:nvSpPr>
-        <p:spPr>
-          <a:xfrm>
-            <a:off x="2760770" y="580248"/>
-            <a:ext cx="119586" cy="117029"/>
-          </a:xfrm>
-          <a:prstGeom prst="ellipse">
-            <a:avLst/>
-          </a:prstGeom>
-        </p:spPr>
-        <p:style>
-          <a:lnRef idx="2">
-            <a:schemeClr val="accent1">
-              <a:shade val="50000"/>
-            </a:schemeClr>
-          </a:lnRef>
-          <a:fillRef idx="1">
-            <a:schemeClr val="accent1"/>
-          </a:fillRef>
-          <a:effectRef idx="0">
-            <a:schemeClr val="accent1"/>
-          </a:effectRef>
-          <a:fontRef idx="minor">
-            <a:schemeClr val="lt1"/>
-          </a:fontRef>
-        </p:style>
-        <p:txBody>
-          <a:bodyPr rtlCol="0" anchor="ctr"/>
-          <a:lstStyle/>
-          <a:p>
-            <a:pPr algn="ctr"/>
-            <a:endParaRPr lang="en-US"/>
-          </a:p>
-        </p:txBody>
-      </p:sp>
-      <p:sp>
-        <p:nvSpPr>
-          <p:cNvPr id="12" name="Oval 11">
-            <a:extLst>
-              <a:ext uri="{FF2B5EF4-FFF2-40B4-BE49-F238E27FC236}">
-                <a16:creationId xmlns:a16="http://schemas.microsoft.com/office/drawing/2014/main" id="{A22444B3-388F-264B-9CF2-99EF46EA0ED9}"/>
-              </a:ext>
-            </a:extLst>
-          </p:cNvPr>
-          <p:cNvSpPr/>
-          <p:nvPr/>
-        </p:nvSpPr>
-        <p:spPr>
-          <a:xfrm>
-            <a:off x="2987290" y="641432"/>
-            <a:ext cx="119586" cy="117029"/>
-          </a:xfrm>
-          <a:prstGeom prst="ellipse">
-            <a:avLst/>
-          </a:prstGeom>
-          <a:solidFill>
-            <a:srgbClr val="FF0000"/>
-          </a:solidFill>
-        </p:spPr>
-        <p:style>
-          <a:lnRef idx="2">
-            <a:schemeClr val="accent1">
-              <a:shade val="50000"/>
-            </a:schemeClr>
-          </a:lnRef>
-          <a:fillRef idx="1">
-            <a:schemeClr val="accent1"/>
-          </a:fillRef>
-          <a:effectRef idx="0">
-            <a:schemeClr val="accent1"/>
-          </a:effectRef>
-          <a:fontRef idx="minor">
-            <a:schemeClr val="lt1"/>
-          </a:fontRef>
-        </p:style>
-        <p:txBody>
-          <a:bodyPr rtlCol="0" anchor="ctr"/>
-          <a:lstStyle/>
-          <a:p>
-            <a:pPr algn="ctr"/>
-            <a:endParaRPr lang="en-US"/>
-          </a:p>
-        </p:txBody>
-      </p:sp>
-      <p:sp>
-        <p:nvSpPr>
-          <p:cNvPr id="13" name="Oval 12">
-            <a:extLst>
-              <a:ext uri="{FF2B5EF4-FFF2-40B4-BE49-F238E27FC236}">
-                <a16:creationId xmlns:a16="http://schemas.microsoft.com/office/drawing/2014/main" id="{0771F0E0-D893-6A4F-A9A4-4F5009355177}"/>
-              </a:ext>
-            </a:extLst>
-          </p:cNvPr>
-          <p:cNvSpPr/>
-          <p:nvPr/>
-        </p:nvSpPr>
-        <p:spPr>
-          <a:xfrm>
-            <a:off x="2822263" y="809482"/>
-            <a:ext cx="119586" cy="117029"/>
-          </a:xfrm>
-          <a:prstGeom prst="ellipse">
-            <a:avLst/>
-          </a:prstGeom>
-          <a:solidFill>
-            <a:srgbClr val="FF0000"/>
-          </a:solidFill>
-        </p:spPr>
-        <p:style>
-          <a:lnRef idx="2">
-            <a:schemeClr val="accent1">
-              <a:shade val="50000"/>
-            </a:schemeClr>
-          </a:lnRef>
-          <a:fillRef idx="1">
-            <a:schemeClr val="accent1"/>
-          </a:fillRef>
-          <a:effectRef idx="0">
-            <a:schemeClr val="accent1"/>
-          </a:effectRef>
-          <a:fontRef idx="minor">
-            <a:schemeClr val="lt1"/>
-          </a:fontRef>
-        </p:style>
-        <p:txBody>
-          <a:bodyPr rtlCol="0" anchor="ctr"/>
-          <a:lstStyle/>
-          <a:p>
-            <a:pPr algn="ctr"/>
-            <a:endParaRPr lang="en-US"/>
-          </a:p>
-        </p:txBody>
-      </p:sp>
-      <p:cxnSp>
-        <p:nvCxnSpPr>
-          <p:cNvPr id="14" name="Straight Connector 13">
-            <a:extLst>
-              <a:ext uri="{FF2B5EF4-FFF2-40B4-BE49-F238E27FC236}">
-                <a16:creationId xmlns:a16="http://schemas.microsoft.com/office/drawing/2014/main" id="{4A8C3B8B-8E86-524D-9553-B168A1CE3FB3}"/>
-              </a:ext>
-            </a:extLst>
-          </p:cNvPr>
-          <p:cNvCxnSpPr>
-            <a:stCxn id="11" idx="4"/>
-            <a:endCxn id="13" idx="0"/>
-          </p:cNvCxnSpPr>
-          <p:nvPr/>
-        </p:nvCxnSpPr>
-        <p:spPr>
-          <a:xfrm>
-            <a:off x="2820563" y="697277"/>
-            <a:ext cx="61492" cy="112205"/>
-          </a:xfrm>
-          <a:prstGeom prst="line">
-            <a:avLst/>
-          </a:prstGeom>
-        </p:spPr>
-        <p:style>
-          <a:lnRef idx="1">
-            <a:schemeClr val="accent1"/>
-          </a:lnRef>
-          <a:fillRef idx="0">
-            <a:schemeClr val="accent1"/>
-          </a:fillRef>
-          <a:effectRef idx="0">
-            <a:schemeClr val="accent1"/>
-          </a:effectRef>
-          <a:fontRef idx="minor">
-            <a:schemeClr val="tx1"/>
-          </a:fontRef>
-        </p:style>
-      </p:cxnSp>
-      <p:cxnSp>
-        <p:nvCxnSpPr>
-          <p:cNvPr id="15" name="Straight Connector 14">
-            <a:extLst>
-              <a:ext uri="{FF2B5EF4-FFF2-40B4-BE49-F238E27FC236}">
-                <a16:creationId xmlns:a16="http://schemas.microsoft.com/office/drawing/2014/main" id="{CCDA6A0E-5162-AA41-AF57-8DDD68DDF29D}"/>
-              </a:ext>
-            </a:extLst>
-          </p:cNvPr>
-          <p:cNvCxnSpPr>
-            <a:cxnSpLocks/>
-            <a:stCxn id="12" idx="3"/>
-            <a:endCxn id="13" idx="7"/>
-          </p:cNvCxnSpPr>
-          <p:nvPr/>
-        </p:nvCxnSpPr>
-        <p:spPr>
-          <a:xfrm flipH="1">
-            <a:off x="2924335" y="741323"/>
-            <a:ext cx="80468" cy="85298"/>
-          </a:xfrm>
-          <a:prstGeom prst="line">
-            <a:avLst/>
-          </a:prstGeom>
-        </p:spPr>
-        <p:style>
-          <a:lnRef idx="1">
-            <a:schemeClr val="accent1"/>
-          </a:lnRef>
-          <a:fillRef idx="0">
-            <a:schemeClr val="accent1"/>
-          </a:fillRef>
-          <a:effectRef idx="0">
-            <a:schemeClr val="accent1"/>
-          </a:effectRef>
-          <a:fontRef idx="minor">
-            <a:schemeClr val="tx1"/>
-          </a:fontRef>
-        </p:style>
-      </p:cxnSp>
-      <p:sp>
-        <p:nvSpPr>
-          <p:cNvPr id="16" name="Oval 15">
-            <a:extLst>
-              <a:ext uri="{FF2B5EF4-FFF2-40B4-BE49-F238E27FC236}">
-                <a16:creationId xmlns:a16="http://schemas.microsoft.com/office/drawing/2014/main" id="{EF649D06-A35B-CB4E-98CC-4204918EC2CA}"/>
-              </a:ext>
-            </a:extLst>
-          </p:cNvPr>
-          <p:cNvSpPr/>
-          <p:nvPr/>
-        </p:nvSpPr>
-        <p:spPr>
-          <a:xfrm>
-            <a:off x="2536852" y="725457"/>
-            <a:ext cx="119586" cy="117029"/>
-          </a:xfrm>
-          <a:prstGeom prst="ellipse">
-            <a:avLst/>
-          </a:prstGeom>
-        </p:spPr>
-        <p:style>
-          <a:lnRef idx="2">
-            <a:schemeClr val="accent1">
-              <a:shade val="50000"/>
-            </a:schemeClr>
-          </a:lnRef>
-          <a:fillRef idx="1">
-            <a:schemeClr val="accent1"/>
-          </a:fillRef>
-          <a:effectRef idx="0">
-            <a:schemeClr val="accent1"/>
-          </a:effectRef>
-          <a:fontRef idx="minor">
-            <a:schemeClr val="lt1"/>
-          </a:fontRef>
-        </p:style>
-        <p:txBody>
-          <a:bodyPr rtlCol="0" anchor="ctr"/>
-          <a:lstStyle/>
-          <a:p>
-            <a:pPr algn="ctr"/>
-            <a:endParaRPr lang="en-US"/>
-          </a:p>
-        </p:txBody>
-      </p:sp>
-      <p:sp>
-        <p:nvSpPr>
-          <p:cNvPr id="17" name="Oval 16">
-            <a:extLst>
-              <a:ext uri="{FF2B5EF4-FFF2-40B4-BE49-F238E27FC236}">
-                <a16:creationId xmlns:a16="http://schemas.microsoft.com/office/drawing/2014/main" id="{27AC6819-ED54-2E4E-81A9-0ECBF8D0580C}"/>
-              </a:ext>
-            </a:extLst>
-          </p:cNvPr>
-          <p:cNvSpPr/>
-          <p:nvPr/>
-        </p:nvSpPr>
-        <p:spPr>
-          <a:xfrm>
-            <a:off x="2804750" y="1036094"/>
-            <a:ext cx="119586" cy="117029"/>
-          </a:xfrm>
-          <a:prstGeom prst="ellipse">
-            <a:avLst/>
-          </a:prstGeom>
-        </p:spPr>
-        <p:style>
-          <a:lnRef idx="2">
-            <a:schemeClr val="accent1">
-              <a:shade val="50000"/>
-            </a:schemeClr>
-          </a:lnRef>
-          <a:fillRef idx="1">
-            <a:schemeClr val="accent1"/>
-          </a:fillRef>
-          <a:effectRef idx="0">
-            <a:schemeClr val="accent1"/>
-          </a:effectRef>
-          <a:fontRef idx="minor">
-            <a:schemeClr val="lt1"/>
-          </a:fontRef>
-        </p:style>
-        <p:txBody>
-          <a:bodyPr rtlCol="0" anchor="ctr"/>
-          <a:lstStyle/>
-          <a:p>
-            <a:pPr algn="ctr"/>
-            <a:endParaRPr lang="en-US"/>
-          </a:p>
-        </p:txBody>
-      </p:sp>
-      <p:cxnSp>
-        <p:nvCxnSpPr>
-          <p:cNvPr id="18" name="Straight Connector 17">
-            <a:extLst>
-              <a:ext uri="{FF2B5EF4-FFF2-40B4-BE49-F238E27FC236}">
-                <a16:creationId xmlns:a16="http://schemas.microsoft.com/office/drawing/2014/main" id="{77EB0807-C827-6543-B369-4E80BD530F45}"/>
-              </a:ext>
-            </a:extLst>
-          </p:cNvPr>
-          <p:cNvCxnSpPr>
-            <a:stCxn id="17" idx="0"/>
-            <a:endCxn id="13" idx="4"/>
-          </p:cNvCxnSpPr>
-          <p:nvPr/>
-        </p:nvCxnSpPr>
-        <p:spPr>
-          <a:xfrm flipV="1">
-            <a:off x="2864543" y="926512"/>
-            <a:ext cx="17513" cy="109582"/>
-          </a:xfrm>
-          <a:prstGeom prst="line">
-            <a:avLst/>
-          </a:prstGeom>
-        </p:spPr>
-        <p:style>
-          <a:lnRef idx="1">
-            <a:schemeClr val="accent1"/>
-          </a:lnRef>
-          <a:fillRef idx="0">
-            <a:schemeClr val="accent1"/>
-          </a:fillRef>
-          <a:effectRef idx="0">
-            <a:schemeClr val="accent1"/>
-          </a:effectRef>
-          <a:fontRef idx="minor">
-            <a:schemeClr val="tx1"/>
-          </a:fontRef>
-        </p:style>
-      </p:cxnSp>
-      <p:cxnSp>
-        <p:nvCxnSpPr>
-          <p:cNvPr id="19" name="Straight Connector 18">
-            <a:extLst>
-              <a:ext uri="{FF2B5EF4-FFF2-40B4-BE49-F238E27FC236}">
-                <a16:creationId xmlns:a16="http://schemas.microsoft.com/office/drawing/2014/main" id="{3AF684B9-63FA-484C-872A-F7EE20FA2467}"/>
-              </a:ext>
-            </a:extLst>
-          </p:cNvPr>
-          <p:cNvCxnSpPr>
-            <a:stCxn id="16" idx="7"/>
-            <a:endCxn id="11" idx="3"/>
-          </p:cNvCxnSpPr>
-          <p:nvPr/>
-        </p:nvCxnSpPr>
-        <p:spPr>
-          <a:xfrm flipV="1">
-            <a:off x="2638925" y="680139"/>
-            <a:ext cx="139359" cy="62456"/>
-          </a:xfrm>
-          <a:prstGeom prst="line">
-            <a:avLst/>
-          </a:prstGeom>
-        </p:spPr>
-        <p:style>
-          <a:lnRef idx="1">
-            <a:schemeClr val="accent1"/>
-          </a:lnRef>
-          <a:fillRef idx="0">
-            <a:schemeClr val="accent1"/>
-          </a:fillRef>
-          <a:effectRef idx="0">
-            <a:schemeClr val="accent1"/>
-          </a:effectRef>
-          <a:fontRef idx="minor">
-            <a:schemeClr val="tx1"/>
-          </a:fontRef>
-        </p:style>
-      </p:cxnSp>
-      <p:sp>
-        <p:nvSpPr>
-          <p:cNvPr id="20" name="TextBox 19">
-            <a:extLst>
-              <a:ext uri="{FF2B5EF4-FFF2-40B4-BE49-F238E27FC236}">
-                <a16:creationId xmlns:a16="http://schemas.microsoft.com/office/drawing/2014/main" id="{7C4249FA-2A39-A448-9BAD-71BA0C5B68E2}"/>
-              </a:ext>
-            </a:extLst>
-          </p:cNvPr>
-          <p:cNvSpPr txBox="1"/>
-          <p:nvPr/>
-        </p:nvSpPr>
-        <p:spPr>
+        </p:nvGrpSpPr>
+        <p:grpSpPr>
           <a:xfrm>
             <a:off x="2433011" y="288258"/>
-            <a:ext cx="941283" cy="246221"/>
-          </a:xfrm>
-          <a:prstGeom prst="rect">
-            <a:avLst/>
-          </a:prstGeom>
-          <a:noFill/>
-        </p:spPr>
-        <p:txBody>
-          <a:bodyPr wrap="none" rtlCol="0">
-            <a:spAutoFit/>
-          </a:bodyPr>
-          <a:lstStyle/>
-          <a:p>
-            <a:r>
-              <a:rPr lang="en-US" altLang="zh-Hans" sz="1000" dirty="0"/>
-              <a:t>Gene</a:t>
-            </a:r>
-            <a:r>
-              <a:rPr lang="zh-Hans" altLang="en-US" sz="1000" dirty="0"/>
-              <a:t> </a:t>
-            </a:r>
-            <a:r>
-              <a:rPr lang="en-US" altLang="zh-Hans" sz="1000" dirty="0"/>
-              <a:t>Network</a:t>
-            </a:r>
-            <a:endParaRPr lang="en-US" sz="1000" dirty="0"/>
-          </a:p>
-        </p:txBody>
-      </p:sp>
-      <p:sp>
-        <p:nvSpPr>
-          <p:cNvPr id="21" name="Rectangle 20">
-            <a:extLst>
-              <a:ext uri="{FF2B5EF4-FFF2-40B4-BE49-F238E27FC236}">
-                <a16:creationId xmlns:a16="http://schemas.microsoft.com/office/drawing/2014/main" id="{2E39ACB1-A99E-2348-B9F2-DF10180A5588}"/>
-              </a:ext>
-            </a:extLst>
-          </p:cNvPr>
-          <p:cNvSpPr/>
-          <p:nvPr/>
-        </p:nvSpPr>
-        <p:spPr>
-          <a:xfrm>
-            <a:off x="2854910" y="832165"/>
-            <a:ext cx="543739" cy="253916"/>
-          </a:xfrm>
-          <a:prstGeom prst="rect">
-            <a:avLst/>
-          </a:prstGeom>
-        </p:spPr>
-        <p:txBody>
-          <a:bodyPr wrap="none">
-            <a:spAutoFit/>
-          </a:bodyPr>
-          <a:lstStyle/>
-          <a:p>
-            <a:pPr algn="ctr"/>
-            <a:r>
-              <a:rPr lang="en-US" altLang="zh-Hans" sz="1000" dirty="0"/>
-              <a:t>Gene1</a:t>
-            </a:r>
-            <a:endParaRPr lang="en-US" sz="1000" dirty="0"/>
-          </a:p>
-        </p:txBody>
-      </p:sp>
-      <p:sp>
-        <p:nvSpPr>
-          <p:cNvPr id="22" name="Rectangle 21">
-            <a:extLst>
-              <a:ext uri="{FF2B5EF4-FFF2-40B4-BE49-F238E27FC236}">
-                <a16:creationId xmlns:a16="http://schemas.microsoft.com/office/drawing/2014/main" id="{6821B030-F482-C543-A5EE-160AF211E1DB}"/>
-              </a:ext>
-            </a:extLst>
-          </p:cNvPr>
-          <p:cNvSpPr/>
-          <p:nvPr/>
-        </p:nvSpPr>
-        <p:spPr>
-          <a:xfrm>
-            <a:off x="3036715" y="573631"/>
-            <a:ext cx="526105" cy="246221"/>
-          </a:xfrm>
-          <a:prstGeom prst="rect">
-            <a:avLst/>
-          </a:prstGeom>
-        </p:spPr>
-        <p:txBody>
-          <a:bodyPr wrap="none">
-            <a:spAutoFit/>
-          </a:bodyPr>
-          <a:lstStyle/>
-          <a:p>
-            <a:pPr algn="ctr"/>
-            <a:r>
-              <a:rPr lang="en-US" altLang="zh-Hans" sz="1000" dirty="0"/>
-              <a:t>Gene2</a:t>
-            </a:r>
-            <a:endParaRPr lang="en-US" sz="1000" dirty="0"/>
-          </a:p>
-        </p:txBody>
-      </p:sp>
+            <a:ext cx="1129809" cy="864865"/>
+            <a:chOff x="2433011" y="288258"/>
+            <a:chExt cx="1129809" cy="864865"/>
+          </a:xfrm>
+        </p:grpSpPr>
+        <p:grpSp>
+          <p:nvGrpSpPr>
+            <p:cNvPr id="41" name="Group 40">
+              <a:extLst>
+                <a:ext uri="{FF2B5EF4-FFF2-40B4-BE49-F238E27FC236}">
+                  <a16:creationId xmlns:a16="http://schemas.microsoft.com/office/drawing/2014/main" id="{EBA7A7B1-9493-E747-8A43-0541C4B6A5FD}"/>
+                </a:ext>
+              </a:extLst>
+            </p:cNvPr>
+            <p:cNvGrpSpPr/>
+            <p:nvPr/>
+          </p:nvGrpSpPr>
+          <p:grpSpPr>
+            <a:xfrm>
+              <a:off x="2433011" y="288258"/>
+              <a:ext cx="965638" cy="864865"/>
+              <a:chOff x="2433011" y="288258"/>
+              <a:chExt cx="965638" cy="864865"/>
+            </a:xfrm>
+          </p:grpSpPr>
+          <p:sp>
+            <p:nvSpPr>
+              <p:cNvPr id="11" name="Oval 10">
+                <a:extLst>
+                  <a:ext uri="{FF2B5EF4-FFF2-40B4-BE49-F238E27FC236}">
+                    <a16:creationId xmlns:a16="http://schemas.microsoft.com/office/drawing/2014/main" id="{B48EE3D0-2264-4E49-BF89-C92B2CB7DF97}"/>
+                  </a:ext>
+                </a:extLst>
+              </p:cNvPr>
+              <p:cNvSpPr/>
+              <p:nvPr/>
+            </p:nvSpPr>
+            <p:spPr>
+              <a:xfrm>
+                <a:off x="2760770" y="580248"/>
+                <a:ext cx="119586" cy="117029"/>
+              </a:xfrm>
+              <a:prstGeom prst="ellipse">
+                <a:avLst/>
+              </a:prstGeom>
+            </p:spPr>
+            <p:style>
+              <a:lnRef idx="2">
+                <a:schemeClr val="accent1">
+                  <a:shade val="50000"/>
+                </a:schemeClr>
+              </a:lnRef>
+              <a:fillRef idx="1">
+                <a:schemeClr val="accent1"/>
+              </a:fillRef>
+              <a:effectRef idx="0">
+                <a:schemeClr val="accent1"/>
+              </a:effectRef>
+              <a:fontRef idx="minor">
+                <a:schemeClr val="lt1"/>
+              </a:fontRef>
+            </p:style>
+            <p:txBody>
+              <a:bodyPr rtlCol="0" anchor="ctr"/>
+              <a:lstStyle/>
+              <a:p>
+                <a:pPr algn="ctr"/>
+                <a:endParaRPr lang="en-US"/>
+              </a:p>
+            </p:txBody>
+          </p:sp>
+          <p:sp>
+            <p:nvSpPr>
+              <p:cNvPr id="12" name="Oval 11">
+                <a:extLst>
+                  <a:ext uri="{FF2B5EF4-FFF2-40B4-BE49-F238E27FC236}">
+                    <a16:creationId xmlns:a16="http://schemas.microsoft.com/office/drawing/2014/main" id="{A22444B3-388F-264B-9CF2-99EF46EA0ED9}"/>
+                  </a:ext>
+                </a:extLst>
+              </p:cNvPr>
+              <p:cNvSpPr/>
+              <p:nvPr/>
+            </p:nvSpPr>
+            <p:spPr>
+              <a:xfrm>
+                <a:off x="2987290" y="641432"/>
+                <a:ext cx="119586" cy="117029"/>
+              </a:xfrm>
+              <a:prstGeom prst="ellipse">
+                <a:avLst/>
+              </a:prstGeom>
+              <a:solidFill>
+                <a:srgbClr val="FF0000"/>
+              </a:solidFill>
+            </p:spPr>
+            <p:style>
+              <a:lnRef idx="2">
+                <a:schemeClr val="accent1">
+                  <a:shade val="50000"/>
+                </a:schemeClr>
+              </a:lnRef>
+              <a:fillRef idx="1">
+                <a:schemeClr val="accent1"/>
+              </a:fillRef>
+              <a:effectRef idx="0">
+                <a:schemeClr val="accent1"/>
+              </a:effectRef>
+              <a:fontRef idx="minor">
+                <a:schemeClr val="lt1"/>
+              </a:fontRef>
+            </p:style>
+            <p:txBody>
+              <a:bodyPr rtlCol="0" anchor="ctr"/>
+              <a:lstStyle/>
+              <a:p>
+                <a:pPr algn="ctr"/>
+                <a:endParaRPr lang="en-US"/>
+              </a:p>
+            </p:txBody>
+          </p:sp>
+          <p:sp>
+            <p:nvSpPr>
+              <p:cNvPr id="13" name="Oval 12">
+                <a:extLst>
+                  <a:ext uri="{FF2B5EF4-FFF2-40B4-BE49-F238E27FC236}">
+                    <a16:creationId xmlns:a16="http://schemas.microsoft.com/office/drawing/2014/main" id="{0771F0E0-D893-6A4F-A9A4-4F5009355177}"/>
+                  </a:ext>
+                </a:extLst>
+              </p:cNvPr>
+              <p:cNvSpPr/>
+              <p:nvPr/>
+            </p:nvSpPr>
+            <p:spPr>
+              <a:xfrm>
+                <a:off x="2822263" y="809482"/>
+                <a:ext cx="119586" cy="117029"/>
+              </a:xfrm>
+              <a:prstGeom prst="ellipse">
+                <a:avLst/>
+              </a:prstGeom>
+              <a:solidFill>
+                <a:srgbClr val="FF0000"/>
+              </a:solidFill>
+            </p:spPr>
+            <p:style>
+              <a:lnRef idx="2">
+                <a:schemeClr val="accent1">
+                  <a:shade val="50000"/>
+                </a:schemeClr>
+              </a:lnRef>
+              <a:fillRef idx="1">
+                <a:schemeClr val="accent1"/>
+              </a:fillRef>
+              <a:effectRef idx="0">
+                <a:schemeClr val="accent1"/>
+              </a:effectRef>
+              <a:fontRef idx="minor">
+                <a:schemeClr val="lt1"/>
+              </a:fontRef>
+            </p:style>
+            <p:txBody>
+              <a:bodyPr rtlCol="0" anchor="ctr"/>
+              <a:lstStyle/>
+              <a:p>
+                <a:pPr algn="ctr"/>
+                <a:endParaRPr lang="en-US"/>
+              </a:p>
+            </p:txBody>
+          </p:sp>
+          <p:cxnSp>
+            <p:nvCxnSpPr>
+              <p:cNvPr id="14" name="Straight Connector 13">
+                <a:extLst>
+                  <a:ext uri="{FF2B5EF4-FFF2-40B4-BE49-F238E27FC236}">
+                    <a16:creationId xmlns:a16="http://schemas.microsoft.com/office/drawing/2014/main" id="{4A8C3B8B-8E86-524D-9553-B168A1CE3FB3}"/>
+                  </a:ext>
+                </a:extLst>
+              </p:cNvPr>
+              <p:cNvCxnSpPr>
+                <a:stCxn id="11" idx="4"/>
+                <a:endCxn id="13" idx="0"/>
+              </p:cNvCxnSpPr>
+              <p:nvPr/>
+            </p:nvCxnSpPr>
+            <p:spPr>
+              <a:xfrm>
+                <a:off x="2820563" y="697277"/>
+                <a:ext cx="61492" cy="112205"/>
+              </a:xfrm>
+              <a:prstGeom prst="line">
+                <a:avLst/>
+              </a:prstGeom>
+            </p:spPr>
+            <p:style>
+              <a:lnRef idx="1">
+                <a:schemeClr val="accent1"/>
+              </a:lnRef>
+              <a:fillRef idx="0">
+                <a:schemeClr val="accent1"/>
+              </a:fillRef>
+              <a:effectRef idx="0">
+                <a:schemeClr val="accent1"/>
+              </a:effectRef>
+              <a:fontRef idx="minor">
+                <a:schemeClr val="tx1"/>
+              </a:fontRef>
+            </p:style>
+          </p:cxnSp>
+          <p:cxnSp>
+            <p:nvCxnSpPr>
+              <p:cNvPr id="15" name="Straight Connector 14">
+                <a:extLst>
+                  <a:ext uri="{FF2B5EF4-FFF2-40B4-BE49-F238E27FC236}">
+                    <a16:creationId xmlns:a16="http://schemas.microsoft.com/office/drawing/2014/main" id="{CCDA6A0E-5162-AA41-AF57-8DDD68DDF29D}"/>
+                  </a:ext>
+                </a:extLst>
+              </p:cNvPr>
+              <p:cNvCxnSpPr>
+                <a:cxnSpLocks/>
+                <a:stCxn id="12" idx="3"/>
+                <a:endCxn id="13" idx="7"/>
+              </p:cNvCxnSpPr>
+              <p:nvPr/>
+            </p:nvCxnSpPr>
+            <p:spPr>
+              <a:xfrm flipH="1">
+                <a:off x="2924335" y="741323"/>
+                <a:ext cx="80468" cy="85298"/>
+              </a:xfrm>
+              <a:prstGeom prst="line">
+                <a:avLst/>
+              </a:prstGeom>
+            </p:spPr>
+            <p:style>
+              <a:lnRef idx="1">
+                <a:schemeClr val="accent1"/>
+              </a:lnRef>
+              <a:fillRef idx="0">
+                <a:schemeClr val="accent1"/>
+              </a:fillRef>
+              <a:effectRef idx="0">
+                <a:schemeClr val="accent1"/>
+              </a:effectRef>
+              <a:fontRef idx="minor">
+                <a:schemeClr val="tx1"/>
+              </a:fontRef>
+            </p:style>
+          </p:cxnSp>
+          <p:sp>
+            <p:nvSpPr>
+              <p:cNvPr id="16" name="Oval 15">
+                <a:extLst>
+                  <a:ext uri="{FF2B5EF4-FFF2-40B4-BE49-F238E27FC236}">
+                    <a16:creationId xmlns:a16="http://schemas.microsoft.com/office/drawing/2014/main" id="{EF649D06-A35B-CB4E-98CC-4204918EC2CA}"/>
+                  </a:ext>
+                </a:extLst>
+              </p:cNvPr>
+              <p:cNvSpPr/>
+              <p:nvPr/>
+            </p:nvSpPr>
+            <p:spPr>
+              <a:xfrm>
+                <a:off x="2536852" y="725457"/>
+                <a:ext cx="119586" cy="117029"/>
+              </a:xfrm>
+              <a:prstGeom prst="ellipse">
+                <a:avLst/>
+              </a:prstGeom>
+            </p:spPr>
+            <p:style>
+              <a:lnRef idx="2">
+                <a:schemeClr val="accent1">
+                  <a:shade val="50000"/>
+                </a:schemeClr>
+              </a:lnRef>
+              <a:fillRef idx="1">
+                <a:schemeClr val="accent1"/>
+              </a:fillRef>
+              <a:effectRef idx="0">
+                <a:schemeClr val="accent1"/>
+              </a:effectRef>
+              <a:fontRef idx="minor">
+                <a:schemeClr val="lt1"/>
+              </a:fontRef>
+            </p:style>
+            <p:txBody>
+              <a:bodyPr rtlCol="0" anchor="ctr"/>
+              <a:lstStyle/>
+              <a:p>
+                <a:pPr algn="ctr"/>
+                <a:endParaRPr lang="en-US"/>
+              </a:p>
+            </p:txBody>
+          </p:sp>
+          <p:sp>
+            <p:nvSpPr>
+              <p:cNvPr id="17" name="Oval 16">
+                <a:extLst>
+                  <a:ext uri="{FF2B5EF4-FFF2-40B4-BE49-F238E27FC236}">
+                    <a16:creationId xmlns:a16="http://schemas.microsoft.com/office/drawing/2014/main" id="{27AC6819-ED54-2E4E-81A9-0ECBF8D0580C}"/>
+                  </a:ext>
+                </a:extLst>
+              </p:cNvPr>
+              <p:cNvSpPr/>
+              <p:nvPr/>
+            </p:nvSpPr>
+            <p:spPr>
+              <a:xfrm>
+                <a:off x="2804750" y="1036094"/>
+                <a:ext cx="119586" cy="117029"/>
+              </a:xfrm>
+              <a:prstGeom prst="ellipse">
+                <a:avLst/>
+              </a:prstGeom>
+            </p:spPr>
+            <p:style>
+              <a:lnRef idx="2">
+                <a:schemeClr val="accent1">
+                  <a:shade val="50000"/>
+                </a:schemeClr>
+              </a:lnRef>
+              <a:fillRef idx="1">
+                <a:schemeClr val="accent1"/>
+              </a:fillRef>
+              <a:effectRef idx="0">
+                <a:schemeClr val="accent1"/>
+              </a:effectRef>
+              <a:fontRef idx="minor">
+                <a:schemeClr val="lt1"/>
+              </a:fontRef>
+            </p:style>
+            <p:txBody>
+              <a:bodyPr rtlCol="0" anchor="ctr"/>
+              <a:lstStyle/>
+              <a:p>
+                <a:pPr algn="ctr"/>
+                <a:endParaRPr lang="en-US"/>
+              </a:p>
+            </p:txBody>
+          </p:sp>
+          <p:cxnSp>
+            <p:nvCxnSpPr>
+              <p:cNvPr id="18" name="Straight Connector 17">
+                <a:extLst>
+                  <a:ext uri="{FF2B5EF4-FFF2-40B4-BE49-F238E27FC236}">
+                    <a16:creationId xmlns:a16="http://schemas.microsoft.com/office/drawing/2014/main" id="{77EB0807-C827-6543-B369-4E80BD530F45}"/>
+                  </a:ext>
+                </a:extLst>
+              </p:cNvPr>
+              <p:cNvCxnSpPr>
+                <a:stCxn id="17" idx="0"/>
+                <a:endCxn id="13" idx="4"/>
+              </p:cNvCxnSpPr>
+              <p:nvPr/>
+            </p:nvCxnSpPr>
+            <p:spPr>
+              <a:xfrm flipV="1">
+                <a:off x="2864543" y="926512"/>
+                <a:ext cx="17513" cy="109582"/>
+              </a:xfrm>
+              <a:prstGeom prst="line">
+                <a:avLst/>
+              </a:prstGeom>
+            </p:spPr>
+            <p:style>
+              <a:lnRef idx="1">
+                <a:schemeClr val="accent1"/>
+              </a:lnRef>
+              <a:fillRef idx="0">
+                <a:schemeClr val="accent1"/>
+              </a:fillRef>
+              <a:effectRef idx="0">
+                <a:schemeClr val="accent1"/>
+              </a:effectRef>
+              <a:fontRef idx="minor">
+                <a:schemeClr val="tx1"/>
+              </a:fontRef>
+            </p:style>
+          </p:cxnSp>
+          <p:cxnSp>
+            <p:nvCxnSpPr>
+              <p:cNvPr id="19" name="Straight Connector 18">
+                <a:extLst>
+                  <a:ext uri="{FF2B5EF4-FFF2-40B4-BE49-F238E27FC236}">
+                    <a16:creationId xmlns:a16="http://schemas.microsoft.com/office/drawing/2014/main" id="{3AF684B9-63FA-484C-872A-F7EE20FA2467}"/>
+                  </a:ext>
+                </a:extLst>
+              </p:cNvPr>
+              <p:cNvCxnSpPr>
+                <a:stCxn id="16" idx="7"/>
+                <a:endCxn id="11" idx="3"/>
+              </p:cNvCxnSpPr>
+              <p:nvPr/>
+            </p:nvCxnSpPr>
+            <p:spPr>
+              <a:xfrm flipV="1">
+                <a:off x="2638925" y="680139"/>
+                <a:ext cx="139359" cy="62456"/>
+              </a:xfrm>
+              <a:prstGeom prst="line">
+                <a:avLst/>
+              </a:prstGeom>
+            </p:spPr>
+            <p:style>
+              <a:lnRef idx="1">
+                <a:schemeClr val="accent1"/>
+              </a:lnRef>
+              <a:fillRef idx="0">
+                <a:schemeClr val="accent1"/>
+              </a:fillRef>
+              <a:effectRef idx="0">
+                <a:schemeClr val="accent1"/>
+              </a:effectRef>
+              <a:fontRef idx="minor">
+                <a:schemeClr val="tx1"/>
+              </a:fontRef>
+            </p:style>
+          </p:cxnSp>
+          <p:sp>
+            <p:nvSpPr>
+              <p:cNvPr id="20" name="TextBox 19">
+                <a:extLst>
+                  <a:ext uri="{FF2B5EF4-FFF2-40B4-BE49-F238E27FC236}">
+                    <a16:creationId xmlns:a16="http://schemas.microsoft.com/office/drawing/2014/main" id="{7C4249FA-2A39-A448-9BAD-71BA0C5B68E2}"/>
+                  </a:ext>
+                </a:extLst>
+              </p:cNvPr>
+              <p:cNvSpPr txBox="1"/>
+              <p:nvPr/>
+            </p:nvSpPr>
+            <p:spPr>
+              <a:xfrm>
+                <a:off x="2433011" y="288258"/>
+                <a:ext cx="954107" cy="246221"/>
+              </a:xfrm>
+              <a:prstGeom prst="rect">
+                <a:avLst/>
+              </a:prstGeom>
+              <a:noFill/>
+            </p:spPr>
+            <p:txBody>
+              <a:bodyPr wrap="none" rtlCol="0">
+                <a:spAutoFit/>
+              </a:bodyPr>
+              <a:lstStyle/>
+              <a:p>
+                <a:r>
+                  <a:rPr lang="en-US" altLang="zh-Hans" sz="1000" b="1" dirty="0"/>
+                  <a:t>Gene</a:t>
+                </a:r>
+                <a:r>
+                  <a:rPr lang="zh-Hans" altLang="en-US" sz="1000" b="1" dirty="0"/>
+                  <a:t> </a:t>
+                </a:r>
+                <a:r>
+                  <a:rPr lang="en-US" altLang="zh-Hans" sz="1000" b="1" dirty="0"/>
+                  <a:t>Network</a:t>
+                </a:r>
+                <a:endParaRPr lang="en-US" sz="1000" b="1" dirty="0"/>
+              </a:p>
+            </p:txBody>
+          </p:sp>
+          <p:sp>
+            <p:nvSpPr>
+              <p:cNvPr id="21" name="Rectangle 20">
+                <a:extLst>
+                  <a:ext uri="{FF2B5EF4-FFF2-40B4-BE49-F238E27FC236}">
+                    <a16:creationId xmlns:a16="http://schemas.microsoft.com/office/drawing/2014/main" id="{2E39ACB1-A99E-2348-B9F2-DF10180A5588}"/>
+                  </a:ext>
+                </a:extLst>
+              </p:cNvPr>
+              <p:cNvSpPr/>
+              <p:nvPr/>
+            </p:nvSpPr>
+            <p:spPr>
+              <a:xfrm>
+                <a:off x="2854910" y="832165"/>
+                <a:ext cx="543739" cy="253916"/>
+              </a:xfrm>
+              <a:prstGeom prst="rect">
+                <a:avLst/>
+              </a:prstGeom>
+            </p:spPr>
+            <p:txBody>
+              <a:bodyPr wrap="none">
+                <a:spAutoFit/>
+              </a:bodyPr>
+              <a:lstStyle/>
+              <a:p>
+                <a:pPr algn="ctr"/>
+                <a:r>
+                  <a:rPr lang="en-US" altLang="zh-Hans" sz="1000" b="1" dirty="0"/>
+                  <a:t>Gene1</a:t>
+                </a:r>
+                <a:endParaRPr lang="en-US" sz="1000" b="1" dirty="0"/>
+              </a:p>
+            </p:txBody>
+          </p:sp>
+        </p:grpSp>
+        <p:sp>
+          <p:nvSpPr>
+            <p:cNvPr id="22" name="Rectangle 21">
+              <a:extLst>
+                <a:ext uri="{FF2B5EF4-FFF2-40B4-BE49-F238E27FC236}">
+                  <a16:creationId xmlns:a16="http://schemas.microsoft.com/office/drawing/2014/main" id="{6821B030-F482-C543-A5EE-160AF211E1DB}"/>
+                </a:ext>
+              </a:extLst>
+            </p:cNvPr>
+            <p:cNvSpPr/>
+            <p:nvPr/>
+          </p:nvSpPr>
+          <p:spPr>
+            <a:xfrm>
+              <a:off x="3036715" y="573631"/>
+              <a:ext cx="526105" cy="246221"/>
+            </a:xfrm>
+            <a:prstGeom prst="rect">
+              <a:avLst/>
+            </a:prstGeom>
+          </p:spPr>
+          <p:txBody>
+            <a:bodyPr wrap="none">
+              <a:spAutoFit/>
+            </a:bodyPr>
+            <a:lstStyle/>
+            <a:p>
+              <a:pPr algn="ctr"/>
+              <a:r>
+                <a:rPr lang="en-US" altLang="zh-Hans" sz="1000" b="1" dirty="0"/>
+                <a:t>Gene2</a:t>
+              </a:r>
+              <a:endParaRPr lang="en-US" sz="1000" b="1" dirty="0"/>
+            </a:p>
+          </p:txBody>
+        </p:sp>
+      </p:grpSp>
       <p:pic>
         <p:nvPicPr>
           <p:cNvPr id="23" name="Picture 22">
@@ -9979,7 +10030,7 @@
         <p:spPr>
           <a:xfrm>
             <a:off x="5675348" y="1618645"/>
-            <a:ext cx="1468672" cy="246221"/>
+            <a:ext cx="1499128" cy="246221"/>
           </a:xfrm>
           <a:prstGeom prst="rect">
             <a:avLst/>
@@ -9992,10 +10043,10 @@
           <a:lstStyle/>
           <a:p>
             <a:r>
-              <a:rPr lang="en-US" altLang="zh-Hans" sz="1000" dirty="0"/>
+              <a:rPr lang="en-US" altLang="zh-Hans" sz="1000" b="1" dirty="0"/>
               <a:t>Gene1’s expression level</a:t>
             </a:r>
-            <a:endParaRPr lang="en-US" sz="1000" dirty="0"/>
+            <a:endParaRPr lang="en-US" sz="1000" b="1" dirty="0"/>
           </a:p>
         </p:txBody>
       </p:sp>
@@ -10013,8 +10064,8 @@
         </p:nvSpPr>
         <p:spPr>
           <a:xfrm rot="16200000">
-            <a:off x="4792989" y="878803"/>
-            <a:ext cx="1468672" cy="246221"/>
+            <a:off x="4777761" y="878803"/>
+            <a:ext cx="1499128" cy="246221"/>
           </a:xfrm>
           <a:prstGeom prst="rect">
             <a:avLst/>
@@ -10027,10 +10078,10 @@
           <a:lstStyle/>
           <a:p>
             <a:r>
-              <a:rPr lang="en-US" altLang="zh-Hans" sz="1000" dirty="0"/>
+              <a:rPr lang="en-US" altLang="zh-Hans" sz="1000" b="1" dirty="0"/>
               <a:t>Gene2’s expression level</a:t>
             </a:r>
-            <a:endParaRPr lang="en-US" sz="1000" dirty="0"/>
+            <a:endParaRPr lang="en-US" sz="1000" b="1" dirty="0"/>
           </a:p>
         </p:txBody>
       </p:sp>
@@ -10127,7 +10178,7 @@
           <a:lstStyle/>
           <a:p>
             <a:r>
-              <a:rPr lang="en-US" sz="1000" dirty="0"/>
+              <a:rPr lang="en-US" sz="1000" b="1" dirty="0"/>
               <a:t>Z-value</a:t>
             </a:r>
           </a:p>
@@ -10161,10 +10212,10 @@
           <a:lstStyle/>
           <a:p>
             <a:r>
-              <a:rPr lang="en-US" altLang="zh-Hans" sz="1000" dirty="0"/>
+              <a:rPr lang="en-US" altLang="zh-Hans" sz="1000" b="1" dirty="0"/>
               <a:t>+2</a:t>
             </a:r>
-            <a:endParaRPr lang="en-US" sz="1000" dirty="0"/>
+            <a:endParaRPr lang="en-US" sz="1000" b="1" dirty="0"/>
           </a:p>
         </p:txBody>
       </p:sp>
@@ -10196,10 +10247,10 @@
           <a:lstStyle/>
           <a:p>
             <a:r>
-              <a:rPr lang="en-US" altLang="zh-Hans" sz="1000" dirty="0"/>
+              <a:rPr lang="en-US" altLang="zh-Hans" sz="1000" b="1" dirty="0"/>
               <a:t>-2</a:t>
             </a:r>
-            <a:endParaRPr lang="en-US" sz="1000" dirty="0"/>
+            <a:endParaRPr lang="en-US" sz="1000" b="1" dirty="0"/>
           </a:p>
         </p:txBody>
       </p:sp>
@@ -10469,8 +10520,8 @@
         </p:nvSpPr>
         <p:spPr>
           <a:xfrm>
-            <a:off x="655679" y="1947840"/>
-            <a:ext cx="1197845" cy="246221"/>
+            <a:off x="678033" y="1964671"/>
+            <a:ext cx="1309567" cy="246221"/>
           </a:xfrm>
           <a:prstGeom prst="rect">
             <a:avLst/>
@@ -10484,7 +10535,7 @@
           <a:p>
             <a:pPr algn="ctr"/>
             <a:r>
-              <a:rPr lang="en-US" altLang="zh-Hans" sz="1000" dirty="0"/>
+              <a:rPr lang="en-US" altLang="zh-Hans" sz="1000" b="1" dirty="0"/>
               <a:t>Z-value Distribution</a:t>
             </a:r>
           </a:p>
@@ -10505,7 +10556,7 @@
         <p:spPr>
           <a:xfrm>
             <a:off x="3486607" y="1987976"/>
-            <a:ext cx="797013" cy="400110"/>
+            <a:ext cx="811441" cy="400110"/>
           </a:xfrm>
           <a:prstGeom prst="rect">
             <a:avLst/>
@@ -10519,9 +10570,11 @@
           <a:lstStyle/>
           <a:p>
             <a:r>
-              <a:rPr lang="en-US" sz="1000" dirty="0">
+              <a:rPr lang="en-US" sz="1000" b="1" dirty="0">
                 <a:solidFill>
-                  <a:schemeClr val="accent6"/>
+                  <a:schemeClr val="accent6">
+                    <a:lumMod val="75000"/>
+                  </a:schemeClr>
                 </a:solidFill>
               </a:rPr>
               <a:t>Main-group</a:t>
@@ -10530,9 +10583,11 @@
           <a:p>
             <a:pPr algn="ctr"/>
             <a:r>
-              <a:rPr lang="en-US" sz="1000" dirty="0">
+              <a:rPr lang="en-US" sz="1000" b="1" dirty="0">
                 <a:solidFill>
-                  <a:schemeClr val="accent6"/>
+                  <a:schemeClr val="accent6">
+                    <a:lumMod val="75000"/>
+                  </a:schemeClr>
                 </a:solidFill>
               </a:rPr>
               <a:t>(64%)</a:t>
@@ -10554,8 +10609,8 @@
         </p:nvSpPr>
         <p:spPr>
           <a:xfrm>
-            <a:off x="4510738" y="2358467"/>
-            <a:ext cx="788998" cy="553998"/>
+            <a:off x="4505128" y="2358467"/>
+            <a:ext cx="800220" cy="553998"/>
           </a:xfrm>
           <a:prstGeom prst="rect">
             <a:avLst/>
@@ -10570,7 +10625,7 @@
           <a:p>
             <a:pPr algn="ctr"/>
             <a:r>
-              <a:rPr lang="en-US" sz="1000" dirty="0">
+              <a:rPr lang="en-US" sz="1000" b="1" dirty="0">
                 <a:solidFill>
                   <a:srgbClr val="0070C0"/>
                 </a:solidFill>
@@ -10581,23 +10636,23 @@
           <a:p>
             <a:pPr algn="ctr"/>
             <a:r>
-              <a:rPr lang="en-US" sz="1000" dirty="0">
+              <a:rPr lang="en-US" sz="1000" b="1" dirty="0">
                 <a:solidFill>
                   <a:srgbClr val="0070C0"/>
                 </a:solidFill>
               </a:rPr>
-              <a:t>sub-group</a:t>
+              <a:t>sub-group </a:t>
             </a:r>
           </a:p>
           <a:p>
             <a:pPr algn="ctr"/>
             <a:r>
-              <a:rPr lang="en-US" sz="1000" dirty="0">
+              <a:rPr lang="en-US" sz="1000" b="1" dirty="0">
                 <a:solidFill>
                   <a:srgbClr val="0070C0"/>
                 </a:solidFill>
               </a:rPr>
-              <a:t>(24%)</a:t>
+              <a:t>(LSG) (24%)</a:t>
             </a:r>
           </a:p>
         </p:txBody>
@@ -10619,8 +10674,8 @@
         </p:nvCxnSpPr>
         <p:spPr>
           <a:xfrm>
-            <a:off x="3885114" y="2388086"/>
-            <a:ext cx="55081" cy="323166"/>
+            <a:off x="3892328" y="2388086"/>
+            <a:ext cx="47867" cy="323166"/>
           </a:xfrm>
           <a:prstGeom prst="straightConnector1">
             <a:avLst/>
@@ -10664,8 +10719,8 @@
         </p:nvCxnSpPr>
         <p:spPr>
           <a:xfrm flipH="1">
-            <a:off x="4366260" y="2635466"/>
-            <a:ext cx="144478" cy="75786"/>
+            <a:off x="4366264" y="2635466"/>
+            <a:ext cx="138864" cy="75786"/>
           </a:xfrm>
           <a:prstGeom prst="straightConnector1">
             <a:avLst/>
@@ -11023,14 +11078,14 @@
           <a:p>
             <a:pPr algn="ctr"/>
             <a:r>
-              <a:rPr lang="en-US" altLang="zh-Hans" sz="1000" dirty="0">
+              <a:rPr lang="en-US" altLang="zh-Hans" sz="1000" b="1" dirty="0">
                 <a:solidFill>
                   <a:srgbClr val="FF0000"/>
                 </a:solidFill>
               </a:rPr>
               <a:t>Gene</a:t>
             </a:r>
-            <a:endParaRPr lang="en-US" sz="1000" dirty="0">
+            <a:endParaRPr lang="en-US" sz="1000" b="1" dirty="0">
               <a:solidFill>
                 <a:srgbClr val="FF0000"/>
               </a:solidFill>
@@ -11067,10 +11122,10 @@
           <a:p>
             <a:pPr algn="ctr"/>
             <a:r>
-              <a:rPr lang="en-US" altLang="zh-Hans" sz="1000" dirty="0"/>
+              <a:rPr lang="en-US" altLang="zh-Hans" sz="1000" b="1" dirty="0"/>
               <a:t>Score1</a:t>
             </a:r>
-            <a:endParaRPr lang="en-US" sz="1000" dirty="0"/>
+            <a:endParaRPr lang="en-US" sz="1000" b="1" dirty="0"/>
           </a:p>
         </p:txBody>
       </p:sp>
@@ -11088,7 +11143,7 @@
         </p:nvSpPr>
         <p:spPr>
           <a:xfrm>
-            <a:off x="582146" y="4500201"/>
+            <a:off x="561970" y="4480719"/>
             <a:ext cx="606875" cy="246221"/>
           </a:xfrm>
           <a:prstGeom prst="rect">
@@ -11103,10 +11158,10 @@
           <a:p>
             <a:pPr algn="ctr"/>
             <a:r>
-              <a:rPr lang="en-US" altLang="zh-Hans" sz="1000" dirty="0"/>
+              <a:rPr lang="en-US" altLang="zh-Hans" sz="1000" b="1" dirty="0"/>
               <a:t>Score2</a:t>
             </a:r>
-            <a:endParaRPr lang="en-US" sz="1000" dirty="0"/>
+            <a:endParaRPr lang="en-US" sz="1000" b="1" dirty="0"/>
           </a:p>
         </p:txBody>
       </p:sp>
@@ -11139,10 +11194,10 @@
           <a:p>
             <a:pPr algn="ctr"/>
             <a:r>
-              <a:rPr lang="en-US" altLang="zh-Hans" sz="1000" dirty="0"/>
+              <a:rPr lang="en-US" altLang="zh-Hans" sz="1000" b="1" dirty="0"/>
               <a:t>Score3</a:t>
             </a:r>
-            <a:endParaRPr lang="en-US" sz="1000" dirty="0"/>
+            <a:endParaRPr lang="en-US" sz="1000" b="1" dirty="0"/>
           </a:p>
         </p:txBody>
       </p:sp>
@@ -11175,18 +11230,18 @@
           <a:lstStyle/>
           <a:p>
             <a:r>
-              <a:rPr lang="en-US" altLang="zh-Hans" sz="1000" dirty="0"/>
+              <a:rPr lang="en-US" altLang="zh-Hans" sz="1000" b="1" dirty="0"/>
               <a:t>Gene</a:t>
             </a:r>
             <a:r>
-              <a:rPr lang="zh-Hans" altLang="en-US" sz="1000" dirty="0"/>
+              <a:rPr lang="zh-Hans" altLang="en-US" sz="1000" b="1" dirty="0"/>
               <a:t> </a:t>
             </a:r>
             <a:r>
-              <a:rPr lang="en-US" altLang="zh-Hans" sz="1000" dirty="0"/>
+              <a:rPr lang="en-US" altLang="zh-Hans" sz="1000" b="1" dirty="0"/>
               <a:t>Network</a:t>
             </a:r>
-            <a:endParaRPr lang="en-US" sz="1000" dirty="0"/>
+            <a:endParaRPr lang="en-US" sz="1000" b="1" dirty="0"/>
           </a:p>
         </p:txBody>
       </p:sp>
@@ -11400,10 +11455,10 @@
           <a:p>
             <a:pPr algn="ctr"/>
             <a:r>
-              <a:rPr lang="en-US" altLang="zh-Hans" sz="1000" dirty="0"/>
+              <a:rPr lang="en-US" altLang="zh-Hans" sz="1000" b="1" dirty="0"/>
               <a:t>Score1</a:t>
             </a:r>
-            <a:endParaRPr lang="en-US" sz="1000" dirty="0"/>
+            <a:endParaRPr lang="en-US" sz="1000" b="1" dirty="0"/>
           </a:p>
         </p:txBody>
       </p:sp>
@@ -11436,10 +11491,10 @@
           <a:p>
             <a:pPr algn="ctr"/>
             <a:r>
-              <a:rPr lang="en-US" altLang="zh-Hans" sz="1000" dirty="0"/>
+              <a:rPr lang="en-US" altLang="zh-Hans" sz="1000" b="1" dirty="0"/>
               <a:t>Score2</a:t>
             </a:r>
-            <a:endParaRPr lang="en-US" sz="1000" dirty="0"/>
+            <a:endParaRPr lang="en-US" sz="1000" b="1" dirty="0"/>
           </a:p>
         </p:txBody>
       </p:sp>
@@ -11472,10 +11527,10 @@
           <a:p>
             <a:pPr algn="ctr"/>
             <a:r>
-              <a:rPr lang="en-US" altLang="zh-Hans" sz="1000" dirty="0"/>
+              <a:rPr lang="en-US" altLang="zh-Hans" sz="1000" b="1" dirty="0"/>
               <a:t>Score3</a:t>
             </a:r>
-            <a:endParaRPr lang="en-US" sz="1000" dirty="0"/>
+            <a:endParaRPr lang="en-US" sz="1000" b="1" dirty="0"/>
           </a:p>
         </p:txBody>
       </p:sp>
@@ -11568,10 +11623,10 @@
           <a:p>
             <a:pPr algn="ctr"/>
             <a:r>
-              <a:rPr lang="en-US" altLang="zh-Hans" sz="1000" dirty="0"/>
+              <a:rPr lang="en-US" altLang="zh-Hans" sz="1000" b="1" dirty="0"/>
               <a:t>Gene</a:t>
             </a:r>
-            <a:endParaRPr lang="en-US" sz="1000" dirty="0"/>
+            <a:endParaRPr lang="en-US" sz="1000" b="1" dirty="0"/>
           </a:p>
         </p:txBody>
       </p:sp>
@@ -11764,8 +11819,8 @@
           </a:p>
         </p:txBody>
       </p:sp>
-      <mc:AlternateContent xmlns:mc="http://schemas.openxmlformats.org/markup-compatibility/2006" xmlns:a14="http://schemas.microsoft.com/office/drawing/2010/main">
-        <mc:Choice Requires="a14">
+      <mc:AlternateContent xmlns:mc="http://schemas.openxmlformats.org/markup-compatibility/2006">
+        <mc:Choice xmlns:a14="http://schemas.microsoft.com/office/drawing/2010/main" Requires="a14">
           <p:sp>
             <p:nvSpPr>
               <p:cNvPr id="87" name="TextBox 86">
@@ -11780,8 +11835,8 @@
             </p:nvSpPr>
             <p:spPr>
               <a:xfrm>
-                <a:off x="6226473" y="2465142"/>
-                <a:ext cx="757002" cy="153888"/>
+                <a:off x="6134333" y="2186659"/>
+                <a:ext cx="1589346" cy="292324"/>
               </a:xfrm>
               <a:prstGeom prst="rect">
                 <a:avLst/>
@@ -11802,32 +11857,123 @@
                     </m:oMathParaPr>
                     <m:oMath xmlns:m="http://schemas.openxmlformats.org/officeDocument/2006/math">
                       <m:r>
-                        <a:rPr lang="en-US" sz="1000" b="0" i="1" smtClean="0">
+                        <a:rPr lang="en-US" altLang="zh-Hans" sz="1000" b="1" i="1" smtClean="0">
                           <a:latin typeface="Cambria Math" panose="02040503050406030204" pitchFamily="18" charset="0"/>
                         </a:rPr>
-                        <m:t>𝑆𝑐𝑜𝑟𝑒</m:t>
+                        <m:t>𝑬𝒅𝒈𝒆</m:t>
                       </m:r>
                       <m:r>
-                        <a:rPr lang="en-US" sz="1000" i="1" smtClean="0">
+                        <a:rPr lang="zh-Hans" altLang="en-US" sz="1000" b="1" i="1" smtClean="0">
+                          <a:latin typeface="Cambria Math" panose="02040503050406030204" pitchFamily="18" charset="0"/>
+                        </a:rPr>
+                        <m:t> </m:t>
+                      </m:r>
+                      <m:r>
+                        <a:rPr lang="en-US" sz="1000" b="1" i="1" smtClean="0">
+                          <a:latin typeface="Cambria Math" panose="02040503050406030204" pitchFamily="18" charset="0"/>
+                        </a:rPr>
+                        <m:t>𝑺𝒄𝒐𝒓𝒆</m:t>
+                      </m:r>
+                      <m:r>
+                        <a:rPr lang="en-US" sz="1000" b="1" i="1" smtClean="0">
                           <a:latin typeface="Cambria Math" panose="02040503050406030204" pitchFamily="18" charset="0"/>
                         </a:rPr>
                         <m:t>=</m:t>
                       </m:r>
                       <m:r>
-                        <a:rPr lang="en-US" sz="1000" b="0" i="1" smtClean="0">
+                        <a:rPr lang="zh-Hans" altLang="en-US" sz="1000" b="1" i="1" smtClean="0">
                           <a:latin typeface="Cambria Math" panose="02040503050406030204" pitchFamily="18" charset="0"/>
                         </a:rPr>
-                        <m:t>0.03</m:t>
+                        <m:t> </m:t>
                       </m:r>
+                      <m:f>
+                        <m:fPr>
+                          <m:ctrlPr>
+                            <a:rPr lang="en-US" altLang="zh-Hans" sz="1000" b="1" i="1" smtClean="0">
+                              <a:latin typeface="Cambria Math" panose="02040503050406030204" pitchFamily="18" charset="0"/>
+                            </a:rPr>
+                          </m:ctrlPr>
+                        </m:fPr>
+                        <m:num>
+                          <m:r>
+                            <a:rPr lang="en-US" altLang="zh-Hans" sz="1000" b="1" i="1" smtClean="0">
+                              <a:latin typeface="Cambria Math" panose="02040503050406030204" pitchFamily="18" charset="0"/>
+                            </a:rPr>
+                            <m:t>#</m:t>
+                          </m:r>
+                          <m:r>
+                            <a:rPr lang="zh-Hans" altLang="en-US" sz="1000" b="1" i="1" smtClean="0">
+                              <a:latin typeface="Cambria Math" panose="02040503050406030204" pitchFamily="18" charset="0"/>
+                            </a:rPr>
+                            <m:t> </m:t>
+                          </m:r>
+                          <m:r>
+                            <a:rPr lang="en-US" altLang="zh-Hans" sz="1000" b="1" i="1" smtClean="0">
+                              <a:latin typeface="Cambria Math" panose="02040503050406030204" pitchFamily="18" charset="0"/>
+                            </a:rPr>
+                            <m:t>𝑳𝑺𝑮</m:t>
+                          </m:r>
+                          <m:r>
+                            <a:rPr lang="zh-Hans" altLang="en-US" sz="1000" b="1" i="1" smtClean="0">
+                              <a:latin typeface="Cambria Math" panose="02040503050406030204" pitchFamily="18" charset="0"/>
+                            </a:rPr>
+                            <m:t> </m:t>
+                          </m:r>
+                          <m:r>
+                            <a:rPr lang="en-US" altLang="zh-Hans" sz="1000" b="1" i="1">
+                              <a:latin typeface="Cambria Math" panose="02040503050406030204" pitchFamily="18" charset="0"/>
+                            </a:rPr>
+                            <m:t>𝒄𝒆𝒍𝒍</m:t>
+                          </m:r>
+                          <m:r>
+                            <a:rPr lang="en-US" altLang="zh-Hans" sz="1000" b="1" i="1" smtClean="0">
+                              <a:latin typeface="Cambria Math" panose="02040503050406030204" pitchFamily="18" charset="0"/>
+                            </a:rPr>
+                            <m:t>𝒔</m:t>
+                          </m:r>
+                        </m:num>
+                        <m:den>
+                          <m:r>
+                            <a:rPr lang="en-US" altLang="zh-Hans" sz="1000" b="1" i="1" smtClean="0">
+                              <a:latin typeface="Cambria Math" panose="02040503050406030204" pitchFamily="18" charset="0"/>
+                            </a:rPr>
+                            <m:t>#</m:t>
+                          </m:r>
+                          <m:r>
+                            <a:rPr lang="zh-Hans" altLang="en-US" sz="1000" b="1" i="1" smtClean="0">
+                              <a:latin typeface="Cambria Math" panose="02040503050406030204" pitchFamily="18" charset="0"/>
+                            </a:rPr>
+                            <m:t> </m:t>
+                          </m:r>
+                          <m:r>
+                            <a:rPr lang="en-US" altLang="zh-Hans" sz="1000" b="1" i="1" smtClean="0">
+                              <a:latin typeface="Cambria Math" panose="02040503050406030204" pitchFamily="18" charset="0"/>
+                            </a:rPr>
+                            <m:t>𝑨𝒍𝒍</m:t>
+                          </m:r>
+                          <m:r>
+                            <a:rPr lang="zh-Hans" altLang="en-US" sz="1000" b="1" i="1" smtClean="0">
+                              <a:latin typeface="Cambria Math" panose="02040503050406030204" pitchFamily="18" charset="0"/>
+                            </a:rPr>
+                            <m:t> </m:t>
+                          </m:r>
+                          <m:r>
+                            <a:rPr lang="en-US" altLang="zh-Hans" sz="1000" b="1" i="1" smtClean="0">
+                              <a:latin typeface="Cambria Math" panose="02040503050406030204" pitchFamily="18" charset="0"/>
+                            </a:rPr>
+                            <m:t>𝒄𝒆𝒍𝒍𝒔</m:t>
+                          </m:r>
+                        </m:den>
+                      </m:f>
                     </m:oMath>
                   </m:oMathPara>
                 </a14:m>
-                <a:endParaRPr lang="en-US" sz="1000" dirty="0"/>
+                <a:endParaRPr lang="en-US" sz="1000" b="1" dirty="0"/>
               </a:p>
             </p:txBody>
           </p:sp>
         </mc:Choice>
-        <mc:Fallback xmlns="">
+        <mc:Fallback>
           <p:sp>
             <p:nvSpPr>
               <p:cNvPr id="87" name="TextBox 86">
@@ -11844,8 +11990,8 @@
             </p:nvSpPr>
             <p:spPr>
               <a:xfrm>
-                <a:off x="6226473" y="2465142"/>
-                <a:ext cx="757002" cy="153888"/>
+                <a:off x="6134333" y="2186659"/>
+                <a:ext cx="1589346" cy="292324"/>
               </a:xfrm>
               <a:prstGeom prst="rect">
                 <a:avLst/>
@@ -11853,7 +11999,7 @@
               <a:blipFill>
                 <a:blip r:embed="rId9"/>
                 <a:stretch>
-                  <a:fillRect l="-3279" r="-3279"/>
+                  <a:fillRect l="-1587" t="-8333" r="-794" b="-29167"/>
                 </a:stretch>
               </a:blipFill>
             </p:spPr>
@@ -11887,7 +12033,7 @@
         <p:spPr>
           <a:xfrm>
             <a:off x="2336934" y="3842666"/>
-            <a:ext cx="1072730" cy="246221"/>
+            <a:ext cx="1091966" cy="246221"/>
           </a:xfrm>
           <a:prstGeom prst="rect">
             <a:avLst/>
@@ -11901,7 +12047,7 @@
           <a:lstStyle/>
           <a:p>
             <a:r>
-              <a:rPr lang="en-US" sz="1000" dirty="0"/>
+              <a:rPr lang="en-US" sz="1000" b="1" dirty="0"/>
               <a:t>One-side K-S test</a:t>
             </a:r>
           </a:p>
@@ -11975,7 +12121,7 @@
         </p:nvSpPr>
         <p:spPr>
           <a:xfrm>
-            <a:off x="5310832" y="2531985"/>
+            <a:off x="5308178" y="2431697"/>
             <a:ext cx="148622" cy="162003"/>
           </a:xfrm>
           <a:prstGeom prst="rightArrow">
@@ -12029,8 +12175,8 @@
         </p:nvSpPr>
         <p:spPr>
           <a:xfrm>
-            <a:off x="5264935" y="1915409"/>
-            <a:ext cx="1319592" cy="400110"/>
+            <a:off x="5200719" y="1929001"/>
+            <a:ext cx="1196161" cy="246221"/>
           </a:xfrm>
           <a:prstGeom prst="rect">
             <a:avLst/>
@@ -12045,23 +12191,12 @@
           <a:p>
             <a:pPr algn="ctr"/>
             <a:r>
-              <a:rPr lang="en-US" sz="1000" dirty="0">
+              <a:rPr lang="en-US" sz="1000" b="1" dirty="0">
                 <a:solidFill>
                   <a:srgbClr val="0070C0"/>
                 </a:solidFill>
               </a:rPr>
-              <a:t>The largest sub-group</a:t>
-            </a:r>
-          </a:p>
-          <a:p>
-            <a:pPr algn="ctr"/>
-            <a:r>
-              <a:rPr lang="en-US" sz="1000" dirty="0">
-                <a:solidFill>
-                  <a:srgbClr val="0070C0"/>
-                </a:solidFill>
-              </a:rPr>
-              <a:t>in all cells (3%)</a:t>
+              <a:t>LSG in all cells (3%)</a:t>
             </a:r>
           </a:p>
         </p:txBody>
@@ -12077,14 +12212,15 @@
           </p:cNvPr>
           <p:cNvCxnSpPr>
             <a:cxnSpLocks/>
+            <a:stCxn id="100" idx="2"/>
             <a:endCxn id="108" idx="0"/>
           </p:cNvCxnSpPr>
           <p:nvPr/>
         </p:nvCxnSpPr>
         <p:spPr>
-          <a:xfrm flipH="1">
-            <a:off x="5911800" y="2257435"/>
-            <a:ext cx="28614" cy="111771"/>
+          <a:xfrm>
+            <a:off x="5798800" y="2175222"/>
+            <a:ext cx="15956" cy="93696"/>
           </a:xfrm>
           <a:prstGeom prst="straightConnector1">
             <a:avLst/>
@@ -12122,8 +12258,8 @@
         </p:nvSpPr>
         <p:spPr>
           <a:xfrm>
-            <a:off x="5656736" y="2654067"/>
-            <a:ext cx="349776" cy="215444"/>
+            <a:off x="5582022" y="2535784"/>
+            <a:ext cx="356188" cy="215444"/>
           </a:xfrm>
           <a:prstGeom prst="rect">
             <a:avLst/>
@@ -12136,7 +12272,7 @@
           <a:lstStyle/>
           <a:p>
             <a:r>
-              <a:rPr lang="en-US" sz="800" dirty="0"/>
+              <a:rPr lang="en-US" sz="800" b="1" dirty="0"/>
               <a:t>NAs</a:t>
             </a:r>
           </a:p>
@@ -12261,7 +12397,7 @@
         </p:nvSpPr>
         <p:spPr>
           <a:xfrm>
-            <a:off x="3919762" y="4010205"/>
+            <a:off x="3852278" y="4025951"/>
             <a:ext cx="1194178" cy="246221"/>
           </a:xfrm>
           <a:prstGeom prst="rect">
@@ -12276,8 +12412,16 @@
           <a:p>
             <a:pPr algn="ctr"/>
             <a:r>
-              <a:rPr lang="en-US" sz="1000" dirty="0"/>
-              <a:t>Analysis report</a:t>
+              <a:rPr lang="en-US" altLang="zh-Hans" sz="1000" b="1" dirty="0"/>
+              <a:t>Generate</a:t>
+            </a:r>
+            <a:r>
+              <a:rPr lang="zh-Hans" altLang="en-US" sz="1000" b="1" dirty="0"/>
+              <a:t> </a:t>
+            </a:r>
+            <a:r>
+              <a:rPr lang="en-US" sz="1000" b="1" dirty="0"/>
+              <a:t>report</a:t>
             </a:r>
           </a:p>
         </p:txBody>
@@ -12296,7 +12440,7 @@
         </p:nvSpPr>
         <p:spPr>
           <a:xfrm>
-            <a:off x="5310832" y="3174043"/>
+            <a:off x="5308178" y="3072932"/>
             <a:ext cx="148622" cy="162003"/>
           </a:xfrm>
           <a:prstGeom prst="rightArrow">
@@ -12420,7 +12564,7 @@
         </p:nvSpPr>
         <p:spPr>
           <a:xfrm>
-            <a:off x="366642" y="3574139"/>
+            <a:off x="366642" y="3627232"/>
             <a:ext cx="340158" cy="369332"/>
           </a:xfrm>
           <a:prstGeom prst="rect">
@@ -12463,7 +12607,7 @@
         </p:blipFill>
         <p:spPr>
           <a:xfrm>
-            <a:off x="6297838" y="2801288"/>
+            <a:off x="6264815" y="2713741"/>
             <a:ext cx="1054630" cy="907451"/>
           </a:xfrm>
           <a:prstGeom prst="rect">
@@ -12485,8 +12629,8 @@
         </p:nvSpPr>
         <p:spPr>
           <a:xfrm>
-            <a:off x="5534239" y="3048147"/>
-            <a:ext cx="780983" cy="400110"/>
+            <a:off x="5490489" y="2947859"/>
+            <a:ext cx="795411" cy="400110"/>
           </a:xfrm>
           <a:prstGeom prst="rect">
             <a:avLst/>
@@ -12500,16 +12644,16 @@
           <a:lstStyle/>
           <a:p>
             <a:r>
-              <a:rPr lang="en-US" altLang="zh-Hans" sz="1000" dirty="0"/>
+              <a:rPr lang="en-US" altLang="zh-Hans" sz="1000" b="1" dirty="0"/>
               <a:t>Get cells in </a:t>
             </a:r>
           </a:p>
           <a:p>
             <a:r>
-              <a:rPr lang="en-US" altLang="zh-Hans" sz="1000" dirty="0"/>
+              <a:rPr lang="en-US" altLang="zh-Hans" sz="1000" b="1" dirty="0"/>
               <a:t>each group</a:t>
             </a:r>
-            <a:endParaRPr lang="en-US" sz="1000" dirty="0"/>
+            <a:endParaRPr lang="en-US" sz="1000" b="1" dirty="0"/>
           </a:p>
         </p:txBody>
       </p:sp>
@@ -12554,6 +12698,215 @@
           </a:fontRef>
         </p:style>
       </p:cxnSp>
+      <p:sp>
+        <p:nvSpPr>
+          <p:cNvPr id="88" name="Oval 87">
+            <a:extLst>
+              <a:ext uri="{FF2B5EF4-FFF2-40B4-BE49-F238E27FC236}">
+                <a16:creationId xmlns:a16="http://schemas.microsoft.com/office/drawing/2014/main" id="{7D6C8F9C-C40B-9445-8793-3E065F46F5EF}"/>
+              </a:ext>
+            </a:extLst>
+          </p:cNvPr>
+          <p:cNvSpPr/>
+          <p:nvPr/>
+        </p:nvSpPr>
+        <p:spPr>
+          <a:xfrm>
+            <a:off x="1133102" y="1833904"/>
+            <a:ext cx="119586" cy="117029"/>
+          </a:xfrm>
+          <a:prstGeom prst="ellipse">
+            <a:avLst/>
+          </a:prstGeom>
+          <a:solidFill>
+            <a:srgbClr val="FF0000"/>
+          </a:solidFill>
+        </p:spPr>
+        <p:style>
+          <a:lnRef idx="2">
+            <a:schemeClr val="accent1">
+              <a:shade val="50000"/>
+            </a:schemeClr>
+          </a:lnRef>
+          <a:fillRef idx="1">
+            <a:schemeClr val="accent1"/>
+          </a:fillRef>
+          <a:effectRef idx="0">
+            <a:schemeClr val="accent1"/>
+          </a:effectRef>
+          <a:fontRef idx="minor">
+            <a:schemeClr val="lt1"/>
+          </a:fontRef>
+        </p:style>
+        <p:txBody>
+          <a:bodyPr rtlCol="0" anchor="ctr"/>
+          <a:lstStyle/>
+          <a:p>
+            <a:pPr algn="ctr"/>
+            <a:endParaRPr lang="en-US"/>
+          </a:p>
+        </p:txBody>
+      </p:sp>
+      <p:sp>
+        <p:nvSpPr>
+          <p:cNvPr id="91" name="Oval 90">
+            <a:extLst>
+              <a:ext uri="{FF2B5EF4-FFF2-40B4-BE49-F238E27FC236}">
+                <a16:creationId xmlns:a16="http://schemas.microsoft.com/office/drawing/2014/main" id="{8E8A4CCA-3C21-5940-9633-7FBF9D735F41}"/>
+              </a:ext>
+            </a:extLst>
+          </p:cNvPr>
+          <p:cNvSpPr/>
+          <p:nvPr/>
+        </p:nvSpPr>
+        <p:spPr>
+          <a:xfrm>
+            <a:off x="1372286" y="1833904"/>
+            <a:ext cx="119586" cy="117029"/>
+          </a:xfrm>
+          <a:prstGeom prst="ellipse">
+            <a:avLst/>
+          </a:prstGeom>
+          <a:solidFill>
+            <a:srgbClr val="FF0000"/>
+          </a:solidFill>
+        </p:spPr>
+        <p:style>
+          <a:lnRef idx="2">
+            <a:schemeClr val="accent1">
+              <a:shade val="50000"/>
+            </a:schemeClr>
+          </a:lnRef>
+          <a:fillRef idx="1">
+            <a:schemeClr val="accent1"/>
+          </a:fillRef>
+          <a:effectRef idx="0">
+            <a:schemeClr val="accent1"/>
+          </a:effectRef>
+          <a:fontRef idx="minor">
+            <a:schemeClr val="lt1"/>
+          </a:fontRef>
+        </p:style>
+        <p:txBody>
+          <a:bodyPr rtlCol="0" anchor="ctr"/>
+          <a:lstStyle/>
+          <a:p>
+            <a:pPr algn="ctr"/>
+            <a:endParaRPr lang="en-US"/>
+          </a:p>
+        </p:txBody>
+      </p:sp>
+      <p:cxnSp>
+        <p:nvCxnSpPr>
+          <p:cNvPr id="45" name="Straight Connector 44">
+            <a:extLst>
+              <a:ext uri="{FF2B5EF4-FFF2-40B4-BE49-F238E27FC236}">
+                <a16:creationId xmlns:a16="http://schemas.microsoft.com/office/drawing/2014/main" id="{05245042-A771-C04E-85B8-FD478205B0E5}"/>
+              </a:ext>
+            </a:extLst>
+          </p:cNvPr>
+          <p:cNvCxnSpPr>
+            <a:stCxn id="88" idx="6"/>
+            <a:endCxn id="91" idx="2"/>
+          </p:cNvCxnSpPr>
+          <p:nvPr/>
+        </p:nvCxnSpPr>
+        <p:spPr>
+          <a:xfrm>
+            <a:off x="1252688" y="1892419"/>
+            <a:ext cx="119598" cy="0"/>
+          </a:xfrm>
+          <a:prstGeom prst="line">
+            <a:avLst/>
+          </a:prstGeom>
+        </p:spPr>
+        <p:style>
+          <a:lnRef idx="1">
+            <a:schemeClr val="accent1"/>
+          </a:lnRef>
+          <a:fillRef idx="0">
+            <a:schemeClr val="accent1"/>
+          </a:fillRef>
+          <a:effectRef idx="0">
+            <a:schemeClr val="accent1"/>
+          </a:effectRef>
+          <a:fontRef idx="minor">
+            <a:schemeClr val="tx1"/>
+          </a:fontRef>
+        </p:style>
+      </p:cxnSp>
+      <p:sp>
+        <p:nvSpPr>
+          <p:cNvPr id="96" name="Rectangle 95">
+            <a:extLst>
+              <a:ext uri="{FF2B5EF4-FFF2-40B4-BE49-F238E27FC236}">
+                <a16:creationId xmlns:a16="http://schemas.microsoft.com/office/drawing/2014/main" id="{6B110016-3712-934E-9744-9321E79F45B1}"/>
+              </a:ext>
+            </a:extLst>
+          </p:cNvPr>
+          <p:cNvSpPr/>
+          <p:nvPr/>
+        </p:nvSpPr>
+        <p:spPr>
+          <a:xfrm>
+            <a:off x="652689" y="1765877"/>
+            <a:ext cx="543739" cy="253916"/>
+          </a:xfrm>
+          <a:prstGeom prst="rect">
+            <a:avLst/>
+          </a:prstGeom>
+        </p:spPr>
+        <p:txBody>
+          <a:bodyPr wrap="none">
+            <a:spAutoFit/>
+          </a:bodyPr>
+          <a:lstStyle/>
+          <a:p>
+            <a:pPr algn="ctr"/>
+            <a:r>
+              <a:rPr lang="en-US" altLang="zh-Hans" sz="1000" b="1" dirty="0"/>
+              <a:t>Gene1</a:t>
+            </a:r>
+            <a:endParaRPr lang="en-US" sz="1000" b="1" dirty="0"/>
+          </a:p>
+        </p:txBody>
+      </p:sp>
+      <p:sp>
+        <p:nvSpPr>
+          <p:cNvPr id="97" name="Rectangle 96">
+            <a:extLst>
+              <a:ext uri="{FF2B5EF4-FFF2-40B4-BE49-F238E27FC236}">
+                <a16:creationId xmlns:a16="http://schemas.microsoft.com/office/drawing/2014/main" id="{E69DE38A-3EE4-D349-9503-44B240F11E90}"/>
+              </a:ext>
+            </a:extLst>
+          </p:cNvPr>
+          <p:cNvSpPr/>
+          <p:nvPr/>
+        </p:nvSpPr>
+        <p:spPr>
+          <a:xfrm>
+            <a:off x="1444906" y="1768620"/>
+            <a:ext cx="543739" cy="253916"/>
+          </a:xfrm>
+          <a:prstGeom prst="rect">
+            <a:avLst/>
+          </a:prstGeom>
+        </p:spPr>
+        <p:txBody>
+          <a:bodyPr wrap="none">
+            <a:spAutoFit/>
+          </a:bodyPr>
+          <a:lstStyle/>
+          <a:p>
+            <a:pPr algn="ctr"/>
+            <a:r>
+              <a:rPr lang="en-US" altLang="zh-Hans" sz="1000" b="1" dirty="0"/>
+              <a:t>Gene2</a:t>
+            </a:r>
+            <a:endParaRPr lang="en-US" sz="1000" b="1" dirty="0"/>
+          </a:p>
+        </p:txBody>
+      </p:sp>
     </p:spTree>
     <p:extLst>
       <p:ext uri="{BB962C8B-B14F-4D97-AF65-F5344CB8AC3E}">

--- a/GCA.pptx
+++ b/GCA.pptx
@@ -8695,7 +8695,7 @@
         </p:blipFill>
         <p:spPr>
           <a:xfrm>
-            <a:off x="5535893" y="2268918"/>
+            <a:off x="5215655" y="3108957"/>
             <a:ext cx="557725" cy="540721"/>
           </a:xfrm>
           <a:prstGeom prst="rect">
@@ -9192,8 +9192,8 @@
           </a:graphicData>
         </a:graphic>
       </p:graphicFrame>
-      <mc:AlternateContent xmlns:mc="http://schemas.openxmlformats.org/markup-compatibility/2006">
-        <mc:Choice xmlns:a14="http://schemas.microsoft.com/office/drawing/2010/main" Requires="a14">
+      <mc:AlternateContent xmlns:mc="http://schemas.openxmlformats.org/markup-compatibility/2006" xmlns:a14="http://schemas.microsoft.com/office/drawing/2010/main">
+        <mc:Choice Requires="a14">
           <p:sp>
             <p:nvSpPr>
               <p:cNvPr id="9" name="TextBox 8">
@@ -9389,7 +9389,7 @@
             </p:txBody>
           </p:sp>
         </mc:Choice>
-        <mc:Fallback>
+        <mc:Fallback xmlns="">
           <p:sp>
             <p:nvSpPr>
               <p:cNvPr id="9" name="TextBox 8">
@@ -10438,7 +10438,7 @@
         </p:blipFill>
         <p:spPr>
           <a:xfrm>
-            <a:off x="716280" y="2203047"/>
+            <a:off x="716280" y="2367431"/>
             <a:ext cx="1314138" cy="1233798"/>
           </a:xfrm>
           <a:prstGeom prst="rect">
@@ -10468,7 +10468,7 @@
         </p:blipFill>
         <p:spPr>
           <a:xfrm>
-            <a:off x="2115544" y="2203047"/>
+            <a:off x="2115544" y="2367431"/>
             <a:ext cx="1314514" cy="1233798"/>
           </a:xfrm>
           <a:prstGeom prst="rect">
@@ -10498,7 +10498,7 @@
         </p:blipFill>
         <p:spPr>
           <a:xfrm>
-            <a:off x="3529423" y="2203047"/>
+            <a:off x="3529423" y="2367431"/>
             <a:ext cx="1332998" cy="1233798"/>
           </a:xfrm>
           <a:prstGeom prst="rect">
@@ -10520,7 +10520,7 @@
         </p:nvSpPr>
         <p:spPr>
           <a:xfrm>
-            <a:off x="678033" y="1964671"/>
+            <a:off x="657422" y="2078460"/>
             <a:ext cx="1309567" cy="246221"/>
           </a:xfrm>
           <a:prstGeom prst="rect">
@@ -10555,7 +10555,7 @@
         </p:nvSpPr>
         <p:spPr>
           <a:xfrm>
-            <a:off x="3486607" y="1987976"/>
+            <a:off x="3486607" y="2152360"/>
             <a:ext cx="811441" cy="400110"/>
           </a:xfrm>
           <a:prstGeom prst="rect">
@@ -10609,7 +10609,7 @@
         </p:nvSpPr>
         <p:spPr>
           <a:xfrm>
-            <a:off x="4505128" y="2358467"/>
+            <a:off x="4462505" y="2462941"/>
             <a:ext cx="800220" cy="553998"/>
           </a:xfrm>
           <a:prstGeom prst="rect">
@@ -10674,7 +10674,7 @@
         </p:nvCxnSpPr>
         <p:spPr>
           <a:xfrm>
-            <a:off x="3892328" y="2388086"/>
+            <a:off x="3892328" y="2552470"/>
             <a:ext cx="47867" cy="323166"/>
           </a:xfrm>
           <a:prstGeom prst="straightConnector1">
@@ -10719,7 +10719,7 @@
         </p:nvCxnSpPr>
         <p:spPr>
           <a:xfrm flipH="1">
-            <a:off x="4366264" y="2635466"/>
+            <a:off x="4323641" y="2739940"/>
             <a:ext cx="138864" cy="75786"/>
           </a:xfrm>
           <a:prstGeom prst="straightConnector1">
@@ -10758,7 +10758,7 @@
         </p:nvSpPr>
         <p:spPr>
           <a:xfrm>
-            <a:off x="957002" y="4352365"/>
+            <a:off x="957002" y="4434557"/>
             <a:ext cx="175248" cy="177926"/>
           </a:xfrm>
           <a:prstGeom prst="ellipse">
@@ -10804,7 +10804,7 @@
         </p:nvSpPr>
         <p:spPr>
           <a:xfrm>
-            <a:off x="1288958" y="4445386"/>
+            <a:off x="1288958" y="4527578"/>
             <a:ext cx="175248" cy="177926"/>
           </a:xfrm>
           <a:prstGeom prst="ellipse">
@@ -10850,7 +10850,7 @@
         </p:nvSpPr>
         <p:spPr>
           <a:xfrm>
-            <a:off x="1047117" y="4700882"/>
+            <a:off x="1047117" y="4783074"/>
             <a:ext cx="175248" cy="177926"/>
           </a:xfrm>
           <a:prstGeom prst="ellipse">
@@ -10902,7 +10902,7 @@
         </p:nvCxnSpPr>
         <p:spPr>
           <a:xfrm>
-            <a:off x="1044626" y="4530291"/>
+            <a:off x="1044626" y="4612483"/>
             <a:ext cx="90115" cy="170592"/>
           </a:xfrm>
           <a:prstGeom prst="line">
@@ -10942,7 +10942,7 @@
         </p:nvCxnSpPr>
         <p:spPr>
           <a:xfrm flipH="1">
-            <a:off x="1196699" y="4597256"/>
+            <a:off x="1196699" y="4679448"/>
             <a:ext cx="117923" cy="129684"/>
           </a:xfrm>
           <a:prstGeom prst="line">
@@ -10978,7 +10978,7 @@
         </p:nvSpPr>
         <p:spPr>
           <a:xfrm>
-            <a:off x="1021452" y="5045413"/>
+            <a:off x="1021452" y="5127605"/>
             <a:ext cx="175248" cy="177926"/>
           </a:xfrm>
           <a:prstGeom prst="ellipse">
@@ -11027,7 +11027,7 @@
         </p:nvCxnSpPr>
         <p:spPr>
           <a:xfrm flipV="1">
-            <a:off x="1109076" y="4878809"/>
+            <a:off x="1109076" y="4961001"/>
             <a:ext cx="25665" cy="166604"/>
           </a:xfrm>
           <a:prstGeom prst="line">
@@ -11063,7 +11063,7 @@
         </p:nvSpPr>
         <p:spPr>
           <a:xfrm>
-            <a:off x="592504" y="4700347"/>
+            <a:off x="592504" y="4782539"/>
             <a:ext cx="571500" cy="246221"/>
           </a:xfrm>
           <a:prstGeom prst="rect">
@@ -11107,7 +11107,7 @@
         </p:nvSpPr>
         <p:spPr>
           <a:xfrm>
-            <a:off x="1183988" y="4574832"/>
+            <a:off x="1183988" y="4657024"/>
             <a:ext cx="550484" cy="246221"/>
           </a:xfrm>
           <a:prstGeom prst="rect">
@@ -11143,7 +11143,7 @@
         </p:nvSpPr>
         <p:spPr>
           <a:xfrm>
-            <a:off x="561970" y="4480719"/>
+            <a:off x="561970" y="4562911"/>
             <a:ext cx="606875" cy="246221"/>
           </a:xfrm>
           <a:prstGeom prst="rect">
@@ -11179,7 +11179,7 @@
         </p:nvSpPr>
         <p:spPr>
           <a:xfrm>
-            <a:off x="1031382" y="4839000"/>
+            <a:off x="1031382" y="4921192"/>
             <a:ext cx="566480" cy="246221"/>
           </a:xfrm>
           <a:prstGeom prst="rect">
@@ -11215,7 +11215,7 @@
         </p:nvSpPr>
         <p:spPr>
           <a:xfrm>
-            <a:off x="677884" y="4060156"/>
+            <a:off x="677884" y="4142348"/>
             <a:ext cx="1123321" cy="246221"/>
           </a:xfrm>
           <a:prstGeom prst="rect">
@@ -11259,7 +11259,7 @@
         </p:nvSpPr>
         <p:spPr>
           <a:xfrm>
-            <a:off x="3206597" y="4121977"/>
+            <a:off x="3134679" y="4234991"/>
             <a:ext cx="208108" cy="1275226"/>
           </a:xfrm>
           <a:prstGeom prst="rect">
@@ -11313,7 +11313,7 @@
         </p:nvCxnSpPr>
         <p:spPr>
           <a:xfrm>
-            <a:off x="3206596" y="4305801"/>
+            <a:off x="3134678" y="4418815"/>
             <a:ext cx="208108" cy="0"/>
           </a:xfrm>
           <a:prstGeom prst="line">
@@ -11356,7 +11356,7 @@
         </p:nvCxnSpPr>
         <p:spPr>
           <a:xfrm>
-            <a:off x="3206595" y="4461315"/>
+            <a:off x="3134677" y="4574329"/>
             <a:ext cx="208109" cy="0"/>
           </a:xfrm>
           <a:prstGeom prst="line">
@@ -11399,7 +11399,7 @@
         </p:nvCxnSpPr>
         <p:spPr>
           <a:xfrm>
-            <a:off x="3206595" y="4941467"/>
+            <a:off x="3134677" y="5054481"/>
             <a:ext cx="208109" cy="0"/>
           </a:xfrm>
           <a:prstGeom prst="line">
@@ -11440,7 +11440,7 @@
         </p:nvSpPr>
         <p:spPr>
           <a:xfrm>
-            <a:off x="2646841" y="4161615"/>
+            <a:off x="2574923" y="4274629"/>
             <a:ext cx="540533" cy="246221"/>
           </a:xfrm>
           <a:prstGeom prst="rect">
@@ -11476,7 +11476,7 @@
         </p:nvSpPr>
         <p:spPr>
           <a:xfrm>
-            <a:off x="2646979" y="4326986"/>
+            <a:off x="2575061" y="4440000"/>
             <a:ext cx="540533" cy="246221"/>
           </a:xfrm>
           <a:prstGeom prst="rect">
@@ -11512,7 +11512,7 @@
         </p:nvSpPr>
         <p:spPr>
           <a:xfrm>
-            <a:off x="2646840" y="4817547"/>
+            <a:off x="2574922" y="4930561"/>
             <a:ext cx="540533" cy="246221"/>
           </a:xfrm>
           <a:prstGeom prst="rect">
@@ -11548,7 +11548,7 @@
         </p:nvSpPr>
         <p:spPr>
           <a:xfrm rot="10800000">
-            <a:off x="3520412" y="4117389"/>
+            <a:off x="3448494" y="4230403"/>
             <a:ext cx="108509" cy="1279814"/>
           </a:xfrm>
           <a:prstGeom prst="triangle">
@@ -11608,7 +11608,7 @@
         </p:nvSpPr>
         <p:spPr>
           <a:xfrm>
-            <a:off x="2100332" y="4498632"/>
+            <a:off x="2028414" y="4611646"/>
             <a:ext cx="460382" cy="246221"/>
           </a:xfrm>
           <a:prstGeom prst="rect">
@@ -11647,7 +11647,7 @@
         </p:nvCxnSpPr>
         <p:spPr>
           <a:xfrm flipV="1">
-            <a:off x="2560714" y="4450097"/>
+            <a:off x="2488796" y="4563111"/>
             <a:ext cx="86265" cy="171646"/>
           </a:xfrm>
           <a:prstGeom prst="line">
@@ -11692,7 +11692,7 @@
         </p:nvCxnSpPr>
         <p:spPr>
           <a:xfrm flipV="1">
-            <a:off x="2560714" y="4284726"/>
+            <a:off x="2488796" y="4397740"/>
             <a:ext cx="86127" cy="337017"/>
           </a:xfrm>
           <a:prstGeom prst="line">
@@ -11738,7 +11738,7 @@
         </p:nvCxnSpPr>
         <p:spPr>
           <a:xfrm>
-            <a:off x="2560714" y="4621743"/>
+            <a:off x="2488796" y="4734757"/>
             <a:ext cx="86126" cy="318915"/>
           </a:xfrm>
           <a:prstGeom prst="line">
@@ -11779,7 +11779,7 @@
         </p:nvSpPr>
         <p:spPr>
           <a:xfrm>
-            <a:off x="1863088" y="4541994"/>
+            <a:off x="1811718" y="4655008"/>
             <a:ext cx="148622" cy="162003"/>
           </a:xfrm>
           <a:prstGeom prst="rightArrow">
@@ -11835,7 +11835,7 @@
             </p:nvSpPr>
             <p:spPr>
               <a:xfrm>
-                <a:off x="6134333" y="2186659"/>
+                <a:off x="5814979" y="3233155"/>
                 <a:ext cx="1589346" cy="292324"/>
               </a:xfrm>
               <a:prstGeom prst="rect">
@@ -11990,7 +11990,7 @@
             </p:nvSpPr>
             <p:spPr>
               <a:xfrm>
-                <a:off x="6134333" y="2186659"/>
+                <a:off x="5814979" y="3233155"/>
                 <a:ext cx="1589346" cy="292324"/>
               </a:xfrm>
               <a:prstGeom prst="rect">
@@ -11999,7 +11999,7 @@
               <a:blipFill>
                 <a:blip r:embed="rId9"/>
                 <a:stretch>
-                  <a:fillRect l="-1587" t="-8333" r="-794" b="-29167"/>
+                  <a:fillRect l="-1587" t="-8333" r="-794" b="-25000"/>
                 </a:stretch>
               </a:blipFill>
             </p:spPr>
@@ -12032,7 +12032,7 @@
         </p:nvSpPr>
         <p:spPr>
           <a:xfrm>
-            <a:off x="2336934" y="3842666"/>
+            <a:off x="2265016" y="3955680"/>
             <a:ext cx="1091966" cy="246221"/>
           </a:xfrm>
           <a:prstGeom prst="rect">
@@ -12067,7 +12067,7 @@
         </p:nvSpPr>
         <p:spPr>
           <a:xfrm>
-            <a:off x="3785149" y="4534585"/>
+            <a:off x="3754109" y="4657024"/>
             <a:ext cx="148622" cy="162003"/>
           </a:xfrm>
           <a:prstGeom prst="rightArrow">
@@ -12121,7 +12121,7 @@
         </p:nvSpPr>
         <p:spPr>
           <a:xfrm>
-            <a:off x="5308178" y="2431697"/>
+            <a:off x="4977318" y="3300677"/>
             <a:ext cx="148622" cy="162003"/>
           </a:xfrm>
           <a:prstGeom prst="rightArrow">
@@ -12175,8 +12175,8 @@
         </p:nvSpPr>
         <p:spPr>
           <a:xfrm>
-            <a:off x="5200719" y="1929001"/>
-            <a:ext cx="1196161" cy="246221"/>
+            <a:off x="5236796" y="2901818"/>
+            <a:ext cx="649537" cy="246221"/>
           </a:xfrm>
           <a:prstGeom prst="rect">
             <a:avLst/>
@@ -12196,54 +12196,11 @@
                   <a:srgbClr val="0070C0"/>
                 </a:solidFill>
               </a:rPr>
-              <a:t>LSG in all cells (3%)</a:t>
-            </a:r>
-          </a:p>
-        </p:txBody>
-      </p:sp>
-      <p:cxnSp>
-        <p:nvCxnSpPr>
-          <p:cNvPr id="101" name="Straight Arrow Connector 100">
-            <a:extLst>
-              <a:ext uri="{FF2B5EF4-FFF2-40B4-BE49-F238E27FC236}">
-                <a16:creationId xmlns:a16="http://schemas.microsoft.com/office/drawing/2014/main" id="{1C8DE996-EC36-AA49-91B0-516E6AF8CC3E}"/>
-              </a:ext>
-            </a:extLst>
-          </p:cNvPr>
-          <p:cNvCxnSpPr>
-            <a:cxnSpLocks/>
-            <a:stCxn id="100" idx="2"/>
-            <a:endCxn id="108" idx="0"/>
-          </p:cNvCxnSpPr>
-          <p:nvPr/>
-        </p:nvCxnSpPr>
-        <p:spPr>
-          <a:xfrm>
-            <a:off x="5798800" y="2175222"/>
-            <a:ext cx="15956" cy="93696"/>
-          </a:xfrm>
-          <a:prstGeom prst="straightConnector1">
-            <a:avLst/>
-          </a:prstGeom>
-          <a:ln>
-            <a:tailEnd type="triangle"/>
-          </a:ln>
-        </p:spPr>
-        <p:style>
-          <a:lnRef idx="1">
-            <a:schemeClr val="accent1"/>
-          </a:lnRef>
-          <a:fillRef idx="0">
-            <a:schemeClr val="accent1"/>
-          </a:fillRef>
-          <a:effectRef idx="0">
-            <a:schemeClr val="accent1"/>
-          </a:effectRef>
-          <a:fontRef idx="minor">
-            <a:schemeClr val="tx1"/>
-          </a:fontRef>
-        </p:style>
-      </p:cxnSp>
+              <a:t>LSG (3%)</a:t>
+            </a:r>
+          </a:p>
+        </p:txBody>
+      </p:sp>
       <p:sp>
         <p:nvSpPr>
           <p:cNvPr id="109" name="Rectangle 108">
@@ -12258,7 +12215,7 @@
         </p:nvSpPr>
         <p:spPr>
           <a:xfrm>
-            <a:off x="5582022" y="2535784"/>
+            <a:off x="5232151" y="3323806"/>
             <a:ext cx="356188" cy="215444"/>
           </a:xfrm>
           <a:prstGeom prst="rect">
@@ -12300,7 +12257,7 @@
         </p:blipFill>
         <p:spPr>
           <a:xfrm>
-            <a:off x="4132533" y="4474970"/>
+            <a:off x="4132533" y="4557162"/>
             <a:ext cx="1361402" cy="857134"/>
           </a:xfrm>
           <a:prstGeom prst="rect">
@@ -12335,7 +12292,7 @@
         </p:blipFill>
         <p:spPr>
           <a:xfrm>
-            <a:off x="6137758" y="4430373"/>
+            <a:off x="6245896" y="4461067"/>
             <a:ext cx="1112786" cy="1016935"/>
           </a:xfrm>
           <a:prstGeom prst="rect">
@@ -12370,7 +12327,7 @@
         </p:blipFill>
         <p:spPr>
           <a:xfrm>
-            <a:off x="5100935" y="3841520"/>
+            <a:off x="5100935" y="3923712"/>
             <a:ext cx="1406819" cy="1247316"/>
           </a:xfrm>
           <a:prstGeom prst="rect">
@@ -12397,7 +12354,7 @@
         </p:nvSpPr>
         <p:spPr>
           <a:xfrm>
-            <a:off x="3852278" y="4025951"/>
+            <a:off x="3852278" y="4108143"/>
             <a:ext cx="1194178" cy="246221"/>
           </a:xfrm>
           <a:prstGeom prst="rect">
@@ -12440,7 +12397,7 @@
         </p:nvSpPr>
         <p:spPr>
           <a:xfrm>
-            <a:off x="5308178" y="3072932"/>
+            <a:off x="5307422" y="2457935"/>
             <a:ext cx="148622" cy="162003"/>
           </a:xfrm>
           <a:prstGeom prst="rightArrow">
@@ -12564,7 +12521,7 @@
         </p:nvSpPr>
         <p:spPr>
           <a:xfrm>
-            <a:off x="366642" y="3627232"/>
+            <a:off x="366642" y="3760794"/>
             <a:ext cx="340158" cy="369332"/>
           </a:xfrm>
           <a:prstGeom prst="rect">
@@ -12607,8 +12564,8 @@
         </p:blipFill>
         <p:spPr>
           <a:xfrm>
-            <a:off x="6264815" y="2713741"/>
-            <a:ext cx="1054630" cy="907451"/>
+            <a:off x="6137256" y="2062665"/>
+            <a:ext cx="1260005" cy="994376"/>
           </a:xfrm>
           <a:prstGeom prst="rect">
             <a:avLst/>
@@ -12629,7 +12586,7 @@
         </p:nvSpPr>
         <p:spPr>
           <a:xfrm>
-            <a:off x="5490489" y="2947859"/>
+            <a:off x="5389138" y="2344719"/>
             <a:ext cx="795411" cy="400110"/>
           </a:xfrm>
           <a:prstGeom prst="rect">
@@ -12643,12 +12600,14 @@
           </a:bodyPr>
           <a:lstStyle/>
           <a:p>
+            <a:pPr algn="ctr"/>
             <a:r>
               <a:rPr lang="en-US" altLang="zh-Hans" sz="1000" b="1" dirty="0"/>
               <a:t>Get cells in </a:t>
             </a:r>
           </a:p>
           <a:p>
+            <a:pPr algn="ctr"/>
             <a:r>
               <a:rPr lang="en-US" altLang="zh-Hans" sz="1000" b="1" dirty="0"/>
               <a:t>each group</a:t>
@@ -12698,215 +12657,236 @@
           </a:fontRef>
         </p:style>
       </p:cxnSp>
-      <p:sp>
-        <p:nvSpPr>
-          <p:cNvPr id="88" name="Oval 87">
-            <a:extLst>
-              <a:ext uri="{FF2B5EF4-FFF2-40B4-BE49-F238E27FC236}">
-                <a16:creationId xmlns:a16="http://schemas.microsoft.com/office/drawing/2014/main" id="{7D6C8F9C-C40B-9445-8793-3E065F46F5EF}"/>
-              </a:ext>
-            </a:extLst>
-          </p:cNvPr>
-          <p:cNvSpPr/>
+      <p:grpSp>
+        <p:nvGrpSpPr>
+          <p:cNvPr id="2" name="Group 1">
+            <a:extLst>
+              <a:ext uri="{FF2B5EF4-FFF2-40B4-BE49-F238E27FC236}">
+                <a16:creationId xmlns:a16="http://schemas.microsoft.com/office/drawing/2014/main" id="{FF07D597-8983-BF44-BFFF-01473938B4FC}"/>
+              </a:ext>
+            </a:extLst>
+          </p:cNvPr>
+          <p:cNvGrpSpPr/>
           <p:nvPr/>
-        </p:nvSpPr>
-        <p:spPr>
-          <a:xfrm>
-            <a:off x="1133102" y="1833904"/>
-            <a:ext cx="119586" cy="117029"/>
-          </a:xfrm>
-          <a:prstGeom prst="ellipse">
-            <a:avLst/>
-          </a:prstGeom>
-          <a:solidFill>
-            <a:srgbClr val="FF0000"/>
-          </a:solidFill>
-        </p:spPr>
-        <p:style>
-          <a:lnRef idx="2">
-            <a:schemeClr val="accent1">
-              <a:shade val="50000"/>
-            </a:schemeClr>
-          </a:lnRef>
-          <a:fillRef idx="1">
-            <a:schemeClr val="accent1"/>
-          </a:fillRef>
-          <a:effectRef idx="0">
-            <a:schemeClr val="accent1"/>
-          </a:effectRef>
-          <a:fontRef idx="minor">
-            <a:schemeClr val="lt1"/>
-          </a:fontRef>
-        </p:style>
-        <p:txBody>
-          <a:bodyPr rtlCol="0" anchor="ctr"/>
-          <a:lstStyle/>
-          <a:p>
-            <a:pPr algn="ctr"/>
-            <a:endParaRPr lang="en-US"/>
-          </a:p>
-        </p:txBody>
-      </p:sp>
-      <p:sp>
-        <p:nvSpPr>
-          <p:cNvPr id="91" name="Oval 90">
-            <a:extLst>
-              <a:ext uri="{FF2B5EF4-FFF2-40B4-BE49-F238E27FC236}">
-                <a16:creationId xmlns:a16="http://schemas.microsoft.com/office/drawing/2014/main" id="{8E8A4CCA-3C21-5940-9633-7FBF9D735F41}"/>
-              </a:ext>
-            </a:extLst>
-          </p:cNvPr>
-          <p:cNvSpPr/>
-          <p:nvPr/>
-        </p:nvSpPr>
-        <p:spPr>
-          <a:xfrm>
-            <a:off x="1372286" y="1833904"/>
-            <a:ext cx="119586" cy="117029"/>
-          </a:xfrm>
-          <a:prstGeom prst="ellipse">
-            <a:avLst/>
-          </a:prstGeom>
-          <a:solidFill>
-            <a:srgbClr val="FF0000"/>
-          </a:solidFill>
-        </p:spPr>
-        <p:style>
-          <a:lnRef idx="2">
-            <a:schemeClr val="accent1">
-              <a:shade val="50000"/>
-            </a:schemeClr>
-          </a:lnRef>
-          <a:fillRef idx="1">
-            <a:schemeClr val="accent1"/>
-          </a:fillRef>
-          <a:effectRef idx="0">
-            <a:schemeClr val="accent1"/>
-          </a:effectRef>
-          <a:fontRef idx="minor">
-            <a:schemeClr val="lt1"/>
-          </a:fontRef>
-        </p:style>
-        <p:txBody>
-          <a:bodyPr rtlCol="0" anchor="ctr"/>
-          <a:lstStyle/>
-          <a:p>
-            <a:pPr algn="ctr"/>
-            <a:endParaRPr lang="en-US"/>
-          </a:p>
-        </p:txBody>
-      </p:sp>
-      <p:cxnSp>
-        <p:nvCxnSpPr>
-          <p:cNvPr id="45" name="Straight Connector 44">
-            <a:extLst>
-              <a:ext uri="{FF2B5EF4-FFF2-40B4-BE49-F238E27FC236}">
-                <a16:creationId xmlns:a16="http://schemas.microsoft.com/office/drawing/2014/main" id="{05245042-A771-C04E-85B8-FD478205B0E5}"/>
-              </a:ext>
-            </a:extLst>
-          </p:cNvPr>
-          <p:cNvCxnSpPr>
-            <a:stCxn id="88" idx="6"/>
-            <a:endCxn id="91" idx="2"/>
-          </p:cNvCxnSpPr>
-          <p:nvPr/>
-        </p:nvCxnSpPr>
-        <p:spPr>
-          <a:xfrm>
-            <a:off x="1252688" y="1892419"/>
-            <a:ext cx="119598" cy="0"/>
-          </a:xfrm>
-          <a:prstGeom prst="line">
-            <a:avLst/>
-          </a:prstGeom>
-        </p:spPr>
-        <p:style>
-          <a:lnRef idx="1">
-            <a:schemeClr val="accent1"/>
-          </a:lnRef>
-          <a:fillRef idx="0">
-            <a:schemeClr val="accent1"/>
-          </a:fillRef>
-          <a:effectRef idx="0">
-            <a:schemeClr val="accent1"/>
-          </a:effectRef>
-          <a:fontRef idx="minor">
-            <a:schemeClr val="tx1"/>
-          </a:fontRef>
-        </p:style>
-      </p:cxnSp>
-      <p:sp>
-        <p:nvSpPr>
-          <p:cNvPr id="96" name="Rectangle 95">
-            <a:extLst>
-              <a:ext uri="{FF2B5EF4-FFF2-40B4-BE49-F238E27FC236}">
-                <a16:creationId xmlns:a16="http://schemas.microsoft.com/office/drawing/2014/main" id="{6B110016-3712-934E-9744-9321E79F45B1}"/>
-              </a:ext>
-            </a:extLst>
-          </p:cNvPr>
-          <p:cNvSpPr/>
-          <p:nvPr/>
-        </p:nvSpPr>
-        <p:spPr>
-          <a:xfrm>
-            <a:off x="652689" y="1765877"/>
-            <a:ext cx="543739" cy="253916"/>
-          </a:xfrm>
-          <a:prstGeom prst="rect">
-            <a:avLst/>
-          </a:prstGeom>
-        </p:spPr>
-        <p:txBody>
-          <a:bodyPr wrap="none">
-            <a:spAutoFit/>
-          </a:bodyPr>
-          <a:lstStyle/>
-          <a:p>
-            <a:pPr algn="ctr"/>
-            <a:r>
-              <a:rPr lang="en-US" altLang="zh-Hans" sz="1000" b="1" dirty="0"/>
-              <a:t>Gene1</a:t>
-            </a:r>
-            <a:endParaRPr lang="en-US" sz="1000" b="1" dirty="0"/>
-          </a:p>
-        </p:txBody>
-      </p:sp>
-      <p:sp>
-        <p:nvSpPr>
-          <p:cNvPr id="97" name="Rectangle 96">
-            <a:extLst>
-              <a:ext uri="{FF2B5EF4-FFF2-40B4-BE49-F238E27FC236}">
-                <a16:creationId xmlns:a16="http://schemas.microsoft.com/office/drawing/2014/main" id="{E69DE38A-3EE4-D349-9503-44B240F11E90}"/>
-              </a:ext>
-            </a:extLst>
-          </p:cNvPr>
-          <p:cNvSpPr/>
-          <p:nvPr/>
-        </p:nvSpPr>
-        <p:spPr>
-          <a:xfrm>
-            <a:off x="1444906" y="1768620"/>
-            <a:ext cx="543739" cy="253916"/>
-          </a:xfrm>
-          <a:prstGeom prst="rect">
-            <a:avLst/>
-          </a:prstGeom>
-        </p:spPr>
-        <p:txBody>
-          <a:bodyPr wrap="none">
-            <a:spAutoFit/>
-          </a:bodyPr>
-          <a:lstStyle/>
-          <a:p>
-            <a:pPr algn="ctr"/>
-            <a:r>
-              <a:rPr lang="en-US" altLang="zh-Hans" sz="1000" b="1" dirty="0"/>
-              <a:t>Gene2</a:t>
-            </a:r>
-            <a:endParaRPr lang="en-US" sz="1000" b="1" dirty="0"/>
-          </a:p>
-        </p:txBody>
-      </p:sp>
+        </p:nvGrpSpPr>
+        <p:grpSpPr>
+          <a:xfrm>
+            <a:off x="663193" y="1853986"/>
+            <a:ext cx="1334911" cy="257922"/>
+            <a:chOff x="652689" y="1761871"/>
+            <a:chExt cx="1334911" cy="257922"/>
+          </a:xfrm>
+        </p:grpSpPr>
+        <p:sp>
+          <p:nvSpPr>
+            <p:cNvPr id="88" name="Oval 87">
+              <a:extLst>
+                <a:ext uri="{FF2B5EF4-FFF2-40B4-BE49-F238E27FC236}">
+                  <a16:creationId xmlns:a16="http://schemas.microsoft.com/office/drawing/2014/main" id="{7D6C8F9C-C40B-9445-8793-3E065F46F5EF}"/>
+                </a:ext>
+              </a:extLst>
+            </p:cNvPr>
+            <p:cNvSpPr/>
+            <p:nvPr/>
+          </p:nvSpPr>
+          <p:spPr>
+            <a:xfrm>
+              <a:off x="1132057" y="1827155"/>
+              <a:ext cx="119586" cy="117029"/>
+            </a:xfrm>
+            <a:prstGeom prst="ellipse">
+              <a:avLst/>
+            </a:prstGeom>
+            <a:solidFill>
+              <a:srgbClr val="FF0000"/>
+            </a:solidFill>
+          </p:spPr>
+          <p:style>
+            <a:lnRef idx="2">
+              <a:schemeClr val="accent1">
+                <a:shade val="50000"/>
+              </a:schemeClr>
+            </a:lnRef>
+            <a:fillRef idx="1">
+              <a:schemeClr val="accent1"/>
+            </a:fillRef>
+            <a:effectRef idx="0">
+              <a:schemeClr val="accent1"/>
+            </a:effectRef>
+            <a:fontRef idx="minor">
+              <a:schemeClr val="lt1"/>
+            </a:fontRef>
+          </p:style>
+          <p:txBody>
+            <a:bodyPr rtlCol="0" anchor="ctr"/>
+            <a:lstStyle/>
+            <a:p>
+              <a:pPr algn="ctr"/>
+              <a:endParaRPr lang="en-US"/>
+            </a:p>
+          </p:txBody>
+        </p:sp>
+        <p:sp>
+          <p:nvSpPr>
+            <p:cNvPr id="91" name="Oval 90">
+              <a:extLst>
+                <a:ext uri="{FF2B5EF4-FFF2-40B4-BE49-F238E27FC236}">
+                  <a16:creationId xmlns:a16="http://schemas.microsoft.com/office/drawing/2014/main" id="{8E8A4CCA-3C21-5940-9633-7FBF9D735F41}"/>
+                </a:ext>
+              </a:extLst>
+            </p:cNvPr>
+            <p:cNvSpPr/>
+            <p:nvPr/>
+          </p:nvSpPr>
+          <p:spPr>
+            <a:xfrm>
+              <a:off x="1371241" y="1827155"/>
+              <a:ext cx="119586" cy="117029"/>
+            </a:xfrm>
+            <a:prstGeom prst="ellipse">
+              <a:avLst/>
+            </a:prstGeom>
+            <a:solidFill>
+              <a:srgbClr val="FF0000"/>
+            </a:solidFill>
+          </p:spPr>
+          <p:style>
+            <a:lnRef idx="2">
+              <a:schemeClr val="accent1">
+                <a:shade val="50000"/>
+              </a:schemeClr>
+            </a:lnRef>
+            <a:fillRef idx="1">
+              <a:schemeClr val="accent1"/>
+            </a:fillRef>
+            <a:effectRef idx="0">
+              <a:schemeClr val="accent1"/>
+            </a:effectRef>
+            <a:fontRef idx="minor">
+              <a:schemeClr val="lt1"/>
+            </a:fontRef>
+          </p:style>
+          <p:txBody>
+            <a:bodyPr rtlCol="0" anchor="ctr"/>
+            <a:lstStyle/>
+            <a:p>
+              <a:pPr algn="ctr"/>
+              <a:endParaRPr lang="en-US"/>
+            </a:p>
+          </p:txBody>
+        </p:sp>
+        <p:cxnSp>
+          <p:nvCxnSpPr>
+            <p:cNvPr id="45" name="Straight Connector 44">
+              <a:extLst>
+                <a:ext uri="{FF2B5EF4-FFF2-40B4-BE49-F238E27FC236}">
+                  <a16:creationId xmlns:a16="http://schemas.microsoft.com/office/drawing/2014/main" id="{05245042-A771-C04E-85B8-FD478205B0E5}"/>
+                </a:ext>
+              </a:extLst>
+            </p:cNvPr>
+            <p:cNvCxnSpPr>
+              <a:stCxn id="88" idx="6"/>
+              <a:endCxn id="91" idx="2"/>
+            </p:cNvCxnSpPr>
+            <p:nvPr/>
+          </p:nvCxnSpPr>
+          <p:spPr>
+            <a:xfrm>
+              <a:off x="1251643" y="1885670"/>
+              <a:ext cx="119598" cy="0"/>
+            </a:xfrm>
+            <a:prstGeom prst="line">
+              <a:avLst/>
+            </a:prstGeom>
+          </p:spPr>
+          <p:style>
+            <a:lnRef idx="1">
+              <a:schemeClr val="accent1"/>
+            </a:lnRef>
+            <a:fillRef idx="0">
+              <a:schemeClr val="accent1"/>
+            </a:fillRef>
+            <a:effectRef idx="0">
+              <a:schemeClr val="accent1"/>
+            </a:effectRef>
+            <a:fontRef idx="minor">
+              <a:schemeClr val="tx1"/>
+            </a:fontRef>
+          </p:style>
+        </p:cxnSp>
+        <p:sp>
+          <p:nvSpPr>
+            <p:cNvPr id="96" name="Rectangle 95">
+              <a:extLst>
+                <a:ext uri="{FF2B5EF4-FFF2-40B4-BE49-F238E27FC236}">
+                  <a16:creationId xmlns:a16="http://schemas.microsoft.com/office/drawing/2014/main" id="{6B110016-3712-934E-9744-9321E79F45B1}"/>
+                </a:ext>
+              </a:extLst>
+            </p:cNvPr>
+            <p:cNvSpPr/>
+            <p:nvPr/>
+          </p:nvSpPr>
+          <p:spPr>
+            <a:xfrm>
+              <a:off x="652689" y="1765877"/>
+              <a:ext cx="543739" cy="253916"/>
+            </a:xfrm>
+            <a:prstGeom prst="rect">
+              <a:avLst/>
+            </a:prstGeom>
+          </p:spPr>
+          <p:txBody>
+            <a:bodyPr wrap="none">
+              <a:spAutoFit/>
+            </a:bodyPr>
+            <a:lstStyle/>
+            <a:p>
+              <a:pPr algn="ctr"/>
+              <a:r>
+                <a:rPr lang="en-US" altLang="zh-Hans" sz="1000" b="1" dirty="0"/>
+                <a:t>Gene1</a:t>
+              </a:r>
+              <a:endParaRPr lang="en-US" sz="1000" b="1" dirty="0"/>
+            </a:p>
+          </p:txBody>
+        </p:sp>
+        <p:sp>
+          <p:nvSpPr>
+            <p:cNvPr id="97" name="Rectangle 96">
+              <a:extLst>
+                <a:ext uri="{FF2B5EF4-FFF2-40B4-BE49-F238E27FC236}">
+                  <a16:creationId xmlns:a16="http://schemas.microsoft.com/office/drawing/2014/main" id="{E69DE38A-3EE4-D349-9503-44B240F11E90}"/>
+                </a:ext>
+              </a:extLst>
+            </p:cNvPr>
+            <p:cNvSpPr/>
+            <p:nvPr/>
+          </p:nvSpPr>
+          <p:spPr>
+            <a:xfrm>
+              <a:off x="1443861" y="1761871"/>
+              <a:ext cx="543739" cy="253916"/>
+            </a:xfrm>
+            <a:prstGeom prst="rect">
+              <a:avLst/>
+            </a:prstGeom>
+          </p:spPr>
+          <p:txBody>
+            <a:bodyPr wrap="none">
+              <a:spAutoFit/>
+            </a:bodyPr>
+            <a:lstStyle/>
+            <a:p>
+              <a:pPr algn="ctr"/>
+              <a:r>
+                <a:rPr lang="en-US" altLang="zh-Hans" sz="1000" b="1" dirty="0"/>
+                <a:t>Gene2</a:t>
+              </a:r>
+              <a:endParaRPr lang="en-US" sz="1000" b="1" dirty="0"/>
+            </a:p>
+          </p:txBody>
+        </p:sp>
+      </p:grpSp>
     </p:spTree>
     <p:extLst>
       <p:ext uri="{BB962C8B-B14F-4D97-AF65-F5344CB8AC3E}">

--- a/GCA.pptx
+++ b/GCA.pptx
@@ -11259,7 +11259,7 @@
         </p:nvSpPr>
         <p:spPr>
           <a:xfrm>
-            <a:off x="3134679" y="4234991"/>
+            <a:off x="2713762" y="4247103"/>
             <a:ext cx="208108" cy="1275226"/>
           </a:xfrm>
           <a:prstGeom prst="rect">
@@ -11313,7 +11313,7 @@
         </p:nvCxnSpPr>
         <p:spPr>
           <a:xfrm>
-            <a:off x="3134678" y="4418815"/>
+            <a:off x="2713761" y="4430927"/>
             <a:ext cx="208108" cy="0"/>
           </a:xfrm>
           <a:prstGeom prst="line">
@@ -11356,7 +11356,7 @@
         </p:nvCxnSpPr>
         <p:spPr>
           <a:xfrm>
-            <a:off x="3134677" y="4574329"/>
+            <a:off x="2713760" y="4586441"/>
             <a:ext cx="208109" cy="0"/>
           </a:xfrm>
           <a:prstGeom prst="line">
@@ -11399,7 +11399,7 @@
         </p:nvCxnSpPr>
         <p:spPr>
           <a:xfrm>
-            <a:off x="3134677" y="5054481"/>
+            <a:off x="2713760" y="5066593"/>
             <a:ext cx="208109" cy="0"/>
           </a:xfrm>
           <a:prstGeom prst="line">
@@ -11440,7 +11440,7 @@
         </p:nvSpPr>
         <p:spPr>
           <a:xfrm>
-            <a:off x="2574923" y="4274629"/>
+            <a:off x="2154006" y="4286741"/>
             <a:ext cx="540533" cy="246221"/>
           </a:xfrm>
           <a:prstGeom prst="rect">
@@ -11476,7 +11476,7 @@
         </p:nvSpPr>
         <p:spPr>
           <a:xfrm>
-            <a:off x="2575061" y="4440000"/>
+            <a:off x="2154144" y="4452112"/>
             <a:ext cx="540533" cy="246221"/>
           </a:xfrm>
           <a:prstGeom prst="rect">
@@ -11512,7 +11512,7 @@
         </p:nvSpPr>
         <p:spPr>
           <a:xfrm>
-            <a:off x="2574922" y="4930561"/>
+            <a:off x="2154005" y="4942673"/>
             <a:ext cx="540533" cy="246221"/>
           </a:xfrm>
           <a:prstGeom prst="rect">
@@ -11548,7 +11548,7 @@
         </p:nvSpPr>
         <p:spPr>
           <a:xfrm rot="10800000">
-            <a:off x="3448494" y="4230403"/>
+            <a:off x="3027577" y="4242515"/>
             <a:ext cx="108509" cy="1279814"/>
           </a:xfrm>
           <a:prstGeom prst="triangle">
@@ -11596,177 +11596,6 @@
       </p:sp>
       <p:sp>
         <p:nvSpPr>
-          <p:cNvPr id="73" name="Rectangle 72">
-            <a:extLst>
-              <a:ext uri="{FF2B5EF4-FFF2-40B4-BE49-F238E27FC236}">
-                <a16:creationId xmlns:a16="http://schemas.microsoft.com/office/drawing/2014/main" id="{A0F41E34-6838-4141-BE27-D3A9B6EB5E8C}"/>
-              </a:ext>
-            </a:extLst>
-          </p:cNvPr>
-          <p:cNvSpPr/>
-          <p:nvPr/>
-        </p:nvSpPr>
-        <p:spPr>
-          <a:xfrm>
-            <a:off x="2028414" y="4611646"/>
-            <a:ext cx="460382" cy="246221"/>
-          </a:xfrm>
-          <a:prstGeom prst="rect">
-            <a:avLst/>
-          </a:prstGeom>
-        </p:spPr>
-        <p:txBody>
-          <a:bodyPr wrap="none">
-            <a:spAutoFit/>
-          </a:bodyPr>
-          <a:lstStyle/>
-          <a:p>
-            <a:pPr algn="ctr"/>
-            <a:r>
-              <a:rPr lang="en-US" altLang="zh-Hans" sz="1000" b="1" dirty="0"/>
-              <a:t>Gene</a:t>
-            </a:r>
-            <a:endParaRPr lang="en-US" sz="1000" b="1" dirty="0"/>
-          </a:p>
-        </p:txBody>
-      </p:sp>
-      <p:cxnSp>
-        <p:nvCxnSpPr>
-          <p:cNvPr id="74" name="Straight Connector 73">
-            <a:extLst>
-              <a:ext uri="{FF2B5EF4-FFF2-40B4-BE49-F238E27FC236}">
-                <a16:creationId xmlns:a16="http://schemas.microsoft.com/office/drawing/2014/main" id="{2B21FF59-2AFB-C541-840E-AD3A988605A6}"/>
-              </a:ext>
-            </a:extLst>
-          </p:cNvPr>
-          <p:cNvCxnSpPr>
-            <a:stCxn id="73" idx="3"/>
-            <a:endCxn id="70" idx="1"/>
-          </p:cNvCxnSpPr>
-          <p:nvPr/>
-        </p:nvCxnSpPr>
-        <p:spPr>
-          <a:xfrm flipV="1">
-            <a:off x="2488796" y="4563111"/>
-            <a:ext cx="86265" cy="171646"/>
-          </a:xfrm>
-          <a:prstGeom prst="line">
-            <a:avLst/>
-          </a:prstGeom>
-          <a:ln>
-            <a:solidFill>
-              <a:schemeClr val="tx1"/>
-            </a:solidFill>
-          </a:ln>
-        </p:spPr>
-        <p:style>
-          <a:lnRef idx="1">
-            <a:schemeClr val="accent1"/>
-          </a:lnRef>
-          <a:fillRef idx="0">
-            <a:schemeClr val="accent1"/>
-          </a:fillRef>
-          <a:effectRef idx="0">
-            <a:schemeClr val="accent1"/>
-          </a:effectRef>
-          <a:fontRef idx="minor">
-            <a:schemeClr val="tx1"/>
-          </a:fontRef>
-        </p:style>
-      </p:cxnSp>
-      <p:cxnSp>
-        <p:nvCxnSpPr>
-          <p:cNvPr id="75" name="Straight Connector 74">
-            <a:extLst>
-              <a:ext uri="{FF2B5EF4-FFF2-40B4-BE49-F238E27FC236}">
-                <a16:creationId xmlns:a16="http://schemas.microsoft.com/office/drawing/2014/main" id="{FE4A5CB7-5415-B744-93A0-0A91C96D6D1D}"/>
-              </a:ext>
-            </a:extLst>
-          </p:cNvPr>
-          <p:cNvCxnSpPr>
-            <a:cxnSpLocks/>
-            <a:stCxn id="73" idx="3"/>
-            <a:endCxn id="69" idx="1"/>
-          </p:cNvCxnSpPr>
-          <p:nvPr/>
-        </p:nvCxnSpPr>
-        <p:spPr>
-          <a:xfrm flipV="1">
-            <a:off x="2488796" y="4397740"/>
-            <a:ext cx="86127" cy="337017"/>
-          </a:xfrm>
-          <a:prstGeom prst="line">
-            <a:avLst/>
-          </a:prstGeom>
-          <a:ln>
-            <a:solidFill>
-              <a:schemeClr val="tx1"/>
-            </a:solidFill>
-            <a:prstDash val="solid"/>
-          </a:ln>
-        </p:spPr>
-        <p:style>
-          <a:lnRef idx="1">
-            <a:schemeClr val="accent1"/>
-          </a:lnRef>
-          <a:fillRef idx="0">
-            <a:schemeClr val="accent1"/>
-          </a:fillRef>
-          <a:effectRef idx="0">
-            <a:schemeClr val="accent1"/>
-          </a:effectRef>
-          <a:fontRef idx="minor">
-            <a:schemeClr val="tx1"/>
-          </a:fontRef>
-        </p:style>
-      </p:cxnSp>
-      <p:cxnSp>
-        <p:nvCxnSpPr>
-          <p:cNvPr id="76" name="Straight Connector 75">
-            <a:extLst>
-              <a:ext uri="{FF2B5EF4-FFF2-40B4-BE49-F238E27FC236}">
-                <a16:creationId xmlns:a16="http://schemas.microsoft.com/office/drawing/2014/main" id="{5C81BFDB-F9C7-814F-B346-5CC27E281A08}"/>
-              </a:ext>
-            </a:extLst>
-          </p:cNvPr>
-          <p:cNvCxnSpPr>
-            <a:cxnSpLocks/>
-            <a:stCxn id="73" idx="3"/>
-            <a:endCxn id="71" idx="1"/>
-          </p:cNvCxnSpPr>
-          <p:nvPr/>
-        </p:nvCxnSpPr>
-        <p:spPr>
-          <a:xfrm>
-            <a:off x="2488796" y="4734757"/>
-            <a:ext cx="86126" cy="318915"/>
-          </a:xfrm>
-          <a:prstGeom prst="line">
-            <a:avLst/>
-          </a:prstGeom>
-          <a:ln>
-            <a:solidFill>
-              <a:schemeClr val="tx1"/>
-            </a:solidFill>
-          </a:ln>
-        </p:spPr>
-        <p:style>
-          <a:lnRef idx="1">
-            <a:schemeClr val="accent1"/>
-          </a:lnRef>
-          <a:fillRef idx="0">
-            <a:schemeClr val="accent1"/>
-          </a:fillRef>
-          <a:effectRef idx="0">
-            <a:schemeClr val="accent1"/>
-          </a:effectRef>
-          <a:fontRef idx="minor">
-            <a:schemeClr val="tx1"/>
-          </a:fontRef>
-        </p:style>
-      </p:cxnSp>
-      <p:sp>
-        <p:nvSpPr>
           <p:cNvPr id="80" name="Right Arrow 79">
             <a:extLst>
               <a:ext uri="{FF2B5EF4-FFF2-40B4-BE49-F238E27FC236}">
@@ -11819,8 +11648,8 @@
           </a:p>
         </p:txBody>
       </p:sp>
-      <mc:AlternateContent xmlns:mc="http://schemas.openxmlformats.org/markup-compatibility/2006">
-        <mc:Choice xmlns:a14="http://schemas.microsoft.com/office/drawing/2010/main" Requires="a14">
+      <mc:AlternateContent xmlns:mc="http://schemas.openxmlformats.org/markup-compatibility/2006" xmlns:a14="http://schemas.microsoft.com/office/drawing/2010/main">
+        <mc:Choice Requires="a14">
           <p:sp>
             <p:nvSpPr>
               <p:cNvPr id="87" name="TextBox 86">
@@ -11973,7 +11802,7 @@
             </p:txBody>
           </p:sp>
         </mc:Choice>
-        <mc:Fallback>
+        <mc:Fallback xmlns="">
           <p:sp>
             <p:nvSpPr>
               <p:cNvPr id="87" name="TextBox 86">
@@ -12032,7 +11861,7 @@
         </p:nvSpPr>
         <p:spPr>
           <a:xfrm>
-            <a:off x="2265016" y="3955680"/>
+            <a:off x="2152933" y="3955680"/>
             <a:ext cx="1091966" cy="246221"/>
           </a:xfrm>
           <a:prstGeom prst="rect">
@@ -12067,7 +11896,7 @@
         </p:nvSpPr>
         <p:spPr>
           <a:xfrm>
-            <a:off x="3754109" y="4657024"/>
+            <a:off x="3371715" y="4655008"/>
             <a:ext cx="148622" cy="162003"/>
           </a:xfrm>
           <a:prstGeom prst="rightArrow">
@@ -12257,8 +12086,8 @@
         </p:blipFill>
         <p:spPr>
           <a:xfrm>
-            <a:off x="4132533" y="4557162"/>
-            <a:ext cx="1361402" cy="857134"/>
+            <a:off x="3918046" y="4526170"/>
+            <a:ext cx="1510392" cy="950938"/>
           </a:xfrm>
           <a:prstGeom prst="rect">
             <a:avLst/>
@@ -12292,7 +12121,7 @@
         </p:blipFill>
         <p:spPr>
           <a:xfrm>
-            <a:off x="6245896" y="4461067"/>
+            <a:off x="6240928" y="4505394"/>
             <a:ext cx="1112786" cy="1016935"/>
           </a:xfrm>
           <a:prstGeom prst="rect">
@@ -12327,8 +12156,8 @@
         </p:blipFill>
         <p:spPr>
           <a:xfrm>
-            <a:off x="5100935" y="3923712"/>
-            <a:ext cx="1406819" cy="1247316"/>
+            <a:off x="4972950" y="3970695"/>
+            <a:ext cx="1544228" cy="1369146"/>
           </a:xfrm>
           <a:prstGeom prst="rect">
             <a:avLst/>
@@ -12354,7 +12183,7 @@
         </p:nvSpPr>
         <p:spPr>
           <a:xfrm>
-            <a:off x="3852278" y="4108143"/>
+            <a:off x="3815942" y="4102087"/>
             <a:ext cx="1194178" cy="246221"/>
           </a:xfrm>
           <a:prstGeom prst="rect">
@@ -12564,8 +12393,8 @@
         </p:blipFill>
         <p:spPr>
           <a:xfrm>
-            <a:off x="6137256" y="2062665"/>
-            <a:ext cx="1260005" cy="994376"/>
+            <a:off x="6137257" y="2062665"/>
+            <a:ext cx="1215212" cy="994376"/>
           </a:xfrm>
           <a:prstGeom prst="rect">
             <a:avLst/>
@@ -12887,6 +12716,99 @@
           </p:txBody>
         </p:sp>
       </p:grpSp>
+      <p:sp>
+        <p:nvSpPr>
+          <p:cNvPr id="89" name="TextBox 88">
+            <a:extLst>
+              <a:ext uri="{FF2B5EF4-FFF2-40B4-BE49-F238E27FC236}">
+                <a16:creationId xmlns:a16="http://schemas.microsoft.com/office/drawing/2014/main" id="{2AB92B56-E51B-F343-8C1B-B0F4C9D3F3AB}"/>
+              </a:ext>
+            </a:extLst>
+          </p:cNvPr>
+          <p:cNvSpPr txBox="1"/>
+          <p:nvPr/>
+        </p:nvSpPr>
+        <p:spPr>
+          <a:xfrm>
+            <a:off x="3658341" y="3759794"/>
+            <a:ext cx="364202" cy="369332"/>
+          </a:xfrm>
+          <a:prstGeom prst="rect">
+            <a:avLst/>
+          </a:prstGeom>
+          <a:noFill/>
+        </p:spPr>
+        <p:txBody>
+          <a:bodyPr wrap="none" rtlCol="0">
+            <a:spAutoFit/>
+          </a:bodyPr>
+          <a:lstStyle/>
+          <a:p>
+            <a:r>
+              <a:rPr lang="en-US" altLang="zh-Hans" dirty="0"/>
+              <a:t>d</a:t>
+            </a:r>
+            <a:r>
+              <a:rPr lang="en-US" dirty="0"/>
+              <a:t>.</a:t>
+            </a:r>
+          </a:p>
+        </p:txBody>
+      </p:sp>
+      <p:sp>
+        <p:nvSpPr>
+          <p:cNvPr id="90" name="Right Arrow 89">
+            <a:extLst>
+              <a:ext uri="{FF2B5EF4-FFF2-40B4-BE49-F238E27FC236}">
+                <a16:creationId xmlns:a16="http://schemas.microsoft.com/office/drawing/2014/main" id="{060B034E-C535-E545-8E41-0A17BEDE73A7}"/>
+              </a:ext>
+            </a:extLst>
+          </p:cNvPr>
+          <p:cNvSpPr/>
+          <p:nvPr/>
+        </p:nvSpPr>
+        <p:spPr>
+          <a:xfrm rot="5400000">
+            <a:off x="6212063" y="3590327"/>
+            <a:ext cx="148622" cy="162003"/>
+          </a:xfrm>
+          <a:prstGeom prst="rightArrow">
+            <a:avLst/>
+          </a:prstGeom>
+          <a:solidFill>
+            <a:schemeClr val="bg1">
+              <a:lumMod val="65000"/>
+            </a:schemeClr>
+          </a:solidFill>
+          <a:ln>
+            <a:noFill/>
+          </a:ln>
+        </p:spPr>
+        <p:style>
+          <a:lnRef idx="2">
+            <a:schemeClr val="accent1">
+              <a:shade val="50000"/>
+            </a:schemeClr>
+          </a:lnRef>
+          <a:fillRef idx="1">
+            <a:schemeClr val="accent1"/>
+          </a:fillRef>
+          <a:effectRef idx="0">
+            <a:schemeClr val="accent1"/>
+          </a:effectRef>
+          <a:fontRef idx="minor">
+            <a:schemeClr val="lt1"/>
+          </a:fontRef>
+        </p:style>
+        <p:txBody>
+          <a:bodyPr rtlCol="0" anchor="ctr"/>
+          <a:lstStyle/>
+          <a:p>
+            <a:pPr algn="ctr"/>
+            <a:endParaRPr lang="en-US"/>
+          </a:p>
+        </p:txBody>
+      </p:sp>
     </p:spTree>
     <p:extLst>
       <p:ext uri="{BB962C8B-B14F-4D97-AF65-F5344CB8AC3E}">

--- a/GCA.pptx
+++ b/GCA.pptx
@@ -8675,10 +8675,10 @@
       </p:grpSpPr>
       <p:pic>
         <p:nvPicPr>
-          <p:cNvPr id="108" name="Picture 107">
-            <a:extLst>
-              <a:ext uri="{FF2B5EF4-FFF2-40B4-BE49-F238E27FC236}">
-                <a16:creationId xmlns:a16="http://schemas.microsoft.com/office/drawing/2014/main" id="{DA50080F-8C5E-A948-A151-321F1E5174C6}"/>
+          <p:cNvPr id="81" name="Picture 80">
+            <a:extLst>
+              <a:ext uri="{FF2B5EF4-FFF2-40B4-BE49-F238E27FC236}">
+                <a16:creationId xmlns:a16="http://schemas.microsoft.com/office/drawing/2014/main" id="{B2AF18B7-4A00-0846-8400-74F02314E541}"/>
               </a:ext>
             </a:extLst>
           </p:cNvPr>
@@ -8695,8 +8695,108 @@
         </p:blipFill>
         <p:spPr>
           <a:xfrm>
-            <a:off x="5215655" y="3108957"/>
-            <a:ext cx="557725" cy="540721"/>
+            <a:off x="3822692" y="4482304"/>
+            <a:ext cx="1852517" cy="1147225"/>
+          </a:xfrm>
+          <a:prstGeom prst="rect">
+            <a:avLst/>
+          </a:prstGeom>
+          <a:ln>
+            <a:solidFill>
+              <a:schemeClr val="tx1"/>
+            </a:solidFill>
+          </a:ln>
+        </p:spPr>
+      </p:pic>
+      <p:pic>
+        <p:nvPicPr>
+          <p:cNvPr id="78" name="Picture 77">
+            <a:extLst>
+              <a:ext uri="{FF2B5EF4-FFF2-40B4-BE49-F238E27FC236}">
+                <a16:creationId xmlns:a16="http://schemas.microsoft.com/office/drawing/2014/main" id="{FB450014-7884-0A49-9632-623E26AFDA0F}"/>
+              </a:ext>
+            </a:extLst>
+          </p:cNvPr>
+          <p:cNvPicPr>
+            <a:picLocks noChangeAspect="1"/>
+          </p:cNvPicPr>
+          <p:nvPr/>
+        </p:nvPicPr>
+        <p:blipFill>
+          <a:blip r:embed="rId4"/>
+          <a:stretch>
+            <a:fillRect/>
+          </a:stretch>
+        </p:blipFill>
+        <p:spPr>
+          <a:xfrm>
+            <a:off x="6161995" y="4347991"/>
+            <a:ext cx="1236109" cy="1146402"/>
+          </a:xfrm>
+          <a:prstGeom prst="rect">
+            <a:avLst/>
+          </a:prstGeom>
+          <a:ln>
+            <a:solidFill>
+              <a:schemeClr val="tx1"/>
+            </a:solidFill>
+          </a:ln>
+        </p:spPr>
+      </p:pic>
+      <p:pic>
+        <p:nvPicPr>
+          <p:cNvPr id="65" name="Picture 64">
+            <a:extLst>
+              <a:ext uri="{FF2B5EF4-FFF2-40B4-BE49-F238E27FC236}">
+                <a16:creationId xmlns:a16="http://schemas.microsoft.com/office/drawing/2014/main" id="{304FEB70-B794-6342-9C15-48E3112C5C74}"/>
+              </a:ext>
+            </a:extLst>
+          </p:cNvPr>
+          <p:cNvPicPr>
+            <a:picLocks noChangeAspect="1"/>
+          </p:cNvPicPr>
+          <p:nvPr/>
+        </p:nvPicPr>
+        <p:blipFill>
+          <a:blip r:embed="rId5"/>
+          <a:stretch>
+            <a:fillRect/>
+          </a:stretch>
+        </p:blipFill>
+        <p:spPr>
+          <a:xfrm>
+            <a:off x="3509175" y="2363525"/>
+            <a:ext cx="1346958" cy="1233492"/>
+          </a:xfrm>
+          <a:prstGeom prst="rect">
+            <a:avLst/>
+          </a:prstGeom>
+        </p:spPr>
+      </p:pic>
+      <p:pic>
+        <p:nvPicPr>
+          <p:cNvPr id="50" name="Picture 49">
+            <a:extLst>
+              <a:ext uri="{FF2B5EF4-FFF2-40B4-BE49-F238E27FC236}">
+                <a16:creationId xmlns:a16="http://schemas.microsoft.com/office/drawing/2014/main" id="{278F81B7-2A10-8847-9D18-0A3BE9A83307}"/>
+              </a:ext>
+            </a:extLst>
+          </p:cNvPr>
+          <p:cNvPicPr>
+            <a:picLocks noChangeAspect="1"/>
+          </p:cNvPicPr>
+          <p:nvPr/>
+        </p:nvPicPr>
+        <p:blipFill>
+          <a:blip r:embed="rId6"/>
+          <a:stretch>
+            <a:fillRect/>
+          </a:stretch>
+        </p:blipFill>
+        <p:spPr>
+          <a:xfrm>
+            <a:off x="5248079" y="3112449"/>
+            <a:ext cx="538764" cy="519408"/>
           </a:xfrm>
           <a:prstGeom prst="rect">
             <a:avLst/>
@@ -9413,7 +9513,7 @@
                 <a:avLst/>
               </a:prstGeom>
               <a:blipFill>
-                <a:blip r:embed="rId4"/>
+                <a:blip r:embed="rId7"/>
                 <a:stretch>
                   <a:fillRect b="-13043"/>
                 </a:stretch>
@@ -10000,7 +10100,7 @@
           <p:nvPr/>
         </p:nvPicPr>
         <p:blipFill>
-          <a:blip r:embed="rId5"/>
+          <a:blip r:embed="rId8"/>
           <a:stretch>
             <a:fillRect/>
           </a:stretch>
@@ -10416,96 +10516,6 @@
           </a:p>
         </p:txBody>
       </p:sp>
-      <p:pic>
-        <p:nvPicPr>
-          <p:cNvPr id="33" name="Picture 32">
-            <a:extLst>
-              <a:ext uri="{FF2B5EF4-FFF2-40B4-BE49-F238E27FC236}">
-                <a16:creationId xmlns:a16="http://schemas.microsoft.com/office/drawing/2014/main" id="{CB8683CD-0EB0-AF44-A50E-A2A23BADA5F9}"/>
-              </a:ext>
-            </a:extLst>
-          </p:cNvPr>
-          <p:cNvPicPr>
-            <a:picLocks noChangeAspect="1"/>
-          </p:cNvPicPr>
-          <p:nvPr/>
-        </p:nvPicPr>
-        <p:blipFill>
-          <a:blip r:embed="rId6"/>
-          <a:stretch>
-            <a:fillRect/>
-          </a:stretch>
-        </p:blipFill>
-        <p:spPr>
-          <a:xfrm>
-            <a:off x="716280" y="2367431"/>
-            <a:ext cx="1314138" cy="1233798"/>
-          </a:xfrm>
-          <a:prstGeom prst="rect">
-            <a:avLst/>
-          </a:prstGeom>
-        </p:spPr>
-      </p:pic>
-      <p:pic>
-        <p:nvPicPr>
-          <p:cNvPr id="34" name="Picture 33">
-            <a:extLst>
-              <a:ext uri="{FF2B5EF4-FFF2-40B4-BE49-F238E27FC236}">
-                <a16:creationId xmlns:a16="http://schemas.microsoft.com/office/drawing/2014/main" id="{30B5D735-9AF8-9948-A159-67CC7CD97005}"/>
-              </a:ext>
-            </a:extLst>
-          </p:cNvPr>
-          <p:cNvPicPr>
-            <a:picLocks noChangeAspect="1"/>
-          </p:cNvPicPr>
-          <p:nvPr/>
-        </p:nvPicPr>
-        <p:blipFill>
-          <a:blip r:embed="rId7"/>
-          <a:stretch>
-            <a:fillRect/>
-          </a:stretch>
-        </p:blipFill>
-        <p:spPr>
-          <a:xfrm>
-            <a:off x="2115544" y="2367431"/>
-            <a:ext cx="1314514" cy="1233798"/>
-          </a:xfrm>
-          <a:prstGeom prst="rect">
-            <a:avLst/>
-          </a:prstGeom>
-        </p:spPr>
-      </p:pic>
-      <p:pic>
-        <p:nvPicPr>
-          <p:cNvPr id="35" name="Picture 34">
-            <a:extLst>
-              <a:ext uri="{FF2B5EF4-FFF2-40B4-BE49-F238E27FC236}">
-                <a16:creationId xmlns:a16="http://schemas.microsoft.com/office/drawing/2014/main" id="{2F1F4982-F6E0-F04B-970B-12A83B90C63A}"/>
-              </a:ext>
-            </a:extLst>
-          </p:cNvPr>
-          <p:cNvPicPr>
-            <a:picLocks noChangeAspect="1"/>
-          </p:cNvPicPr>
-          <p:nvPr/>
-        </p:nvPicPr>
-        <p:blipFill>
-          <a:blip r:embed="rId8"/>
-          <a:stretch>
-            <a:fillRect/>
-          </a:stretch>
-        </p:blipFill>
-        <p:spPr>
-          <a:xfrm>
-            <a:off x="3529423" y="2367431"/>
-            <a:ext cx="1332998" cy="1233798"/>
-          </a:xfrm>
-          <a:prstGeom prst="rect">
-            <a:avLst/>
-          </a:prstGeom>
-        </p:spPr>
-      </p:pic>
       <p:sp>
         <p:nvSpPr>
           <p:cNvPr id="36" name="Rectangle 35">
@@ -10569,6 +10579,57 @@
           </a:bodyPr>
           <a:lstStyle/>
           <a:p>
+            <a:r>
+              <a:rPr lang="en-US" sz="1000" b="1" dirty="0">
+                <a:solidFill>
+                  <a:srgbClr val="FF0000"/>
+                </a:solidFill>
+              </a:rPr>
+              <a:t>Main-group</a:t>
+            </a:r>
+          </a:p>
+          <a:p>
+            <a:pPr algn="ctr"/>
+            <a:r>
+              <a:rPr lang="en-US" sz="1000" b="1" dirty="0">
+                <a:solidFill>
+                  <a:srgbClr val="FF0000"/>
+                </a:solidFill>
+              </a:rPr>
+              <a:t>(66%)</a:t>
+            </a:r>
+          </a:p>
+        </p:txBody>
+      </p:sp>
+      <p:sp>
+        <p:nvSpPr>
+          <p:cNvPr id="38" name="TextBox 37">
+            <a:extLst>
+              <a:ext uri="{FF2B5EF4-FFF2-40B4-BE49-F238E27FC236}">
+                <a16:creationId xmlns:a16="http://schemas.microsoft.com/office/drawing/2014/main" id="{A390777B-31DD-0740-8A03-5698A2F733DE}"/>
+              </a:ext>
+            </a:extLst>
+          </p:cNvPr>
+          <p:cNvSpPr txBox="1"/>
+          <p:nvPr/>
+        </p:nvSpPr>
+        <p:spPr>
+          <a:xfrm>
+            <a:off x="4462505" y="2462941"/>
+            <a:ext cx="800220" cy="553998"/>
+          </a:xfrm>
+          <a:prstGeom prst="rect">
+            <a:avLst/>
+          </a:prstGeom>
+          <a:noFill/>
+        </p:spPr>
+        <p:txBody>
+          <a:bodyPr wrap="none" rtlCol="0">
+            <a:spAutoFit/>
+          </a:bodyPr>
+          <a:lstStyle/>
+          <a:p>
+            <a:pPr algn="ctr"/>
             <a:r>
               <a:rPr lang="en-US" sz="1000" b="1" dirty="0">
                 <a:solidFill>
@@ -10577,7 +10638,7 @@
                   </a:schemeClr>
                 </a:solidFill>
               </a:rPr>
-              <a:t>Main-group</a:t>
+              <a:t>The largest </a:t>
             </a:r>
           </a:p>
           <a:p>
@@ -10590,66 +10651,17 @@
                   </a:schemeClr>
                 </a:solidFill>
               </a:rPr>
-              <a:t>(64%)</a:t>
-            </a:r>
-          </a:p>
-        </p:txBody>
-      </p:sp>
-      <p:sp>
-        <p:nvSpPr>
-          <p:cNvPr id="38" name="TextBox 37">
-            <a:extLst>
-              <a:ext uri="{FF2B5EF4-FFF2-40B4-BE49-F238E27FC236}">
-                <a16:creationId xmlns:a16="http://schemas.microsoft.com/office/drawing/2014/main" id="{A390777B-31DD-0740-8A03-5698A2F733DE}"/>
-              </a:ext>
-            </a:extLst>
-          </p:cNvPr>
-          <p:cNvSpPr txBox="1"/>
-          <p:nvPr/>
-        </p:nvSpPr>
-        <p:spPr>
-          <a:xfrm>
-            <a:off x="4462505" y="2462941"/>
-            <a:ext cx="800220" cy="553998"/>
-          </a:xfrm>
-          <a:prstGeom prst="rect">
-            <a:avLst/>
-          </a:prstGeom>
-          <a:noFill/>
-        </p:spPr>
-        <p:txBody>
-          <a:bodyPr wrap="none" rtlCol="0">
-            <a:spAutoFit/>
-          </a:bodyPr>
-          <a:lstStyle/>
+              <a:t>sub-group </a:t>
+            </a:r>
+          </a:p>
           <a:p>
             <a:pPr algn="ctr"/>
             <a:r>
               <a:rPr lang="en-US" sz="1000" b="1" dirty="0">
                 <a:solidFill>
-                  <a:srgbClr val="0070C0"/>
-                </a:solidFill>
-              </a:rPr>
-              <a:t>The largest </a:t>
-            </a:r>
-          </a:p>
-          <a:p>
-            <a:pPr algn="ctr"/>
-            <a:r>
-              <a:rPr lang="en-US" sz="1000" b="1" dirty="0">
-                <a:solidFill>
-                  <a:srgbClr val="0070C0"/>
-                </a:solidFill>
-              </a:rPr>
-              <a:t>sub-group </a:t>
-            </a:r>
-          </a:p>
-          <a:p>
-            <a:pPr algn="ctr"/>
-            <a:r>
-              <a:rPr lang="en-US" sz="1000" b="1" dirty="0">
-                <a:solidFill>
-                  <a:srgbClr val="0070C0"/>
+                  <a:schemeClr val="accent6">
+                    <a:lumMod val="75000"/>
+                  </a:schemeClr>
                 </a:solidFill>
               </a:rPr>
               <a:t>(LSG) (24%)</a:t>
@@ -10682,7 +10694,7 @@
           </a:prstGeom>
           <a:ln>
             <a:solidFill>
-              <a:schemeClr val="accent6"/>
+              <a:srgbClr val="FF0000"/>
             </a:solidFill>
             <a:tailEnd type="triangle"/>
           </a:ln>
@@ -10726,6 +10738,11 @@
             <a:avLst/>
           </a:prstGeom>
           <a:ln>
+            <a:solidFill>
+              <a:schemeClr val="accent6">
+                <a:lumMod val="75000"/>
+              </a:schemeClr>
+            </a:solidFill>
             <a:tailEnd type="triangle"/>
           </a:ln>
         </p:spPr>
@@ -11259,7 +11276,7 @@
         </p:nvSpPr>
         <p:spPr>
           <a:xfrm>
-            <a:off x="2713762" y="4247103"/>
+            <a:off x="2672666" y="4298473"/>
             <a:ext cx="208108" cy="1275226"/>
           </a:xfrm>
           <a:prstGeom prst="rect">
@@ -11313,7 +11330,7 @@
         </p:nvCxnSpPr>
         <p:spPr>
           <a:xfrm>
-            <a:off x="2713761" y="4430927"/>
+            <a:off x="2672665" y="4482297"/>
             <a:ext cx="208108" cy="0"/>
           </a:xfrm>
           <a:prstGeom prst="line">
@@ -11356,7 +11373,7 @@
         </p:nvCxnSpPr>
         <p:spPr>
           <a:xfrm>
-            <a:off x="2713760" y="4586441"/>
+            <a:off x="2672664" y="4637811"/>
             <a:ext cx="208109" cy="0"/>
           </a:xfrm>
           <a:prstGeom prst="line">
@@ -11399,7 +11416,7 @@
         </p:nvCxnSpPr>
         <p:spPr>
           <a:xfrm>
-            <a:off x="2713760" y="5066593"/>
+            <a:off x="2672664" y="5117963"/>
             <a:ext cx="208109" cy="0"/>
           </a:xfrm>
           <a:prstGeom prst="line">
@@ -11440,7 +11457,7 @@
         </p:nvSpPr>
         <p:spPr>
           <a:xfrm>
-            <a:off x="2154006" y="4286741"/>
+            <a:off x="2112910" y="4338111"/>
             <a:ext cx="540533" cy="246221"/>
           </a:xfrm>
           <a:prstGeom prst="rect">
@@ -11476,7 +11493,7 @@
         </p:nvSpPr>
         <p:spPr>
           <a:xfrm>
-            <a:off x="2154144" y="4452112"/>
+            <a:off x="2113048" y="4503482"/>
             <a:ext cx="540533" cy="246221"/>
           </a:xfrm>
           <a:prstGeom prst="rect">
@@ -11512,7 +11529,7 @@
         </p:nvSpPr>
         <p:spPr>
           <a:xfrm>
-            <a:off x="2154005" y="4942673"/>
+            <a:off x="2112909" y="4994043"/>
             <a:ext cx="540533" cy="246221"/>
           </a:xfrm>
           <a:prstGeom prst="rect">
@@ -11548,7 +11565,7 @@
         </p:nvSpPr>
         <p:spPr>
           <a:xfrm rot="10800000">
-            <a:off x="3027577" y="4242515"/>
+            <a:off x="2986481" y="4293885"/>
             <a:ext cx="108509" cy="1279814"/>
           </a:xfrm>
           <a:prstGeom prst="triangle">
@@ -11664,7 +11681,7 @@
             </p:nvSpPr>
             <p:spPr>
               <a:xfrm>
-                <a:off x="5814979" y="3233155"/>
+                <a:off x="5866349" y="3243429"/>
                 <a:ext cx="1589346" cy="292324"/>
               </a:xfrm>
               <a:prstGeom prst="rect">
@@ -11819,7 +11836,7 @@
             </p:nvSpPr>
             <p:spPr>
               <a:xfrm>
-                <a:off x="5814979" y="3233155"/>
+                <a:off x="5866349" y="3243429"/>
                 <a:ext cx="1589346" cy="292324"/>
               </a:xfrm>
               <a:prstGeom prst="rect">
@@ -11828,7 +11845,7 @@
               <a:blipFill>
                 <a:blip r:embed="rId9"/>
                 <a:stretch>
-                  <a:fillRect l="-1587" t="-8333" r="-794" b="-25000"/>
+                  <a:fillRect l="-2381" t="-4167" r="-794" b="-29167"/>
                 </a:stretch>
               </a:blipFill>
             </p:spPr>
@@ -11861,7 +11878,7 @@
         </p:nvSpPr>
         <p:spPr>
           <a:xfrm>
-            <a:off x="2152933" y="3955680"/>
+            <a:off x="2111837" y="4007050"/>
             <a:ext cx="1091966" cy="246221"/>
           </a:xfrm>
           <a:prstGeom prst="rect">
@@ -12004,7 +12021,7 @@
         </p:nvSpPr>
         <p:spPr>
           <a:xfrm>
-            <a:off x="5236796" y="2901818"/>
+            <a:off x="5226522" y="2881270"/>
             <a:ext cx="649537" cy="246221"/>
           </a:xfrm>
           <a:prstGeom prst="rect">
@@ -12022,7 +12039,9 @@
             <a:r>
               <a:rPr lang="en-US" sz="1000" b="1" dirty="0">
                 <a:solidFill>
-                  <a:srgbClr val="0070C0"/>
+                  <a:schemeClr val="accent6">
+                    <a:lumMod val="75000"/>
+                  </a:schemeClr>
                 </a:solidFill>
               </a:rPr>
               <a:t>LSG (3%)</a:t>
@@ -12064,131 +12083,26 @@
           </a:p>
         </p:txBody>
       </p:sp>
-      <p:pic>
-        <p:nvPicPr>
-          <p:cNvPr id="113" name="Picture 112">
-            <a:extLst>
-              <a:ext uri="{FF2B5EF4-FFF2-40B4-BE49-F238E27FC236}">
-                <a16:creationId xmlns:a16="http://schemas.microsoft.com/office/drawing/2014/main" id="{6F4F9381-0459-3245-891B-8E49409D8740}"/>
-              </a:ext>
-            </a:extLst>
-          </p:cNvPr>
-          <p:cNvPicPr>
-            <a:picLocks noChangeAspect="1"/>
-          </p:cNvPicPr>
+      <p:sp>
+        <p:nvSpPr>
+          <p:cNvPr id="116" name="Rectangle 115">
+            <a:extLst>
+              <a:ext uri="{FF2B5EF4-FFF2-40B4-BE49-F238E27FC236}">
+                <a16:creationId xmlns:a16="http://schemas.microsoft.com/office/drawing/2014/main" id="{4BFA9E57-FA67-9443-868E-7E9A1C1D2686}"/>
+              </a:ext>
+            </a:extLst>
+          </p:cNvPr>
+          <p:cNvSpPr/>
           <p:nvPr/>
-        </p:nvPicPr>
-        <p:blipFill>
-          <a:blip r:embed="rId10"/>
-          <a:stretch>
-            <a:fillRect/>
-          </a:stretch>
-        </p:blipFill>
-        <p:spPr>
-          <a:xfrm>
-            <a:off x="3918046" y="4526170"/>
-            <a:ext cx="1510392" cy="950938"/>
+        </p:nvSpPr>
+        <p:spPr>
+          <a:xfrm>
+            <a:off x="3815942" y="4102087"/>
+            <a:ext cx="1194178" cy="246221"/>
           </a:xfrm>
           <a:prstGeom prst="rect">
             <a:avLst/>
           </a:prstGeom>
-          <a:ln>
-            <a:solidFill>
-              <a:schemeClr val="tx1"/>
-            </a:solidFill>
-          </a:ln>
-        </p:spPr>
-      </p:pic>
-      <p:pic>
-        <p:nvPicPr>
-          <p:cNvPr id="114" name="Picture 113">
-            <a:extLst>
-              <a:ext uri="{FF2B5EF4-FFF2-40B4-BE49-F238E27FC236}">
-                <a16:creationId xmlns:a16="http://schemas.microsoft.com/office/drawing/2014/main" id="{9B12A3C0-9461-B241-8385-AA9BE47C57D2}"/>
-              </a:ext>
-            </a:extLst>
-          </p:cNvPr>
-          <p:cNvPicPr>
-            <a:picLocks noChangeAspect="1"/>
-          </p:cNvPicPr>
-          <p:nvPr/>
-        </p:nvPicPr>
-        <p:blipFill>
-          <a:blip r:embed="rId11"/>
-          <a:stretch>
-            <a:fillRect/>
-          </a:stretch>
-        </p:blipFill>
-        <p:spPr>
-          <a:xfrm>
-            <a:off x="6240928" y="4505394"/>
-            <a:ext cx="1112786" cy="1016935"/>
-          </a:xfrm>
-          <a:prstGeom prst="rect">
-            <a:avLst/>
-          </a:prstGeom>
-          <a:ln>
-            <a:solidFill>
-              <a:schemeClr val="tx1"/>
-            </a:solidFill>
-          </a:ln>
-        </p:spPr>
-      </p:pic>
-      <p:pic>
-        <p:nvPicPr>
-          <p:cNvPr id="115" name="Picture 114">
-            <a:extLst>
-              <a:ext uri="{FF2B5EF4-FFF2-40B4-BE49-F238E27FC236}">
-                <a16:creationId xmlns:a16="http://schemas.microsoft.com/office/drawing/2014/main" id="{A1FCF260-C6F7-DB48-969F-F2A976F41E7E}"/>
-              </a:ext>
-            </a:extLst>
-          </p:cNvPr>
-          <p:cNvPicPr>
-            <a:picLocks noChangeAspect="1"/>
-          </p:cNvPicPr>
-          <p:nvPr/>
-        </p:nvPicPr>
-        <p:blipFill>
-          <a:blip r:embed="rId12"/>
-          <a:stretch>
-            <a:fillRect/>
-          </a:stretch>
-        </p:blipFill>
-        <p:spPr>
-          <a:xfrm>
-            <a:off x="4972950" y="3970695"/>
-            <a:ext cx="1544228" cy="1369146"/>
-          </a:xfrm>
-          <a:prstGeom prst="rect">
-            <a:avLst/>
-          </a:prstGeom>
-          <a:ln>
-            <a:solidFill>
-              <a:schemeClr val="tx1"/>
-            </a:solidFill>
-          </a:ln>
-        </p:spPr>
-      </p:pic>
-      <p:sp>
-        <p:nvSpPr>
-          <p:cNvPr id="116" name="Rectangle 115">
-            <a:extLst>
-              <a:ext uri="{FF2B5EF4-FFF2-40B4-BE49-F238E27FC236}">
-                <a16:creationId xmlns:a16="http://schemas.microsoft.com/office/drawing/2014/main" id="{4BFA9E57-FA67-9443-868E-7E9A1C1D2686}"/>
-              </a:ext>
-            </a:extLst>
-          </p:cNvPr>
-          <p:cNvSpPr/>
-          <p:nvPr/>
-        </p:nvSpPr>
-        <p:spPr>
-          <a:xfrm>
-            <a:off x="3815942" y="4102087"/>
-            <a:ext cx="1194178" cy="246221"/>
-          </a:xfrm>
-          <a:prstGeom prst="rect">
-            <a:avLst/>
-          </a:prstGeom>
         </p:spPr>
         <p:txBody>
           <a:bodyPr wrap="square">
@@ -12226,7 +12140,7 @@
         </p:nvSpPr>
         <p:spPr>
           <a:xfrm>
-            <a:off x="5307422" y="2457935"/>
+            <a:off x="5266326" y="2457935"/>
             <a:ext cx="148622" cy="162003"/>
           </a:xfrm>
           <a:prstGeom prst="rightArrow">
@@ -12371,36 +12285,6 @@
           </a:p>
         </p:txBody>
       </p:sp>
-      <p:pic>
-        <p:nvPicPr>
-          <p:cNvPr id="122" name="Picture 121">
-            <a:extLst>
-              <a:ext uri="{FF2B5EF4-FFF2-40B4-BE49-F238E27FC236}">
-                <a16:creationId xmlns:a16="http://schemas.microsoft.com/office/drawing/2014/main" id="{06FCD838-5522-F64D-863A-59C97EA7422B}"/>
-              </a:ext>
-            </a:extLst>
-          </p:cNvPr>
-          <p:cNvPicPr>
-            <a:picLocks noChangeAspect="1"/>
-          </p:cNvPicPr>
-          <p:nvPr/>
-        </p:nvPicPr>
-        <p:blipFill>
-          <a:blip r:embed="rId13"/>
-          <a:stretch>
-            <a:fillRect/>
-          </a:stretch>
-        </p:blipFill>
-        <p:spPr>
-          <a:xfrm>
-            <a:off x="6137257" y="2062665"/>
-            <a:ext cx="1215212" cy="994376"/>
-          </a:xfrm>
-          <a:prstGeom prst="rect">
-            <a:avLst/>
-          </a:prstGeom>
-        </p:spPr>
-      </p:pic>
       <p:sp>
         <p:nvSpPr>
           <p:cNvPr id="123" name="TextBox 122">
@@ -12415,7 +12299,7 @@
         </p:nvSpPr>
         <p:spPr>
           <a:xfrm>
-            <a:off x="5389138" y="2344719"/>
+            <a:off x="5409686" y="2344719"/>
             <a:ext cx="795411" cy="400110"/>
           </a:xfrm>
           <a:prstGeom prst="rect">
@@ -12809,6 +12693,131 @@
           </a:p>
         </p:txBody>
       </p:sp>
+      <p:pic>
+        <p:nvPicPr>
+          <p:cNvPr id="46" name="Picture 45">
+            <a:extLst>
+              <a:ext uri="{FF2B5EF4-FFF2-40B4-BE49-F238E27FC236}">
+                <a16:creationId xmlns:a16="http://schemas.microsoft.com/office/drawing/2014/main" id="{1F9FCC7A-04F2-2347-885E-8EEB7AAA4616}"/>
+              </a:ext>
+            </a:extLst>
+          </p:cNvPr>
+          <p:cNvPicPr>
+            <a:picLocks noChangeAspect="1"/>
+          </p:cNvPicPr>
+          <p:nvPr/>
+        </p:nvPicPr>
+        <p:blipFill>
+          <a:blip r:embed="rId10"/>
+          <a:stretch>
+            <a:fillRect/>
+          </a:stretch>
+        </p:blipFill>
+        <p:spPr>
+          <a:xfrm>
+            <a:off x="730845" y="2363146"/>
+            <a:ext cx="1285334" cy="1233871"/>
+          </a:xfrm>
+          <a:prstGeom prst="rect">
+            <a:avLst/>
+          </a:prstGeom>
+        </p:spPr>
+      </p:pic>
+      <p:pic>
+        <p:nvPicPr>
+          <p:cNvPr id="48" name="Picture 47">
+            <a:extLst>
+              <a:ext uri="{FF2B5EF4-FFF2-40B4-BE49-F238E27FC236}">
+                <a16:creationId xmlns:a16="http://schemas.microsoft.com/office/drawing/2014/main" id="{E626752E-1538-6E4C-9A35-E57AC42C9A79}"/>
+              </a:ext>
+            </a:extLst>
+          </p:cNvPr>
+          <p:cNvPicPr>
+            <a:picLocks noChangeAspect="1"/>
+          </p:cNvPicPr>
+          <p:nvPr/>
+        </p:nvPicPr>
+        <p:blipFill>
+          <a:blip r:embed="rId11"/>
+          <a:stretch>
+            <a:fillRect/>
+          </a:stretch>
+        </p:blipFill>
+        <p:spPr>
+          <a:xfrm>
+            <a:off x="2101417" y="2363146"/>
+            <a:ext cx="1310335" cy="1233871"/>
+          </a:xfrm>
+          <a:prstGeom prst="rect">
+            <a:avLst/>
+          </a:prstGeom>
+        </p:spPr>
+      </p:pic>
+      <p:pic>
+        <p:nvPicPr>
+          <p:cNvPr id="76" name="Picture 75">
+            <a:extLst>
+              <a:ext uri="{FF2B5EF4-FFF2-40B4-BE49-F238E27FC236}">
+                <a16:creationId xmlns:a16="http://schemas.microsoft.com/office/drawing/2014/main" id="{A2C61DAB-9E29-564C-BF0C-1EDC21BC986F}"/>
+              </a:ext>
+            </a:extLst>
+          </p:cNvPr>
+          <p:cNvPicPr>
+            <a:picLocks noChangeAspect="1"/>
+          </p:cNvPicPr>
+          <p:nvPr/>
+        </p:nvPicPr>
+        <p:blipFill>
+          <a:blip r:embed="rId12"/>
+          <a:stretch>
+            <a:fillRect/>
+          </a:stretch>
+        </p:blipFill>
+        <p:spPr>
+          <a:xfrm>
+            <a:off x="6205478" y="2011124"/>
+            <a:ext cx="1225145" cy="1086046"/>
+          </a:xfrm>
+          <a:prstGeom prst="rect">
+            <a:avLst/>
+          </a:prstGeom>
+        </p:spPr>
+      </p:pic>
+      <p:pic>
+        <p:nvPicPr>
+          <p:cNvPr id="83" name="Picture 82">
+            <a:extLst>
+              <a:ext uri="{FF2B5EF4-FFF2-40B4-BE49-F238E27FC236}">
+                <a16:creationId xmlns:a16="http://schemas.microsoft.com/office/drawing/2014/main" id="{D5F34083-6D09-0B4B-9D2F-F2DC59C76777}"/>
+              </a:ext>
+            </a:extLst>
+          </p:cNvPr>
+          <p:cNvPicPr>
+            <a:picLocks noChangeAspect="1"/>
+          </p:cNvPicPr>
+          <p:nvPr/>
+        </p:nvPicPr>
+        <p:blipFill>
+          <a:blip r:embed="rId13"/>
+          <a:stretch>
+            <a:fillRect/>
+          </a:stretch>
+        </p:blipFill>
+        <p:spPr>
+          <a:xfrm>
+            <a:off x="5135864" y="3974751"/>
+            <a:ext cx="1233881" cy="1186117"/>
+          </a:xfrm>
+          <a:prstGeom prst="rect">
+            <a:avLst/>
+          </a:prstGeom>
+          <a:ln>
+            <a:solidFill>
+              <a:schemeClr val="tx1"/>
+            </a:solidFill>
+          </a:ln>
+        </p:spPr>
+      </p:pic>
     </p:spTree>
     <p:extLst>
       <p:ext uri="{BB962C8B-B14F-4D97-AF65-F5344CB8AC3E}">
